--- a/DATA608_Story7_GDavis_Presentation.pptx
+++ b/DATA608_Story7_GDavis_Presentation.pptx
@@ -1,29 +1,29 @@
 
 <file path=ppt/presentation.xml><?xml version="1.0" encoding="utf-8"?>
-<p:presentation xmlns:a="http://schemas.openxmlformats.org/drawingml/2006/main" xmlns:r="http://schemas.openxmlformats.org/officeDocument/2006/relationships" xmlns:mc="http://schemas.openxmlformats.org/markup-compatibility/2006" xmlns:mv="urn:schemas-microsoft-com:mac:vml" xmlns:p="http://schemas.openxmlformats.org/presentationml/2006/main" xmlns:c="http://schemas.openxmlformats.org/drawingml/2006/chart" xmlns:dgm="http://schemas.openxmlformats.org/drawingml/2006/diagram" xmlns:o="urn:schemas-microsoft-com:office:office" xmlns:v="urn:schemas-microsoft-com:vml" xmlns:pvml="urn:schemas-microsoft-com:office:powerpoint" xmlns:com="http://schemas.openxmlformats.org/drawingml/2006/compatibility" xmlns:p14="http://schemas.microsoft.com/office/powerpoint/2010/main" xmlns:p15="http://schemas.microsoft.com/office/powerpoint/2012/main" xmlns:ahyp="http://schemas.microsoft.com/office/drawing/2018/hyperlinkcolor" autoCompressPictures="0" strictFirstAndLastChars="0" saveSubsetFonts="1">
+<p:presentation xmlns:a="http://schemas.openxmlformats.org/drawingml/2006/main" xmlns:r="http://schemas.openxmlformats.org/officeDocument/2006/relationships" xmlns:p="http://schemas.openxmlformats.org/presentationml/2006/main" strictFirstAndLastChars="0" saveSubsetFonts="1" autoCompressPictures="0">
   <p:sldMasterIdLst>
-    <p:sldMasterId id="2147483659" r:id="rId4"/>
+    <p:sldMasterId id="2147483659" r:id="rId1"/>
   </p:sldMasterIdLst>
   <p:notesMasterIdLst>
-    <p:notesMasterId r:id="rId5"/>
+    <p:notesMasterId r:id="rId13"/>
   </p:notesMasterIdLst>
   <p:sldIdLst>
-    <p:sldId id="256" r:id="rId6"/>
-    <p:sldId id="257" r:id="rId7"/>
-    <p:sldId id="258" r:id="rId8"/>
-    <p:sldId id="259" r:id="rId9"/>
-    <p:sldId id="260" r:id="rId10"/>
-    <p:sldId id="261" r:id="rId11"/>
-    <p:sldId id="262" r:id="rId12"/>
-    <p:sldId id="263" r:id="rId13"/>
-    <p:sldId id="264" r:id="rId14"/>
-    <p:sldId id="265" r:id="rId15"/>
-    <p:sldId id="266" r:id="rId16"/>
+    <p:sldId id="256" r:id="rId2"/>
+    <p:sldId id="257" r:id="rId3"/>
+    <p:sldId id="258" r:id="rId4"/>
+    <p:sldId id="259" r:id="rId5"/>
+    <p:sldId id="260" r:id="rId6"/>
+    <p:sldId id="261" r:id="rId7"/>
+    <p:sldId id="262" r:id="rId8"/>
+    <p:sldId id="263" r:id="rId9"/>
+    <p:sldId id="264" r:id="rId10"/>
+    <p:sldId id="265" r:id="rId11"/>
+    <p:sldId id="266" r:id="rId12"/>
   </p:sldIdLst>
-  <p:sldSz cy="5143500" cx="9144000"/>
-  <p:notesSz cx="6858000" cy="9144000"/>
+  <p:sldSz cx="9144000" cy="5143500" type="screen16x9"/>
+  <p:notesSz cx="7315200" cy="9601200"/>
   <p:defaultTextStyle>
-    <a:defPPr lvl="0" marR="0" rtl="0" algn="l">
+    <a:defPPr marR="0" lvl="0" algn="l" rtl="0">
       <a:lnSpc>
         <a:spcPct val="100000"/>
       </a:lnSpc>
@@ -34,7 +34,7 @@
         <a:spcPts val="0"/>
       </a:spcAft>
     </a:defPPr>
-    <a:lvl1pPr lvl="0" marR="0" rtl="0" algn="l">
+    <a:lvl1pPr marR="0" lvl="0" algn="l" rtl="0">
       <a:lnSpc>
         <a:spcPct val="100000"/>
       </a:lnSpc>
@@ -48,7 +48,7 @@
         <a:srgbClr val="000000"/>
       </a:buClr>
       <a:buFont typeface="Arial"/>
-      <a:defRPr b="0" i="0" sz="1400" u="none" cap="none" strike="noStrike">
+      <a:defRPr sz="1400" b="0" i="0" u="none" strike="noStrike" cap="none">
         <a:solidFill>
           <a:srgbClr val="000000"/>
         </a:solidFill>
@@ -58,7 +58,7 @@
         <a:sym typeface="Arial"/>
       </a:defRPr>
     </a:lvl1pPr>
-    <a:lvl2pPr lvl="1" marR="0" rtl="0" algn="l">
+    <a:lvl2pPr marR="0" lvl="1" algn="l" rtl="0">
       <a:lnSpc>
         <a:spcPct val="100000"/>
       </a:lnSpc>
@@ -72,7 +72,7 @@
         <a:srgbClr val="000000"/>
       </a:buClr>
       <a:buFont typeface="Arial"/>
-      <a:defRPr b="0" i="0" sz="1400" u="none" cap="none" strike="noStrike">
+      <a:defRPr sz="1400" b="0" i="0" u="none" strike="noStrike" cap="none">
         <a:solidFill>
           <a:srgbClr val="000000"/>
         </a:solidFill>
@@ -82,7 +82,7 @@
         <a:sym typeface="Arial"/>
       </a:defRPr>
     </a:lvl2pPr>
-    <a:lvl3pPr lvl="2" marR="0" rtl="0" algn="l">
+    <a:lvl3pPr marR="0" lvl="2" algn="l" rtl="0">
       <a:lnSpc>
         <a:spcPct val="100000"/>
       </a:lnSpc>
@@ -96,7 +96,7 @@
         <a:srgbClr val="000000"/>
       </a:buClr>
       <a:buFont typeface="Arial"/>
-      <a:defRPr b="0" i="0" sz="1400" u="none" cap="none" strike="noStrike">
+      <a:defRPr sz="1400" b="0" i="0" u="none" strike="noStrike" cap="none">
         <a:solidFill>
           <a:srgbClr val="000000"/>
         </a:solidFill>
@@ -106,7 +106,7 @@
         <a:sym typeface="Arial"/>
       </a:defRPr>
     </a:lvl3pPr>
-    <a:lvl4pPr lvl="3" marR="0" rtl="0" algn="l">
+    <a:lvl4pPr marR="0" lvl="3" algn="l" rtl="0">
       <a:lnSpc>
         <a:spcPct val="100000"/>
       </a:lnSpc>
@@ -120,7 +120,7 @@
         <a:srgbClr val="000000"/>
       </a:buClr>
       <a:buFont typeface="Arial"/>
-      <a:defRPr b="0" i="0" sz="1400" u="none" cap="none" strike="noStrike">
+      <a:defRPr sz="1400" b="0" i="0" u="none" strike="noStrike" cap="none">
         <a:solidFill>
           <a:srgbClr val="000000"/>
         </a:solidFill>
@@ -130,7 +130,7 @@
         <a:sym typeface="Arial"/>
       </a:defRPr>
     </a:lvl4pPr>
-    <a:lvl5pPr lvl="4" marR="0" rtl="0" algn="l">
+    <a:lvl5pPr marR="0" lvl="4" algn="l" rtl="0">
       <a:lnSpc>
         <a:spcPct val="100000"/>
       </a:lnSpc>
@@ -144,7 +144,7 @@
         <a:srgbClr val="000000"/>
       </a:buClr>
       <a:buFont typeface="Arial"/>
-      <a:defRPr b="0" i="0" sz="1400" u="none" cap="none" strike="noStrike">
+      <a:defRPr sz="1400" b="0" i="0" u="none" strike="noStrike" cap="none">
         <a:solidFill>
           <a:srgbClr val="000000"/>
         </a:solidFill>
@@ -154,7 +154,7 @@
         <a:sym typeface="Arial"/>
       </a:defRPr>
     </a:lvl5pPr>
-    <a:lvl6pPr lvl="5" marR="0" rtl="0" algn="l">
+    <a:lvl6pPr marR="0" lvl="5" algn="l" rtl="0">
       <a:lnSpc>
         <a:spcPct val="100000"/>
       </a:lnSpc>
@@ -168,7 +168,7 @@
         <a:srgbClr val="000000"/>
       </a:buClr>
       <a:buFont typeface="Arial"/>
-      <a:defRPr b="0" i="0" sz="1400" u="none" cap="none" strike="noStrike">
+      <a:defRPr sz="1400" b="0" i="0" u="none" strike="noStrike" cap="none">
         <a:solidFill>
           <a:srgbClr val="000000"/>
         </a:solidFill>
@@ -178,7 +178,7 @@
         <a:sym typeface="Arial"/>
       </a:defRPr>
     </a:lvl6pPr>
-    <a:lvl7pPr lvl="6" marR="0" rtl="0" algn="l">
+    <a:lvl7pPr marR="0" lvl="6" algn="l" rtl="0">
       <a:lnSpc>
         <a:spcPct val="100000"/>
       </a:lnSpc>
@@ -192,7 +192,7 @@
         <a:srgbClr val="000000"/>
       </a:buClr>
       <a:buFont typeface="Arial"/>
-      <a:defRPr b="0" i="0" sz="1400" u="none" cap="none" strike="noStrike">
+      <a:defRPr sz="1400" b="0" i="0" u="none" strike="noStrike" cap="none">
         <a:solidFill>
           <a:srgbClr val="000000"/>
         </a:solidFill>
@@ -202,7 +202,7 @@
         <a:sym typeface="Arial"/>
       </a:defRPr>
     </a:lvl7pPr>
-    <a:lvl8pPr lvl="7" marR="0" rtl="0" algn="l">
+    <a:lvl8pPr marR="0" lvl="7" algn="l" rtl="0">
       <a:lnSpc>
         <a:spcPct val="100000"/>
       </a:lnSpc>
@@ -216,7 +216,7 @@
         <a:srgbClr val="000000"/>
       </a:buClr>
       <a:buFont typeface="Arial"/>
-      <a:defRPr b="0" i="0" sz="1400" u="none" cap="none" strike="noStrike">
+      <a:defRPr sz="1400" b="0" i="0" u="none" strike="noStrike" cap="none">
         <a:solidFill>
           <a:srgbClr val="000000"/>
         </a:solidFill>
@@ -226,7 +226,7 @@
         <a:sym typeface="Arial"/>
       </a:defRPr>
     </a:lvl8pPr>
-    <a:lvl9pPr lvl="8" marR="0" rtl="0" algn="l">
+    <a:lvl9pPr marR="0" lvl="8" algn="l" rtl="0">
       <a:lnSpc>
         <a:spcPct val="100000"/>
       </a:lnSpc>
@@ -240,7 +240,7 @@
         <a:srgbClr val="000000"/>
       </a:buClr>
       <a:buFont typeface="Arial"/>
-      <a:defRPr b="0" i="0" sz="1400" u="none" cap="none" strike="noStrike">
+      <a:defRPr sz="1400" b="0" i="0" u="none" strike="noStrike" cap="none">
         <a:solidFill>
           <a:srgbClr val="000000"/>
         </a:solidFill>
@@ -253,7 +253,7 @@
   </p:defaultTextStyle>
   <p:extLst>
     <p:ext uri="{EFAFB233-063F-42B5-8137-9DF3F51BA10A}">
-      <p15:sldGuideLst>
+      <p15:sldGuideLst xmlns:p15="http://schemas.microsoft.com/office/powerpoint/2012/main">
         <p15:guide id="1" orient="horz" pos="1620">
           <p15:clr>
             <a:srgbClr val="747775"/>
@@ -271,11 +271,16 @@
 </file>
 
 <file path=ppt/notesMasters/notesMaster1.xml><?xml version="1.0" encoding="utf-8"?>
-<p:notesMaster xmlns:a="http://schemas.openxmlformats.org/drawingml/2006/main" xmlns:r="http://schemas.openxmlformats.org/officeDocument/2006/relationships" xmlns:mc="http://schemas.openxmlformats.org/markup-compatibility/2006" xmlns:mv="urn:schemas-microsoft-com:mac:vml" xmlns:p="http://schemas.openxmlformats.org/presentationml/2006/main" xmlns:c="http://schemas.openxmlformats.org/drawingml/2006/chart" xmlns:dgm="http://schemas.openxmlformats.org/drawingml/2006/diagram" xmlns:o="urn:schemas-microsoft-com:office:office" xmlns:v="urn:schemas-microsoft-com:vml" xmlns:pvml="urn:schemas-microsoft-com:office:powerpoint" xmlns:com="http://schemas.openxmlformats.org/drawingml/2006/compatibility" xmlns:p14="http://schemas.microsoft.com/office/powerpoint/2010/main" xmlns:p15="http://schemas.microsoft.com/office/powerpoint/2012/main" xmlns:ahyp="http://schemas.microsoft.com/office/drawing/2018/hyperlinkcolor">
+<p:notesMaster xmlns:a="http://schemas.openxmlformats.org/drawingml/2006/main" xmlns:r="http://schemas.openxmlformats.org/officeDocument/2006/relationships" xmlns:p="http://schemas.openxmlformats.org/presentationml/2006/main">
   <p:cSld>
+    <p:bg>
+      <p:bgRef idx="1001">
+        <a:schemeClr val="bg1"/>
+      </p:bgRef>
+    </p:bg>
     <p:spTree>
       <p:nvGrpSpPr>
-        <p:cNvPr id="2" name="Shape 2"/>
+        <p:cNvPr id="1" name="Shape 2"/>
         <p:cNvGrpSpPr/>
         <p:nvPr/>
       </p:nvGrpSpPr>
@@ -290,20 +295,26 @@
       <p:sp>
         <p:nvSpPr>
           <p:cNvPr id="3" name="Google Shape;3;n"/>
-          <p:cNvSpPr/>
+          <p:cNvSpPr>
+            <a:spLocks noGrp="1" noRot="1" noChangeAspect="1"/>
+          </p:cNvSpPr>
           <p:nvPr>
-            <p:ph idx="2" type="sldImg"/>
+            <p:ph type="sldImg" idx="2"/>
           </p:nvPr>
         </p:nvSpPr>
         <p:spPr>
           <a:xfrm>
-            <a:off x="381300" y="685800"/>
-            <a:ext cx="6096075" cy="3429000"/>
+            <a:off x="457200" y="720725"/>
+            <a:ext cx="6400800" cy="3600450"/>
           </a:xfrm>
           <a:custGeom>
-            <a:rect b="b" l="l" r="r" t="t"/>
+            <a:avLst/>
+            <a:gdLst/>
+            <a:ahLst/>
+            <a:cxnLst/>
+            <a:rect l="l" t="t" r="r" b="b"/>
             <a:pathLst>
-              <a:path extrusionOk="0" h="120000" w="120000">
+              <a:path w="120000" h="120000" extrusionOk="0">
                 <a:moveTo>
                   <a:pt x="0" y="0"/>
                 </a:moveTo>
@@ -321,29 +332,31 @@
             </a:pathLst>
           </a:custGeom>
           <a:noFill/>
-          <a:ln cap="flat" cmpd="sng" w="9525">
+          <a:ln w="9525" cap="flat" cmpd="sng">
             <a:solidFill>
               <a:srgbClr val="000000"/>
             </a:solidFill>
             <a:prstDash val="solid"/>
             <a:round/>
-            <a:headEnd len="sm" w="sm" type="none"/>
-            <a:tailEnd len="sm" w="sm" type="none"/>
+            <a:headEnd type="none" w="sm" len="sm"/>
+            <a:tailEnd type="none" w="sm" len="sm"/>
           </a:ln>
         </p:spPr>
       </p:sp>
       <p:sp>
         <p:nvSpPr>
           <p:cNvPr id="4" name="Google Shape;4;n"/>
-          <p:cNvSpPr txBox="1"/>
+          <p:cNvSpPr txBox="1">
+            <a:spLocks noGrp="1"/>
+          </p:cNvSpPr>
           <p:nvPr>
-            <p:ph idx="1" type="body"/>
+            <p:ph type="body" idx="1"/>
           </p:nvPr>
         </p:nvSpPr>
         <p:spPr>
           <a:xfrm>
-            <a:off x="685800" y="4343400"/>
-            <a:ext cx="5486400" cy="4114800"/>
+            <a:off x="731520" y="4560570"/>
+            <a:ext cx="5852160" cy="4320540"/>
           </a:xfrm>
           <a:prstGeom prst="rect">
             <a:avLst/>
@@ -354,11 +367,11 @@
           </a:ln>
         </p:spPr>
         <p:txBody>
-          <a:bodyPr anchorCtr="0" anchor="t" bIns="91425" lIns="91425" spcFirstLastPara="1" rIns="91425" wrap="square" tIns="91425">
+          <a:bodyPr spcFirstLastPara="1" wrap="square" lIns="96645" tIns="96645" rIns="96645" bIns="96645" anchor="t" anchorCtr="0">
             <a:noAutofit/>
           </a:bodyPr>
           <a:lstStyle>
-            <a:lvl1pPr indent="-298450" lvl="0" marL="457200">
+            <a:lvl1pPr marL="457200" lvl="0" indent="-298450">
               <a:spcBef>
                 <a:spcPts val="0"/>
               </a:spcBef>
@@ -369,7 +382,7 @@
               <a:buChar char="●"/>
               <a:defRPr sz="1100"/>
             </a:lvl1pPr>
-            <a:lvl2pPr indent="-298450" lvl="1" marL="914400">
+            <a:lvl2pPr marL="914400" lvl="1" indent="-298450">
               <a:spcBef>
                 <a:spcPts val="0"/>
               </a:spcBef>
@@ -380,7 +393,7 @@
               <a:buChar char="○"/>
               <a:defRPr sz="1100"/>
             </a:lvl2pPr>
-            <a:lvl3pPr indent="-298450" lvl="2" marL="1371600">
+            <a:lvl3pPr marL="1371600" lvl="2" indent="-298450">
               <a:spcBef>
                 <a:spcPts val="0"/>
               </a:spcBef>
@@ -391,7 +404,7 @@
               <a:buChar char="■"/>
               <a:defRPr sz="1100"/>
             </a:lvl3pPr>
-            <a:lvl4pPr indent="-298450" lvl="3" marL="1828800">
+            <a:lvl4pPr marL="1828800" lvl="3" indent="-298450">
               <a:spcBef>
                 <a:spcPts val="0"/>
               </a:spcBef>
@@ -402,7 +415,7 @@
               <a:buChar char="●"/>
               <a:defRPr sz="1100"/>
             </a:lvl4pPr>
-            <a:lvl5pPr indent="-298450" lvl="4" marL="2286000">
+            <a:lvl5pPr marL="2286000" lvl="4" indent="-298450">
               <a:spcBef>
                 <a:spcPts val="0"/>
               </a:spcBef>
@@ -413,7 +426,7 @@
               <a:buChar char="○"/>
               <a:defRPr sz="1100"/>
             </a:lvl5pPr>
-            <a:lvl6pPr indent="-298450" lvl="5" marL="2743200">
+            <a:lvl6pPr marL="2743200" lvl="5" indent="-298450">
               <a:spcBef>
                 <a:spcPts val="0"/>
               </a:spcBef>
@@ -424,7 +437,7 @@
               <a:buChar char="■"/>
               <a:defRPr sz="1100"/>
             </a:lvl6pPr>
-            <a:lvl7pPr indent="-298450" lvl="6" marL="3200400">
+            <a:lvl7pPr marL="3200400" lvl="6" indent="-298450">
               <a:spcBef>
                 <a:spcPts val="0"/>
               </a:spcBef>
@@ -435,7 +448,7 @@
               <a:buChar char="●"/>
               <a:defRPr sz="1100"/>
             </a:lvl7pPr>
-            <a:lvl8pPr indent="-298450" lvl="7" marL="3657600">
+            <a:lvl8pPr marL="3657600" lvl="7" indent="-298450">
               <a:spcBef>
                 <a:spcPts val="0"/>
               </a:spcBef>
@@ -446,7 +459,7 @@
               <a:buChar char="○"/>
               <a:defRPr sz="1100"/>
             </a:lvl8pPr>
-            <a:lvl9pPr indent="-298450" lvl="8" marL="4114800">
+            <a:lvl9pPr marL="4114800" lvl="8" indent="-298450">
               <a:spcBef>
                 <a:spcPts val="0"/>
               </a:spcBef>
@@ -458,14 +471,16 @@
               <a:defRPr sz="1100"/>
             </a:lvl9pPr>
           </a:lstStyle>
-          <a:p/>
+          <a:p>
+            <a:endParaRPr/>
+          </a:p>
         </p:txBody>
       </p:sp>
     </p:spTree>
   </p:cSld>
-  <p:clrMap accent1="accent1" accent2="accent2" accent3="accent3" accent4="accent4" accent5="accent5" accent6="accent6" bg1="lt1" bg2="dk2" tx1="dk1" tx2="lt2" folHlink="folHlink" hlink="hlink"/>
+  <p:clrMap bg1="lt1" tx1="dk1" bg2="dk2" tx2="lt2" accent1="accent1" accent2="accent2" accent3="accent3" accent4="accent4" accent5="accent5" accent6="accent6" hlink="hlink" folHlink="folHlink"/>
   <p:notesStyle>
-    <a:defPPr lvl="0" marR="0" rtl="0" algn="l">
+    <a:defPPr marR="0" lvl="0" algn="l" rtl="0">
       <a:lnSpc>
         <a:spcPct val="100000"/>
       </a:lnSpc>
@@ -476,7 +491,7 @@
         <a:spcPts val="0"/>
       </a:spcAft>
     </a:defPPr>
-    <a:lvl1pPr lvl="0" marR="0" rtl="0" algn="l">
+    <a:lvl1pPr marR="0" lvl="0" algn="l" rtl="0">
       <a:lnSpc>
         <a:spcPct val="100000"/>
       </a:lnSpc>
@@ -490,7 +505,7 @@
         <a:srgbClr val="000000"/>
       </a:buClr>
       <a:buFont typeface="Arial"/>
-      <a:defRPr b="0" i="0" sz="1400" u="none" cap="none" strike="noStrike">
+      <a:defRPr sz="1400" b="0" i="0" u="none" strike="noStrike" cap="none">
         <a:solidFill>
           <a:srgbClr val="000000"/>
         </a:solidFill>
@@ -500,7 +515,7 @@
         <a:sym typeface="Arial"/>
       </a:defRPr>
     </a:lvl1pPr>
-    <a:lvl2pPr lvl="1" marR="0" rtl="0" algn="l">
+    <a:lvl2pPr marR="0" lvl="1" algn="l" rtl="0">
       <a:lnSpc>
         <a:spcPct val="100000"/>
       </a:lnSpc>
@@ -514,7 +529,7 @@
         <a:srgbClr val="000000"/>
       </a:buClr>
       <a:buFont typeface="Arial"/>
-      <a:defRPr b="0" i="0" sz="1400" u="none" cap="none" strike="noStrike">
+      <a:defRPr sz="1400" b="0" i="0" u="none" strike="noStrike" cap="none">
         <a:solidFill>
           <a:srgbClr val="000000"/>
         </a:solidFill>
@@ -524,7 +539,7 @@
         <a:sym typeface="Arial"/>
       </a:defRPr>
     </a:lvl2pPr>
-    <a:lvl3pPr lvl="2" marR="0" rtl="0" algn="l">
+    <a:lvl3pPr marR="0" lvl="2" algn="l" rtl="0">
       <a:lnSpc>
         <a:spcPct val="100000"/>
       </a:lnSpc>
@@ -538,7 +553,7 @@
         <a:srgbClr val="000000"/>
       </a:buClr>
       <a:buFont typeface="Arial"/>
-      <a:defRPr b="0" i="0" sz="1400" u="none" cap="none" strike="noStrike">
+      <a:defRPr sz="1400" b="0" i="0" u="none" strike="noStrike" cap="none">
         <a:solidFill>
           <a:srgbClr val="000000"/>
         </a:solidFill>
@@ -548,7 +563,7 @@
         <a:sym typeface="Arial"/>
       </a:defRPr>
     </a:lvl3pPr>
-    <a:lvl4pPr lvl="3" marR="0" rtl="0" algn="l">
+    <a:lvl4pPr marR="0" lvl="3" algn="l" rtl="0">
       <a:lnSpc>
         <a:spcPct val="100000"/>
       </a:lnSpc>
@@ -562,7 +577,7 @@
         <a:srgbClr val="000000"/>
       </a:buClr>
       <a:buFont typeface="Arial"/>
-      <a:defRPr b="0" i="0" sz="1400" u="none" cap="none" strike="noStrike">
+      <a:defRPr sz="1400" b="0" i="0" u="none" strike="noStrike" cap="none">
         <a:solidFill>
           <a:srgbClr val="000000"/>
         </a:solidFill>
@@ -572,7 +587,7 @@
         <a:sym typeface="Arial"/>
       </a:defRPr>
     </a:lvl4pPr>
-    <a:lvl5pPr lvl="4" marR="0" rtl="0" algn="l">
+    <a:lvl5pPr marR="0" lvl="4" algn="l" rtl="0">
       <a:lnSpc>
         <a:spcPct val="100000"/>
       </a:lnSpc>
@@ -586,7 +601,7 @@
         <a:srgbClr val="000000"/>
       </a:buClr>
       <a:buFont typeface="Arial"/>
-      <a:defRPr b="0" i="0" sz="1400" u="none" cap="none" strike="noStrike">
+      <a:defRPr sz="1400" b="0" i="0" u="none" strike="noStrike" cap="none">
         <a:solidFill>
           <a:srgbClr val="000000"/>
         </a:solidFill>
@@ -596,7 +611,7 @@
         <a:sym typeface="Arial"/>
       </a:defRPr>
     </a:lvl5pPr>
-    <a:lvl6pPr lvl="5" marR="0" rtl="0" algn="l">
+    <a:lvl6pPr marR="0" lvl="5" algn="l" rtl="0">
       <a:lnSpc>
         <a:spcPct val="100000"/>
       </a:lnSpc>
@@ -610,7 +625,7 @@
         <a:srgbClr val="000000"/>
       </a:buClr>
       <a:buFont typeface="Arial"/>
-      <a:defRPr b="0" i="0" sz="1400" u="none" cap="none" strike="noStrike">
+      <a:defRPr sz="1400" b="0" i="0" u="none" strike="noStrike" cap="none">
         <a:solidFill>
           <a:srgbClr val="000000"/>
         </a:solidFill>
@@ -620,7 +635,7 @@
         <a:sym typeface="Arial"/>
       </a:defRPr>
     </a:lvl6pPr>
-    <a:lvl7pPr lvl="6" marR="0" rtl="0" algn="l">
+    <a:lvl7pPr marR="0" lvl="6" algn="l" rtl="0">
       <a:lnSpc>
         <a:spcPct val="100000"/>
       </a:lnSpc>
@@ -634,7 +649,7 @@
         <a:srgbClr val="000000"/>
       </a:buClr>
       <a:buFont typeface="Arial"/>
-      <a:defRPr b="0" i="0" sz="1400" u="none" cap="none" strike="noStrike">
+      <a:defRPr sz="1400" b="0" i="0" u="none" strike="noStrike" cap="none">
         <a:solidFill>
           <a:srgbClr val="000000"/>
         </a:solidFill>
@@ -644,7 +659,7 @@
         <a:sym typeface="Arial"/>
       </a:defRPr>
     </a:lvl7pPr>
-    <a:lvl8pPr lvl="7" marR="0" rtl="0" algn="l">
+    <a:lvl8pPr marR="0" lvl="7" algn="l" rtl="0">
       <a:lnSpc>
         <a:spcPct val="100000"/>
       </a:lnSpc>
@@ -658,7 +673,7 @@
         <a:srgbClr val="000000"/>
       </a:buClr>
       <a:buFont typeface="Arial"/>
-      <a:defRPr b="0" i="0" sz="1400" u="none" cap="none" strike="noStrike">
+      <a:defRPr sz="1400" b="0" i="0" u="none" strike="noStrike" cap="none">
         <a:solidFill>
           <a:srgbClr val="000000"/>
         </a:solidFill>
@@ -668,7 +683,7 @@
         <a:sym typeface="Arial"/>
       </a:defRPr>
     </a:lvl8pPr>
-    <a:lvl9pPr lvl="8" marR="0" rtl="0" algn="l">
+    <a:lvl9pPr marR="0" lvl="8" algn="l" rtl="0">
       <a:lnSpc>
         <a:spcPct val="100000"/>
       </a:lnSpc>
@@ -682,7 +697,7 @@
         <a:srgbClr val="000000"/>
       </a:buClr>
       <a:buFont typeface="Arial"/>
-      <a:defRPr b="0" i="0" sz="1400" u="none" cap="none" strike="noStrike">
+      <a:defRPr sz="1400" b="0" i="0" u="none" strike="noStrike" cap="none">
         <a:solidFill>
           <a:srgbClr val="000000"/>
         </a:solidFill>
@@ -697,11 +712,11 @@
 </file>
 
 <file path=ppt/notesSlides/notesSlide1.xml><?xml version="1.0" encoding="utf-8"?>
-<p:notes xmlns:a="http://schemas.openxmlformats.org/drawingml/2006/main" xmlns:r="http://schemas.openxmlformats.org/officeDocument/2006/relationships" xmlns:mc="http://schemas.openxmlformats.org/markup-compatibility/2006" xmlns:mv="urn:schemas-microsoft-com:mac:vml" xmlns:p="http://schemas.openxmlformats.org/presentationml/2006/main" xmlns:c="http://schemas.openxmlformats.org/drawingml/2006/chart" xmlns:dgm="http://schemas.openxmlformats.org/drawingml/2006/diagram" xmlns:o="urn:schemas-microsoft-com:office:office" xmlns:v="urn:schemas-microsoft-com:vml" xmlns:pvml="urn:schemas-microsoft-com:office:powerpoint" xmlns:com="http://schemas.openxmlformats.org/drawingml/2006/compatibility" xmlns:p14="http://schemas.microsoft.com/office/powerpoint/2010/main" xmlns:p15="http://schemas.microsoft.com/office/powerpoint/2012/main" xmlns:ahyp="http://schemas.microsoft.com/office/drawing/2018/hyperlinkcolor" showMasterPhAnim="0" showMasterSp="0">
+<p:notes xmlns:a="http://schemas.openxmlformats.org/drawingml/2006/main" xmlns:r="http://schemas.openxmlformats.org/officeDocument/2006/relationships" xmlns:p="http://schemas.openxmlformats.org/presentationml/2006/main" showMasterSp="0" showMasterPhAnim="0">
   <p:cSld>
     <p:spTree>
       <p:nvGrpSpPr>
-        <p:cNvPr id="50" name="Shape 50"/>
+        <p:cNvPr id="1" name="Shape 50"/>
         <p:cNvGrpSpPr/>
         <p:nvPr/>
       </p:nvGrpSpPr>
@@ -716,20 +731,26 @@
       <p:sp>
         <p:nvSpPr>
           <p:cNvPr id="51" name="Google Shape;51;p:notes"/>
-          <p:cNvSpPr/>
+          <p:cNvSpPr>
+            <a:spLocks noGrp="1" noRot="1" noChangeAspect="1"/>
+          </p:cNvSpPr>
           <p:nvPr>
-            <p:ph idx="2" type="sldImg"/>
+            <p:ph type="sldImg" idx="2"/>
           </p:nvPr>
         </p:nvSpPr>
         <p:spPr>
           <a:xfrm>
-            <a:off x="381300" y="685800"/>
-            <a:ext cx="6096075" cy="3429000"/>
+            <a:off x="457200" y="720725"/>
+            <a:ext cx="6400800" cy="3600450"/>
           </a:xfrm>
           <a:custGeom>
-            <a:rect b="b" l="l" r="r" t="t"/>
+            <a:avLst/>
+            <a:gdLst/>
+            <a:ahLst/>
+            <a:cxnLst/>
+            <a:rect l="l" t="t" r="r" b="b"/>
             <a:pathLst>
-              <a:path extrusionOk="0" h="120000" w="120000">
+              <a:path w="120000" h="120000" extrusionOk="0">
                 <a:moveTo>
                   <a:pt x="0" y="0"/>
                 </a:moveTo>
@@ -751,38 +772,31 @@
       <p:sp>
         <p:nvSpPr>
           <p:cNvPr id="52" name="Google Shape;52;p:notes"/>
-          <p:cNvSpPr txBox="1"/>
+          <p:cNvSpPr txBox="1">
+            <a:spLocks noGrp="1"/>
+          </p:cNvSpPr>
           <p:nvPr>
-            <p:ph idx="1" type="body"/>
+            <p:ph type="body" idx="1"/>
           </p:nvPr>
         </p:nvSpPr>
         <p:spPr>
           <a:xfrm>
-            <a:off x="685800" y="4343400"/>
-            <a:ext cx="5486400" cy="4114800"/>
+            <a:off x="731520" y="4560570"/>
+            <a:ext cx="5852160" cy="4320540"/>
           </a:xfrm>
           <a:prstGeom prst="rect">
             <a:avLst/>
           </a:prstGeom>
         </p:spPr>
         <p:txBody>
-          <a:bodyPr anchorCtr="0" anchor="t" bIns="91425" lIns="91425" spcFirstLastPara="1" rIns="91425" wrap="square" tIns="91425">
+          <a:bodyPr spcFirstLastPara="1" wrap="square" lIns="96645" tIns="96645" rIns="96645" bIns="96645" anchor="t" anchorCtr="0">
             <a:noAutofit/>
           </a:bodyPr>
           <a:lstStyle/>
           <a:p>
-            <a:pPr indent="0" lvl="0" marL="0" rtl="0" algn="l">
-              <a:spcBef>
-                <a:spcPts val="0"/>
-              </a:spcBef>
-              <a:spcAft>
-                <a:spcPts val="0"/>
-              </a:spcAft>
+            <a:pPr marL="0" indent="0">
               <a:buNone/>
             </a:pPr>
-            <a:r>
-              <a:t/>
-            </a:r>
             <a:endParaRPr/>
           </a:p>
         </p:txBody>
@@ -796,11 +810,11 @@
 </file>
 
 <file path=ppt/notesSlides/notesSlide10.xml><?xml version="1.0" encoding="utf-8"?>
-<p:notes xmlns:a="http://schemas.openxmlformats.org/drawingml/2006/main" xmlns:r="http://schemas.openxmlformats.org/officeDocument/2006/relationships" xmlns:mc="http://schemas.openxmlformats.org/markup-compatibility/2006" xmlns:mv="urn:schemas-microsoft-com:mac:vml" xmlns:p="http://schemas.openxmlformats.org/presentationml/2006/main" xmlns:c="http://schemas.openxmlformats.org/drawingml/2006/chart" xmlns:dgm="http://schemas.openxmlformats.org/drawingml/2006/diagram" xmlns:o="urn:schemas-microsoft-com:office:office" xmlns:v="urn:schemas-microsoft-com:vml" xmlns:pvml="urn:schemas-microsoft-com:office:powerpoint" xmlns:com="http://schemas.openxmlformats.org/drawingml/2006/compatibility" xmlns:p14="http://schemas.microsoft.com/office/powerpoint/2010/main" xmlns:p15="http://schemas.microsoft.com/office/powerpoint/2012/main" xmlns:ahyp="http://schemas.microsoft.com/office/drawing/2018/hyperlinkcolor" showMasterPhAnim="0" showMasterSp="0">
+<p:notes xmlns:a="http://schemas.openxmlformats.org/drawingml/2006/main" xmlns:r="http://schemas.openxmlformats.org/officeDocument/2006/relationships" xmlns:p="http://schemas.openxmlformats.org/presentationml/2006/main" showMasterSp="0" showMasterPhAnim="0">
   <p:cSld>
     <p:spTree>
       <p:nvGrpSpPr>
-        <p:cNvPr id="102" name="Shape 102"/>
+        <p:cNvPr id="1" name="Shape 102"/>
         <p:cNvGrpSpPr/>
         <p:nvPr/>
       </p:nvGrpSpPr>
@@ -815,20 +829,26 @@
       <p:sp>
         <p:nvSpPr>
           <p:cNvPr id="103" name="Google Shape;103;g1ed1ffb55dc_0_64:notes"/>
-          <p:cNvSpPr/>
+          <p:cNvSpPr>
+            <a:spLocks noGrp="1" noRot="1" noChangeAspect="1"/>
+          </p:cNvSpPr>
           <p:nvPr>
-            <p:ph idx="2" type="sldImg"/>
+            <p:ph type="sldImg" idx="2"/>
           </p:nvPr>
         </p:nvSpPr>
         <p:spPr>
           <a:xfrm>
-            <a:off x="381300" y="685800"/>
-            <a:ext cx="6096000" cy="3429000"/>
+            <a:off x="457200" y="720725"/>
+            <a:ext cx="6400800" cy="3600450"/>
           </a:xfrm>
           <a:custGeom>
-            <a:rect b="b" l="l" r="r" t="t"/>
+            <a:avLst/>
+            <a:gdLst/>
+            <a:ahLst/>
+            <a:cxnLst/>
+            <a:rect l="l" t="t" r="r" b="b"/>
             <a:pathLst>
-              <a:path extrusionOk="0" h="120000" w="120000">
+              <a:path w="120000" h="120000" extrusionOk="0">
                 <a:moveTo>
                   <a:pt x="0" y="0"/>
                 </a:moveTo>
@@ -850,38 +870,31 @@
       <p:sp>
         <p:nvSpPr>
           <p:cNvPr id="104" name="Google Shape;104;g1ed1ffb55dc_0_64:notes"/>
-          <p:cNvSpPr txBox="1"/>
+          <p:cNvSpPr txBox="1">
+            <a:spLocks noGrp="1"/>
+          </p:cNvSpPr>
           <p:nvPr>
-            <p:ph idx="1" type="body"/>
+            <p:ph type="body" idx="1"/>
           </p:nvPr>
         </p:nvSpPr>
         <p:spPr>
           <a:xfrm>
-            <a:off x="685800" y="4343400"/>
-            <a:ext cx="5486400" cy="4114800"/>
+            <a:off x="731520" y="4560570"/>
+            <a:ext cx="5852160" cy="4320540"/>
           </a:xfrm>
           <a:prstGeom prst="rect">
             <a:avLst/>
           </a:prstGeom>
         </p:spPr>
         <p:txBody>
-          <a:bodyPr anchorCtr="0" anchor="t" bIns="91425" lIns="91425" spcFirstLastPara="1" rIns="91425" wrap="square" tIns="91425">
+          <a:bodyPr spcFirstLastPara="1" wrap="square" lIns="96645" tIns="96645" rIns="96645" bIns="96645" anchor="t" anchorCtr="0">
             <a:noAutofit/>
           </a:bodyPr>
           <a:lstStyle/>
           <a:p>
-            <a:pPr indent="0" lvl="0" marL="0" rtl="0" algn="l">
-              <a:spcBef>
-                <a:spcPts val="0"/>
-              </a:spcBef>
-              <a:spcAft>
-                <a:spcPts val="0"/>
-              </a:spcAft>
+            <a:pPr marL="0" indent="0">
               <a:buNone/>
             </a:pPr>
-            <a:r>
-              <a:t/>
-            </a:r>
             <a:endParaRPr/>
           </a:p>
         </p:txBody>
@@ -895,11 +908,11 @@
 </file>
 
 <file path=ppt/notesSlides/notesSlide11.xml><?xml version="1.0" encoding="utf-8"?>
-<p:notes xmlns:a="http://schemas.openxmlformats.org/drawingml/2006/main" xmlns:r="http://schemas.openxmlformats.org/officeDocument/2006/relationships" xmlns:mc="http://schemas.openxmlformats.org/markup-compatibility/2006" xmlns:mv="urn:schemas-microsoft-com:mac:vml" xmlns:p="http://schemas.openxmlformats.org/presentationml/2006/main" xmlns:c="http://schemas.openxmlformats.org/drawingml/2006/chart" xmlns:dgm="http://schemas.openxmlformats.org/drawingml/2006/diagram" xmlns:o="urn:schemas-microsoft-com:office:office" xmlns:v="urn:schemas-microsoft-com:vml" xmlns:pvml="urn:schemas-microsoft-com:office:powerpoint" xmlns:com="http://schemas.openxmlformats.org/drawingml/2006/compatibility" xmlns:p14="http://schemas.microsoft.com/office/powerpoint/2010/main" xmlns:p15="http://schemas.microsoft.com/office/powerpoint/2012/main" xmlns:ahyp="http://schemas.microsoft.com/office/drawing/2018/hyperlinkcolor" showMasterPhAnim="0" showMasterSp="0">
+<p:notes xmlns:a="http://schemas.openxmlformats.org/drawingml/2006/main" xmlns:r="http://schemas.openxmlformats.org/officeDocument/2006/relationships" xmlns:p="http://schemas.openxmlformats.org/presentationml/2006/main" showMasterSp="0" showMasterPhAnim="0">
   <p:cSld>
     <p:spTree>
       <p:nvGrpSpPr>
-        <p:cNvPr id="107" name="Shape 107"/>
+        <p:cNvPr id="1" name="Shape 107"/>
         <p:cNvGrpSpPr/>
         <p:nvPr/>
       </p:nvGrpSpPr>
@@ -914,20 +927,26 @@
       <p:sp>
         <p:nvSpPr>
           <p:cNvPr id="108" name="Google Shape;108;g1ed1ffb55dc_0_44:notes"/>
-          <p:cNvSpPr/>
+          <p:cNvSpPr>
+            <a:spLocks noGrp="1" noRot="1" noChangeAspect="1"/>
+          </p:cNvSpPr>
           <p:nvPr>
-            <p:ph idx="2" type="sldImg"/>
+            <p:ph type="sldImg" idx="2"/>
           </p:nvPr>
         </p:nvSpPr>
         <p:spPr>
           <a:xfrm>
-            <a:off x="381300" y="685800"/>
-            <a:ext cx="6096000" cy="3429000"/>
+            <a:off x="457200" y="720725"/>
+            <a:ext cx="6400800" cy="3600450"/>
           </a:xfrm>
           <a:custGeom>
-            <a:rect b="b" l="l" r="r" t="t"/>
+            <a:avLst/>
+            <a:gdLst/>
+            <a:ahLst/>
+            <a:cxnLst/>
+            <a:rect l="l" t="t" r="r" b="b"/>
             <a:pathLst>
-              <a:path extrusionOk="0" h="120000" w="120000">
+              <a:path w="120000" h="120000" extrusionOk="0">
                 <a:moveTo>
                   <a:pt x="0" y="0"/>
                 </a:moveTo>
@@ -949,38 +968,31 @@
       <p:sp>
         <p:nvSpPr>
           <p:cNvPr id="109" name="Google Shape;109;g1ed1ffb55dc_0_44:notes"/>
-          <p:cNvSpPr txBox="1"/>
+          <p:cNvSpPr txBox="1">
+            <a:spLocks noGrp="1"/>
+          </p:cNvSpPr>
           <p:nvPr>
-            <p:ph idx="1" type="body"/>
+            <p:ph type="body" idx="1"/>
           </p:nvPr>
         </p:nvSpPr>
         <p:spPr>
           <a:xfrm>
-            <a:off x="685800" y="4343400"/>
-            <a:ext cx="5486400" cy="4114800"/>
+            <a:off x="731520" y="4560570"/>
+            <a:ext cx="5852160" cy="4320540"/>
           </a:xfrm>
           <a:prstGeom prst="rect">
             <a:avLst/>
           </a:prstGeom>
         </p:spPr>
         <p:txBody>
-          <a:bodyPr anchorCtr="0" anchor="t" bIns="91425" lIns="91425" spcFirstLastPara="1" rIns="91425" wrap="square" tIns="91425">
+          <a:bodyPr spcFirstLastPara="1" wrap="square" lIns="96645" tIns="96645" rIns="96645" bIns="96645" anchor="t" anchorCtr="0">
             <a:noAutofit/>
           </a:bodyPr>
           <a:lstStyle/>
           <a:p>
-            <a:pPr indent="0" lvl="0" marL="0" rtl="0" algn="l">
-              <a:spcBef>
-                <a:spcPts val="0"/>
-              </a:spcBef>
-              <a:spcAft>
-                <a:spcPts val="0"/>
-              </a:spcAft>
+            <a:pPr marL="0" indent="0">
               <a:buNone/>
             </a:pPr>
-            <a:r>
-              <a:t/>
-            </a:r>
             <a:endParaRPr/>
           </a:p>
         </p:txBody>
@@ -994,11 +1006,11 @@
 </file>
 
 <file path=ppt/notesSlides/notesSlide2.xml><?xml version="1.0" encoding="utf-8"?>
-<p:notes xmlns:a="http://schemas.openxmlformats.org/drawingml/2006/main" xmlns:r="http://schemas.openxmlformats.org/officeDocument/2006/relationships" xmlns:mc="http://schemas.openxmlformats.org/markup-compatibility/2006" xmlns:mv="urn:schemas-microsoft-com:mac:vml" xmlns:p="http://schemas.openxmlformats.org/presentationml/2006/main" xmlns:c="http://schemas.openxmlformats.org/drawingml/2006/chart" xmlns:dgm="http://schemas.openxmlformats.org/drawingml/2006/diagram" xmlns:o="urn:schemas-microsoft-com:office:office" xmlns:v="urn:schemas-microsoft-com:vml" xmlns:pvml="urn:schemas-microsoft-com:office:powerpoint" xmlns:com="http://schemas.openxmlformats.org/drawingml/2006/compatibility" xmlns:p14="http://schemas.microsoft.com/office/powerpoint/2010/main" xmlns:p15="http://schemas.microsoft.com/office/powerpoint/2012/main" xmlns:ahyp="http://schemas.microsoft.com/office/drawing/2018/hyperlinkcolor" showMasterPhAnim="0" showMasterSp="0">
+<p:notes xmlns:a="http://schemas.openxmlformats.org/drawingml/2006/main" xmlns:r="http://schemas.openxmlformats.org/officeDocument/2006/relationships" xmlns:p="http://schemas.openxmlformats.org/presentationml/2006/main" showMasterSp="0" showMasterPhAnim="0">
   <p:cSld>
     <p:spTree>
       <p:nvGrpSpPr>
-        <p:cNvPr id="56" name="Shape 56"/>
+        <p:cNvPr id="1" name="Shape 56"/>
         <p:cNvGrpSpPr/>
         <p:nvPr/>
       </p:nvGrpSpPr>
@@ -1013,20 +1025,26 @@
       <p:sp>
         <p:nvSpPr>
           <p:cNvPr id="57" name="Google Shape;57;g1ed1ffb55dc_0_31:notes"/>
-          <p:cNvSpPr/>
+          <p:cNvSpPr>
+            <a:spLocks noGrp="1" noRot="1" noChangeAspect="1"/>
+          </p:cNvSpPr>
           <p:nvPr>
-            <p:ph idx="2" type="sldImg"/>
+            <p:ph type="sldImg" idx="2"/>
           </p:nvPr>
         </p:nvSpPr>
         <p:spPr>
           <a:xfrm>
-            <a:off x="381300" y="685800"/>
-            <a:ext cx="6096000" cy="3429000"/>
+            <a:off x="457200" y="720725"/>
+            <a:ext cx="6400800" cy="3600450"/>
           </a:xfrm>
           <a:custGeom>
-            <a:rect b="b" l="l" r="r" t="t"/>
+            <a:avLst/>
+            <a:gdLst/>
+            <a:ahLst/>
+            <a:cxnLst/>
+            <a:rect l="l" t="t" r="r" b="b"/>
             <a:pathLst>
-              <a:path extrusionOk="0" h="120000" w="120000">
+              <a:path w="120000" h="120000" extrusionOk="0">
                 <a:moveTo>
                   <a:pt x="0" y="0"/>
                 </a:moveTo>
@@ -1048,38 +1066,31 @@
       <p:sp>
         <p:nvSpPr>
           <p:cNvPr id="58" name="Google Shape;58;g1ed1ffb55dc_0_31:notes"/>
-          <p:cNvSpPr txBox="1"/>
+          <p:cNvSpPr txBox="1">
+            <a:spLocks noGrp="1"/>
+          </p:cNvSpPr>
           <p:nvPr>
-            <p:ph idx="1" type="body"/>
+            <p:ph type="body" idx="1"/>
           </p:nvPr>
         </p:nvSpPr>
         <p:spPr>
           <a:xfrm>
-            <a:off x="685800" y="4343400"/>
-            <a:ext cx="5486400" cy="4114800"/>
+            <a:off x="731520" y="4560570"/>
+            <a:ext cx="5852160" cy="4320540"/>
           </a:xfrm>
           <a:prstGeom prst="rect">
             <a:avLst/>
           </a:prstGeom>
         </p:spPr>
         <p:txBody>
-          <a:bodyPr anchorCtr="0" anchor="t" bIns="91425" lIns="91425" spcFirstLastPara="1" rIns="91425" wrap="square" tIns="91425">
+          <a:bodyPr spcFirstLastPara="1" wrap="square" lIns="96645" tIns="96645" rIns="96645" bIns="96645" anchor="t" anchorCtr="0">
             <a:noAutofit/>
           </a:bodyPr>
           <a:lstStyle/>
           <a:p>
-            <a:pPr indent="0" lvl="0" marL="0" rtl="0" algn="l">
-              <a:spcBef>
-                <a:spcPts val="0"/>
-              </a:spcBef>
-              <a:spcAft>
-                <a:spcPts val="0"/>
-              </a:spcAft>
+            <a:pPr marL="0" indent="0">
               <a:buNone/>
             </a:pPr>
-            <a:r>
-              <a:t/>
-            </a:r>
             <a:endParaRPr/>
           </a:p>
         </p:txBody>
@@ -1093,11 +1104,11 @@
 </file>
 
 <file path=ppt/notesSlides/notesSlide3.xml><?xml version="1.0" encoding="utf-8"?>
-<p:notes xmlns:a="http://schemas.openxmlformats.org/drawingml/2006/main" xmlns:r="http://schemas.openxmlformats.org/officeDocument/2006/relationships" xmlns:mc="http://schemas.openxmlformats.org/markup-compatibility/2006" xmlns:mv="urn:schemas-microsoft-com:mac:vml" xmlns:p="http://schemas.openxmlformats.org/presentationml/2006/main" xmlns:c="http://schemas.openxmlformats.org/drawingml/2006/chart" xmlns:dgm="http://schemas.openxmlformats.org/drawingml/2006/diagram" xmlns:o="urn:schemas-microsoft-com:office:office" xmlns:v="urn:schemas-microsoft-com:vml" xmlns:pvml="urn:schemas-microsoft-com:office:powerpoint" xmlns:com="http://schemas.openxmlformats.org/drawingml/2006/compatibility" xmlns:p14="http://schemas.microsoft.com/office/powerpoint/2010/main" xmlns:p15="http://schemas.microsoft.com/office/powerpoint/2012/main" xmlns:ahyp="http://schemas.microsoft.com/office/drawing/2018/hyperlinkcolor" showMasterPhAnim="0" showMasterSp="0">
+<p:notes xmlns:a="http://schemas.openxmlformats.org/drawingml/2006/main" xmlns:r="http://schemas.openxmlformats.org/officeDocument/2006/relationships" xmlns:p="http://schemas.openxmlformats.org/presentationml/2006/main" showMasterSp="0" showMasterPhAnim="0">
   <p:cSld>
     <p:spTree>
       <p:nvGrpSpPr>
-        <p:cNvPr id="67" name="Shape 67"/>
+        <p:cNvPr id="1" name="Shape 67"/>
         <p:cNvGrpSpPr/>
         <p:nvPr/>
       </p:nvGrpSpPr>
@@ -1112,20 +1123,26 @@
       <p:sp>
         <p:nvSpPr>
           <p:cNvPr id="68" name="Google Shape;68;g28e5fc59f30_0_48:notes"/>
-          <p:cNvSpPr/>
+          <p:cNvSpPr>
+            <a:spLocks noGrp="1" noRot="1" noChangeAspect="1"/>
+          </p:cNvSpPr>
           <p:nvPr>
-            <p:ph idx="2" type="sldImg"/>
+            <p:ph type="sldImg" idx="2"/>
           </p:nvPr>
         </p:nvSpPr>
         <p:spPr>
           <a:xfrm>
-            <a:off x="381300" y="685800"/>
-            <a:ext cx="6096000" cy="3429000"/>
+            <a:off x="457200" y="720725"/>
+            <a:ext cx="6400800" cy="3600450"/>
           </a:xfrm>
           <a:custGeom>
-            <a:rect b="b" l="l" r="r" t="t"/>
+            <a:avLst/>
+            <a:gdLst/>
+            <a:ahLst/>
+            <a:cxnLst/>
+            <a:rect l="l" t="t" r="r" b="b"/>
             <a:pathLst>
-              <a:path extrusionOk="0" h="120000" w="120000">
+              <a:path w="120000" h="120000" extrusionOk="0">
                 <a:moveTo>
                   <a:pt x="0" y="0"/>
                 </a:moveTo>
@@ -1147,38 +1164,31 @@
       <p:sp>
         <p:nvSpPr>
           <p:cNvPr id="69" name="Google Shape;69;g28e5fc59f30_0_48:notes"/>
-          <p:cNvSpPr txBox="1"/>
+          <p:cNvSpPr txBox="1">
+            <a:spLocks noGrp="1"/>
+          </p:cNvSpPr>
           <p:nvPr>
-            <p:ph idx="1" type="body"/>
+            <p:ph type="body" idx="1"/>
           </p:nvPr>
         </p:nvSpPr>
         <p:spPr>
           <a:xfrm>
-            <a:off x="685800" y="4343400"/>
-            <a:ext cx="5486400" cy="4114800"/>
+            <a:off x="731520" y="4560570"/>
+            <a:ext cx="5852160" cy="4320540"/>
           </a:xfrm>
           <a:prstGeom prst="rect">
             <a:avLst/>
           </a:prstGeom>
         </p:spPr>
         <p:txBody>
-          <a:bodyPr anchorCtr="0" anchor="t" bIns="91425" lIns="91425" spcFirstLastPara="1" rIns="91425" wrap="square" tIns="91425">
+          <a:bodyPr spcFirstLastPara="1" wrap="square" lIns="96645" tIns="96645" rIns="96645" bIns="96645" anchor="t" anchorCtr="0">
             <a:noAutofit/>
           </a:bodyPr>
           <a:lstStyle/>
           <a:p>
-            <a:pPr indent="0" lvl="0" marL="0" rtl="0" algn="l">
-              <a:spcBef>
-                <a:spcPts val="0"/>
-              </a:spcBef>
-              <a:spcAft>
-                <a:spcPts val="0"/>
-              </a:spcAft>
+            <a:pPr marL="0" indent="0">
               <a:buNone/>
             </a:pPr>
-            <a:r>
-              <a:t/>
-            </a:r>
             <a:endParaRPr/>
           </a:p>
         </p:txBody>
@@ -1192,11 +1202,11 @@
 </file>
 
 <file path=ppt/notesSlides/notesSlide4.xml><?xml version="1.0" encoding="utf-8"?>
-<p:notes xmlns:a="http://schemas.openxmlformats.org/drawingml/2006/main" xmlns:r="http://schemas.openxmlformats.org/officeDocument/2006/relationships" xmlns:mc="http://schemas.openxmlformats.org/markup-compatibility/2006" xmlns:mv="urn:schemas-microsoft-com:mac:vml" xmlns:p="http://schemas.openxmlformats.org/presentationml/2006/main" xmlns:c="http://schemas.openxmlformats.org/drawingml/2006/chart" xmlns:dgm="http://schemas.openxmlformats.org/drawingml/2006/diagram" xmlns:o="urn:schemas-microsoft-com:office:office" xmlns:v="urn:schemas-microsoft-com:vml" xmlns:pvml="urn:schemas-microsoft-com:office:powerpoint" xmlns:com="http://schemas.openxmlformats.org/drawingml/2006/compatibility" xmlns:p14="http://schemas.microsoft.com/office/powerpoint/2010/main" xmlns:p15="http://schemas.microsoft.com/office/powerpoint/2012/main" xmlns:ahyp="http://schemas.microsoft.com/office/drawing/2018/hyperlinkcolor" showMasterPhAnim="0" showMasterSp="0">
+<p:notes xmlns:a="http://schemas.openxmlformats.org/drawingml/2006/main" xmlns:r="http://schemas.openxmlformats.org/officeDocument/2006/relationships" xmlns:p="http://schemas.openxmlformats.org/presentationml/2006/main" showMasterSp="0" showMasterPhAnim="0">
   <p:cSld>
     <p:spTree>
       <p:nvGrpSpPr>
-        <p:cNvPr id="72" name="Shape 72"/>
+        <p:cNvPr id="1" name="Shape 72"/>
         <p:cNvGrpSpPr/>
         <p:nvPr/>
       </p:nvGrpSpPr>
@@ -1211,20 +1221,26 @@
       <p:sp>
         <p:nvSpPr>
           <p:cNvPr id="73" name="Google Shape;73;g1ed1ffb55dc_0_3:notes"/>
-          <p:cNvSpPr/>
+          <p:cNvSpPr>
+            <a:spLocks noGrp="1" noRot="1" noChangeAspect="1"/>
+          </p:cNvSpPr>
           <p:nvPr>
-            <p:ph idx="2" type="sldImg"/>
+            <p:ph type="sldImg" idx="2"/>
           </p:nvPr>
         </p:nvSpPr>
         <p:spPr>
           <a:xfrm>
-            <a:off x="381300" y="685800"/>
-            <a:ext cx="6096000" cy="3429000"/>
+            <a:off x="457200" y="720725"/>
+            <a:ext cx="6400800" cy="3600450"/>
           </a:xfrm>
           <a:custGeom>
-            <a:rect b="b" l="l" r="r" t="t"/>
+            <a:avLst/>
+            <a:gdLst/>
+            <a:ahLst/>
+            <a:cxnLst/>
+            <a:rect l="l" t="t" r="r" b="b"/>
             <a:pathLst>
-              <a:path extrusionOk="0" h="120000" w="120000">
+              <a:path w="120000" h="120000" extrusionOk="0">
                 <a:moveTo>
                   <a:pt x="0" y="0"/>
                 </a:moveTo>
@@ -1246,38 +1262,31 @@
       <p:sp>
         <p:nvSpPr>
           <p:cNvPr id="74" name="Google Shape;74;g1ed1ffb55dc_0_3:notes"/>
-          <p:cNvSpPr txBox="1"/>
+          <p:cNvSpPr txBox="1">
+            <a:spLocks noGrp="1"/>
+          </p:cNvSpPr>
           <p:nvPr>
-            <p:ph idx="1" type="body"/>
+            <p:ph type="body" idx="1"/>
           </p:nvPr>
         </p:nvSpPr>
         <p:spPr>
           <a:xfrm>
-            <a:off x="685800" y="4343400"/>
-            <a:ext cx="5486400" cy="4114800"/>
+            <a:off x="731520" y="4560570"/>
+            <a:ext cx="5852160" cy="4320540"/>
           </a:xfrm>
           <a:prstGeom prst="rect">
             <a:avLst/>
           </a:prstGeom>
         </p:spPr>
         <p:txBody>
-          <a:bodyPr anchorCtr="0" anchor="t" bIns="91425" lIns="91425" spcFirstLastPara="1" rIns="91425" wrap="square" tIns="91425">
+          <a:bodyPr spcFirstLastPara="1" wrap="square" lIns="96645" tIns="96645" rIns="96645" bIns="96645" anchor="t" anchorCtr="0">
             <a:noAutofit/>
           </a:bodyPr>
           <a:lstStyle/>
           <a:p>
-            <a:pPr indent="0" lvl="0" marL="0" rtl="0" algn="l">
-              <a:spcBef>
-                <a:spcPts val="0"/>
-              </a:spcBef>
-              <a:spcAft>
-                <a:spcPts val="0"/>
-              </a:spcAft>
+            <a:pPr marL="0" indent="0">
               <a:buNone/>
             </a:pPr>
-            <a:r>
-              <a:t/>
-            </a:r>
             <a:endParaRPr/>
           </a:p>
         </p:txBody>
@@ -1291,11 +1300,11 @@
 </file>
 
 <file path=ppt/notesSlides/notesSlide5.xml><?xml version="1.0" encoding="utf-8"?>
-<p:notes xmlns:a="http://schemas.openxmlformats.org/drawingml/2006/main" xmlns:r="http://schemas.openxmlformats.org/officeDocument/2006/relationships" xmlns:mc="http://schemas.openxmlformats.org/markup-compatibility/2006" xmlns:mv="urn:schemas-microsoft-com:mac:vml" xmlns:p="http://schemas.openxmlformats.org/presentationml/2006/main" xmlns:c="http://schemas.openxmlformats.org/drawingml/2006/chart" xmlns:dgm="http://schemas.openxmlformats.org/drawingml/2006/diagram" xmlns:o="urn:schemas-microsoft-com:office:office" xmlns:v="urn:schemas-microsoft-com:vml" xmlns:pvml="urn:schemas-microsoft-com:office:powerpoint" xmlns:com="http://schemas.openxmlformats.org/drawingml/2006/compatibility" xmlns:p14="http://schemas.microsoft.com/office/powerpoint/2010/main" xmlns:p15="http://schemas.microsoft.com/office/powerpoint/2012/main" xmlns:ahyp="http://schemas.microsoft.com/office/drawing/2018/hyperlinkcolor" showMasterPhAnim="0" showMasterSp="0">
+<p:notes xmlns:a="http://schemas.openxmlformats.org/drawingml/2006/main" xmlns:r="http://schemas.openxmlformats.org/officeDocument/2006/relationships" xmlns:p="http://schemas.openxmlformats.org/presentationml/2006/main" showMasterSp="0" showMasterPhAnim="0">
   <p:cSld>
     <p:spTree>
       <p:nvGrpSpPr>
-        <p:cNvPr id="77" name="Shape 77"/>
+        <p:cNvPr id="1" name="Shape 77"/>
         <p:cNvGrpSpPr/>
         <p:nvPr/>
       </p:nvGrpSpPr>
@@ -1310,20 +1319,26 @@
       <p:sp>
         <p:nvSpPr>
           <p:cNvPr id="78" name="Google Shape;78;g1ed1ffb55dc_0_10:notes"/>
-          <p:cNvSpPr/>
+          <p:cNvSpPr>
+            <a:spLocks noGrp="1" noRot="1" noChangeAspect="1"/>
+          </p:cNvSpPr>
           <p:nvPr>
-            <p:ph idx="2" type="sldImg"/>
+            <p:ph type="sldImg" idx="2"/>
           </p:nvPr>
         </p:nvSpPr>
         <p:spPr>
           <a:xfrm>
-            <a:off x="381300" y="685800"/>
-            <a:ext cx="6096000" cy="3429000"/>
+            <a:off x="457200" y="720725"/>
+            <a:ext cx="6400800" cy="3600450"/>
           </a:xfrm>
           <a:custGeom>
-            <a:rect b="b" l="l" r="r" t="t"/>
+            <a:avLst/>
+            <a:gdLst/>
+            <a:ahLst/>
+            <a:cxnLst/>
+            <a:rect l="l" t="t" r="r" b="b"/>
             <a:pathLst>
-              <a:path extrusionOk="0" h="120000" w="120000">
+              <a:path w="120000" h="120000" extrusionOk="0">
                 <a:moveTo>
                   <a:pt x="0" y="0"/>
                 </a:moveTo>
@@ -1345,38 +1360,31 @@
       <p:sp>
         <p:nvSpPr>
           <p:cNvPr id="79" name="Google Shape;79;g1ed1ffb55dc_0_10:notes"/>
-          <p:cNvSpPr txBox="1"/>
+          <p:cNvSpPr txBox="1">
+            <a:spLocks noGrp="1"/>
+          </p:cNvSpPr>
           <p:nvPr>
-            <p:ph idx="1" type="body"/>
+            <p:ph type="body" idx="1"/>
           </p:nvPr>
         </p:nvSpPr>
         <p:spPr>
           <a:xfrm>
-            <a:off x="685800" y="4343400"/>
-            <a:ext cx="5486400" cy="4114800"/>
+            <a:off x="731520" y="4560570"/>
+            <a:ext cx="5852160" cy="4320540"/>
           </a:xfrm>
           <a:prstGeom prst="rect">
             <a:avLst/>
           </a:prstGeom>
         </p:spPr>
         <p:txBody>
-          <a:bodyPr anchorCtr="0" anchor="t" bIns="91425" lIns="91425" spcFirstLastPara="1" rIns="91425" wrap="square" tIns="91425">
+          <a:bodyPr spcFirstLastPara="1" wrap="square" lIns="96645" tIns="96645" rIns="96645" bIns="96645" anchor="t" anchorCtr="0">
             <a:noAutofit/>
           </a:bodyPr>
           <a:lstStyle/>
           <a:p>
-            <a:pPr indent="0" lvl="0" marL="0" rtl="0" algn="l">
-              <a:spcBef>
-                <a:spcPts val="0"/>
-              </a:spcBef>
-              <a:spcAft>
-                <a:spcPts val="0"/>
-              </a:spcAft>
+            <a:pPr marL="0" indent="0">
               <a:buNone/>
             </a:pPr>
-            <a:r>
-              <a:t/>
-            </a:r>
             <a:endParaRPr/>
           </a:p>
         </p:txBody>
@@ -1390,11 +1398,11 @@
 </file>
 
 <file path=ppt/notesSlides/notesSlide6.xml><?xml version="1.0" encoding="utf-8"?>
-<p:notes xmlns:a="http://schemas.openxmlformats.org/drawingml/2006/main" xmlns:r="http://schemas.openxmlformats.org/officeDocument/2006/relationships" xmlns:mc="http://schemas.openxmlformats.org/markup-compatibility/2006" xmlns:mv="urn:schemas-microsoft-com:mac:vml" xmlns:p="http://schemas.openxmlformats.org/presentationml/2006/main" xmlns:c="http://schemas.openxmlformats.org/drawingml/2006/chart" xmlns:dgm="http://schemas.openxmlformats.org/drawingml/2006/diagram" xmlns:o="urn:schemas-microsoft-com:office:office" xmlns:v="urn:schemas-microsoft-com:vml" xmlns:pvml="urn:schemas-microsoft-com:office:powerpoint" xmlns:com="http://schemas.openxmlformats.org/drawingml/2006/compatibility" xmlns:p14="http://schemas.microsoft.com/office/powerpoint/2010/main" xmlns:p15="http://schemas.microsoft.com/office/powerpoint/2012/main" xmlns:ahyp="http://schemas.microsoft.com/office/drawing/2018/hyperlinkcolor" showMasterPhAnim="0" showMasterSp="0">
+<p:notes xmlns:a="http://schemas.openxmlformats.org/drawingml/2006/main" xmlns:r="http://schemas.openxmlformats.org/officeDocument/2006/relationships" xmlns:p="http://schemas.openxmlformats.org/presentationml/2006/main" showMasterSp="0" showMasterPhAnim="0">
   <p:cSld>
     <p:spTree>
       <p:nvGrpSpPr>
-        <p:cNvPr id="82" name="Shape 82"/>
+        <p:cNvPr id="1" name="Shape 82"/>
         <p:cNvGrpSpPr/>
         <p:nvPr/>
       </p:nvGrpSpPr>
@@ -1409,20 +1417,26 @@
       <p:sp>
         <p:nvSpPr>
           <p:cNvPr id="83" name="Google Shape;83;g1ed1ffb55dc_0_14:notes"/>
-          <p:cNvSpPr/>
+          <p:cNvSpPr>
+            <a:spLocks noGrp="1" noRot="1" noChangeAspect="1"/>
+          </p:cNvSpPr>
           <p:nvPr>
-            <p:ph idx="2" type="sldImg"/>
+            <p:ph type="sldImg" idx="2"/>
           </p:nvPr>
         </p:nvSpPr>
         <p:spPr>
           <a:xfrm>
-            <a:off x="381300" y="685800"/>
-            <a:ext cx="6096000" cy="3429000"/>
+            <a:off x="457200" y="720725"/>
+            <a:ext cx="6400800" cy="3600450"/>
           </a:xfrm>
           <a:custGeom>
-            <a:rect b="b" l="l" r="r" t="t"/>
+            <a:avLst/>
+            <a:gdLst/>
+            <a:ahLst/>
+            <a:cxnLst/>
+            <a:rect l="l" t="t" r="r" b="b"/>
             <a:pathLst>
-              <a:path extrusionOk="0" h="120000" w="120000">
+              <a:path w="120000" h="120000" extrusionOk="0">
                 <a:moveTo>
                   <a:pt x="0" y="0"/>
                 </a:moveTo>
@@ -1444,38 +1458,31 @@
       <p:sp>
         <p:nvSpPr>
           <p:cNvPr id="84" name="Google Shape;84;g1ed1ffb55dc_0_14:notes"/>
-          <p:cNvSpPr txBox="1"/>
+          <p:cNvSpPr txBox="1">
+            <a:spLocks noGrp="1"/>
+          </p:cNvSpPr>
           <p:nvPr>
-            <p:ph idx="1" type="body"/>
+            <p:ph type="body" idx="1"/>
           </p:nvPr>
         </p:nvSpPr>
         <p:spPr>
           <a:xfrm>
-            <a:off x="685800" y="4343400"/>
-            <a:ext cx="5486400" cy="4114800"/>
+            <a:off x="731520" y="4560570"/>
+            <a:ext cx="5852160" cy="4320540"/>
           </a:xfrm>
           <a:prstGeom prst="rect">
             <a:avLst/>
           </a:prstGeom>
         </p:spPr>
         <p:txBody>
-          <a:bodyPr anchorCtr="0" anchor="t" bIns="91425" lIns="91425" spcFirstLastPara="1" rIns="91425" wrap="square" tIns="91425">
+          <a:bodyPr spcFirstLastPara="1" wrap="square" lIns="96645" tIns="96645" rIns="96645" bIns="96645" anchor="t" anchorCtr="0">
             <a:noAutofit/>
           </a:bodyPr>
           <a:lstStyle/>
           <a:p>
-            <a:pPr indent="0" lvl="0" marL="0" rtl="0" algn="l">
-              <a:spcBef>
-                <a:spcPts val="0"/>
-              </a:spcBef>
-              <a:spcAft>
-                <a:spcPts val="0"/>
-              </a:spcAft>
+            <a:pPr marL="0" indent="0">
               <a:buNone/>
             </a:pPr>
-            <a:r>
-              <a:t/>
-            </a:r>
             <a:endParaRPr/>
           </a:p>
         </p:txBody>
@@ -1489,11 +1496,11 @@
 </file>
 
 <file path=ppt/notesSlides/notesSlide7.xml><?xml version="1.0" encoding="utf-8"?>
-<p:notes xmlns:a="http://schemas.openxmlformats.org/drawingml/2006/main" xmlns:r="http://schemas.openxmlformats.org/officeDocument/2006/relationships" xmlns:mc="http://schemas.openxmlformats.org/markup-compatibility/2006" xmlns:mv="urn:schemas-microsoft-com:mac:vml" xmlns:p="http://schemas.openxmlformats.org/presentationml/2006/main" xmlns:c="http://schemas.openxmlformats.org/drawingml/2006/chart" xmlns:dgm="http://schemas.openxmlformats.org/drawingml/2006/diagram" xmlns:o="urn:schemas-microsoft-com:office:office" xmlns:v="urn:schemas-microsoft-com:vml" xmlns:pvml="urn:schemas-microsoft-com:office:powerpoint" xmlns:com="http://schemas.openxmlformats.org/drawingml/2006/compatibility" xmlns:p14="http://schemas.microsoft.com/office/powerpoint/2010/main" xmlns:p15="http://schemas.microsoft.com/office/powerpoint/2012/main" xmlns:ahyp="http://schemas.microsoft.com/office/drawing/2018/hyperlinkcolor" showMasterPhAnim="0" showMasterSp="0">
+<p:notes xmlns:a="http://schemas.openxmlformats.org/drawingml/2006/main" xmlns:r="http://schemas.openxmlformats.org/officeDocument/2006/relationships" xmlns:p="http://schemas.openxmlformats.org/presentationml/2006/main" showMasterSp="0" showMasterPhAnim="0">
   <p:cSld>
     <p:spTree>
       <p:nvGrpSpPr>
-        <p:cNvPr id="87" name="Shape 87"/>
+        <p:cNvPr id="1" name="Shape 87"/>
         <p:cNvGrpSpPr/>
         <p:nvPr/>
       </p:nvGrpSpPr>
@@ -1508,20 +1515,26 @@
       <p:sp>
         <p:nvSpPr>
           <p:cNvPr id="88" name="Google Shape;88;g1ed1ffb55dc_0_18:notes"/>
-          <p:cNvSpPr/>
+          <p:cNvSpPr>
+            <a:spLocks noGrp="1" noRot="1" noChangeAspect="1"/>
+          </p:cNvSpPr>
           <p:nvPr>
-            <p:ph idx="2" type="sldImg"/>
+            <p:ph type="sldImg" idx="2"/>
           </p:nvPr>
         </p:nvSpPr>
         <p:spPr>
           <a:xfrm>
-            <a:off x="381300" y="685800"/>
-            <a:ext cx="6096000" cy="3429000"/>
+            <a:off x="457200" y="720725"/>
+            <a:ext cx="6400800" cy="3600450"/>
           </a:xfrm>
           <a:custGeom>
-            <a:rect b="b" l="l" r="r" t="t"/>
+            <a:avLst/>
+            <a:gdLst/>
+            <a:ahLst/>
+            <a:cxnLst/>
+            <a:rect l="l" t="t" r="r" b="b"/>
             <a:pathLst>
-              <a:path extrusionOk="0" h="120000" w="120000">
+              <a:path w="120000" h="120000" extrusionOk="0">
                 <a:moveTo>
                   <a:pt x="0" y="0"/>
                 </a:moveTo>
@@ -1543,38 +1556,31 @@
       <p:sp>
         <p:nvSpPr>
           <p:cNvPr id="89" name="Google Shape;89;g1ed1ffb55dc_0_18:notes"/>
-          <p:cNvSpPr txBox="1"/>
+          <p:cNvSpPr txBox="1">
+            <a:spLocks noGrp="1"/>
+          </p:cNvSpPr>
           <p:nvPr>
-            <p:ph idx="1" type="body"/>
+            <p:ph type="body" idx="1"/>
           </p:nvPr>
         </p:nvSpPr>
         <p:spPr>
           <a:xfrm>
-            <a:off x="685800" y="4343400"/>
-            <a:ext cx="5486400" cy="4114800"/>
+            <a:off x="731520" y="4560570"/>
+            <a:ext cx="5852160" cy="4320540"/>
           </a:xfrm>
           <a:prstGeom prst="rect">
             <a:avLst/>
           </a:prstGeom>
         </p:spPr>
         <p:txBody>
-          <a:bodyPr anchorCtr="0" anchor="t" bIns="91425" lIns="91425" spcFirstLastPara="1" rIns="91425" wrap="square" tIns="91425">
+          <a:bodyPr spcFirstLastPara="1" wrap="square" lIns="96645" tIns="96645" rIns="96645" bIns="96645" anchor="t" anchorCtr="0">
             <a:noAutofit/>
           </a:bodyPr>
           <a:lstStyle/>
           <a:p>
-            <a:pPr indent="0" lvl="0" marL="0" rtl="0" algn="l">
-              <a:spcBef>
-                <a:spcPts val="0"/>
-              </a:spcBef>
-              <a:spcAft>
-                <a:spcPts val="0"/>
-              </a:spcAft>
+            <a:pPr marL="0" indent="0">
               <a:buNone/>
             </a:pPr>
-            <a:r>
-              <a:t/>
-            </a:r>
             <a:endParaRPr/>
           </a:p>
         </p:txBody>
@@ -1588,11 +1594,11 @@
 </file>
 
 <file path=ppt/notesSlides/notesSlide8.xml><?xml version="1.0" encoding="utf-8"?>
-<p:notes xmlns:a="http://schemas.openxmlformats.org/drawingml/2006/main" xmlns:r="http://schemas.openxmlformats.org/officeDocument/2006/relationships" xmlns:mc="http://schemas.openxmlformats.org/markup-compatibility/2006" xmlns:mv="urn:schemas-microsoft-com:mac:vml" xmlns:p="http://schemas.openxmlformats.org/presentationml/2006/main" xmlns:c="http://schemas.openxmlformats.org/drawingml/2006/chart" xmlns:dgm="http://schemas.openxmlformats.org/drawingml/2006/diagram" xmlns:o="urn:schemas-microsoft-com:office:office" xmlns:v="urn:schemas-microsoft-com:vml" xmlns:pvml="urn:schemas-microsoft-com:office:powerpoint" xmlns:com="http://schemas.openxmlformats.org/drawingml/2006/compatibility" xmlns:p14="http://schemas.microsoft.com/office/powerpoint/2010/main" xmlns:p15="http://schemas.microsoft.com/office/powerpoint/2012/main" xmlns:ahyp="http://schemas.microsoft.com/office/drawing/2018/hyperlinkcolor" showMasterPhAnim="0" showMasterSp="0">
+<p:notes xmlns:a="http://schemas.openxmlformats.org/drawingml/2006/main" xmlns:r="http://schemas.openxmlformats.org/officeDocument/2006/relationships" xmlns:p="http://schemas.openxmlformats.org/presentationml/2006/main" showMasterSp="0" showMasterPhAnim="0">
   <p:cSld>
     <p:spTree>
       <p:nvGrpSpPr>
-        <p:cNvPr id="92" name="Shape 92"/>
+        <p:cNvPr id="1" name="Shape 92"/>
         <p:cNvGrpSpPr/>
         <p:nvPr/>
       </p:nvGrpSpPr>
@@ -1607,20 +1613,26 @@
       <p:sp>
         <p:nvSpPr>
           <p:cNvPr id="93" name="Google Shape;93;g1ed1ffb55dc_0_52:notes"/>
-          <p:cNvSpPr/>
+          <p:cNvSpPr>
+            <a:spLocks noGrp="1" noRot="1" noChangeAspect="1"/>
+          </p:cNvSpPr>
           <p:nvPr>
-            <p:ph idx="2" type="sldImg"/>
+            <p:ph type="sldImg" idx="2"/>
           </p:nvPr>
         </p:nvSpPr>
         <p:spPr>
           <a:xfrm>
-            <a:off x="381300" y="685800"/>
-            <a:ext cx="6096000" cy="3429000"/>
+            <a:off x="457200" y="720725"/>
+            <a:ext cx="6400800" cy="3600450"/>
           </a:xfrm>
           <a:custGeom>
-            <a:rect b="b" l="l" r="r" t="t"/>
+            <a:avLst/>
+            <a:gdLst/>
+            <a:ahLst/>
+            <a:cxnLst/>
+            <a:rect l="l" t="t" r="r" b="b"/>
             <a:pathLst>
-              <a:path extrusionOk="0" h="120000" w="120000">
+              <a:path w="120000" h="120000" extrusionOk="0">
                 <a:moveTo>
                   <a:pt x="0" y="0"/>
                 </a:moveTo>
@@ -1642,38 +1654,31 @@
       <p:sp>
         <p:nvSpPr>
           <p:cNvPr id="94" name="Google Shape;94;g1ed1ffb55dc_0_52:notes"/>
-          <p:cNvSpPr txBox="1"/>
+          <p:cNvSpPr txBox="1">
+            <a:spLocks noGrp="1"/>
+          </p:cNvSpPr>
           <p:nvPr>
-            <p:ph idx="1" type="body"/>
+            <p:ph type="body" idx="1"/>
           </p:nvPr>
         </p:nvSpPr>
         <p:spPr>
           <a:xfrm>
-            <a:off x="685800" y="4343400"/>
-            <a:ext cx="5486400" cy="4114800"/>
+            <a:off x="731520" y="4560570"/>
+            <a:ext cx="5852160" cy="4320540"/>
           </a:xfrm>
           <a:prstGeom prst="rect">
             <a:avLst/>
           </a:prstGeom>
         </p:spPr>
         <p:txBody>
-          <a:bodyPr anchorCtr="0" anchor="t" bIns="91425" lIns="91425" spcFirstLastPara="1" rIns="91425" wrap="square" tIns="91425">
+          <a:bodyPr spcFirstLastPara="1" wrap="square" lIns="96645" tIns="96645" rIns="96645" bIns="96645" anchor="t" anchorCtr="0">
             <a:noAutofit/>
           </a:bodyPr>
           <a:lstStyle/>
           <a:p>
-            <a:pPr indent="0" lvl="0" marL="0" rtl="0" algn="l">
-              <a:spcBef>
-                <a:spcPts val="0"/>
-              </a:spcBef>
-              <a:spcAft>
-                <a:spcPts val="0"/>
-              </a:spcAft>
+            <a:pPr marL="0" indent="0">
               <a:buNone/>
             </a:pPr>
-            <a:r>
-              <a:t/>
-            </a:r>
             <a:endParaRPr/>
           </a:p>
         </p:txBody>
@@ -1687,11 +1692,11 @@
 </file>
 
 <file path=ppt/notesSlides/notesSlide9.xml><?xml version="1.0" encoding="utf-8"?>
-<p:notes xmlns:a="http://schemas.openxmlformats.org/drawingml/2006/main" xmlns:r="http://schemas.openxmlformats.org/officeDocument/2006/relationships" xmlns:mc="http://schemas.openxmlformats.org/markup-compatibility/2006" xmlns:mv="urn:schemas-microsoft-com:mac:vml" xmlns:p="http://schemas.openxmlformats.org/presentationml/2006/main" xmlns:c="http://schemas.openxmlformats.org/drawingml/2006/chart" xmlns:dgm="http://schemas.openxmlformats.org/drawingml/2006/diagram" xmlns:o="urn:schemas-microsoft-com:office:office" xmlns:v="urn:schemas-microsoft-com:vml" xmlns:pvml="urn:schemas-microsoft-com:office:powerpoint" xmlns:com="http://schemas.openxmlformats.org/drawingml/2006/compatibility" xmlns:p14="http://schemas.microsoft.com/office/powerpoint/2010/main" xmlns:p15="http://schemas.microsoft.com/office/powerpoint/2012/main" xmlns:ahyp="http://schemas.microsoft.com/office/drawing/2018/hyperlinkcolor" showMasterPhAnim="0" showMasterSp="0">
+<p:notes xmlns:a="http://schemas.openxmlformats.org/drawingml/2006/main" xmlns:r="http://schemas.openxmlformats.org/officeDocument/2006/relationships" xmlns:p="http://schemas.openxmlformats.org/presentationml/2006/main" showMasterSp="0" showMasterPhAnim="0">
   <p:cSld>
     <p:spTree>
       <p:nvGrpSpPr>
-        <p:cNvPr id="97" name="Shape 97"/>
+        <p:cNvPr id="1" name="Shape 97"/>
         <p:cNvGrpSpPr/>
         <p:nvPr/>
       </p:nvGrpSpPr>
@@ -1706,20 +1711,26 @@
       <p:sp>
         <p:nvSpPr>
           <p:cNvPr id="98" name="Google Shape;98;g1ed1ffb55dc_0_60:notes"/>
-          <p:cNvSpPr/>
+          <p:cNvSpPr>
+            <a:spLocks noGrp="1" noRot="1" noChangeAspect="1"/>
+          </p:cNvSpPr>
           <p:nvPr>
-            <p:ph idx="2" type="sldImg"/>
+            <p:ph type="sldImg" idx="2"/>
           </p:nvPr>
         </p:nvSpPr>
         <p:spPr>
           <a:xfrm>
-            <a:off x="381300" y="685800"/>
-            <a:ext cx="6096000" cy="3429000"/>
+            <a:off x="457200" y="720725"/>
+            <a:ext cx="6400800" cy="3600450"/>
           </a:xfrm>
           <a:custGeom>
-            <a:rect b="b" l="l" r="r" t="t"/>
+            <a:avLst/>
+            <a:gdLst/>
+            <a:ahLst/>
+            <a:cxnLst/>
+            <a:rect l="l" t="t" r="r" b="b"/>
             <a:pathLst>
-              <a:path extrusionOk="0" h="120000" w="120000">
+              <a:path w="120000" h="120000" extrusionOk="0">
                 <a:moveTo>
                   <a:pt x="0" y="0"/>
                 </a:moveTo>
@@ -1741,38 +1752,31 @@
       <p:sp>
         <p:nvSpPr>
           <p:cNvPr id="99" name="Google Shape;99;g1ed1ffb55dc_0_60:notes"/>
-          <p:cNvSpPr txBox="1"/>
+          <p:cNvSpPr txBox="1">
+            <a:spLocks noGrp="1"/>
+          </p:cNvSpPr>
           <p:nvPr>
-            <p:ph idx="1" type="body"/>
+            <p:ph type="body" idx="1"/>
           </p:nvPr>
         </p:nvSpPr>
         <p:spPr>
           <a:xfrm>
-            <a:off x="685800" y="4343400"/>
-            <a:ext cx="5486400" cy="4114800"/>
+            <a:off x="731520" y="4560570"/>
+            <a:ext cx="5852160" cy="4320540"/>
           </a:xfrm>
           <a:prstGeom prst="rect">
             <a:avLst/>
           </a:prstGeom>
         </p:spPr>
         <p:txBody>
-          <a:bodyPr anchorCtr="0" anchor="t" bIns="91425" lIns="91425" spcFirstLastPara="1" rIns="91425" wrap="square" tIns="91425">
+          <a:bodyPr spcFirstLastPara="1" wrap="square" lIns="96645" tIns="96645" rIns="96645" bIns="96645" anchor="t" anchorCtr="0">
             <a:noAutofit/>
           </a:bodyPr>
           <a:lstStyle/>
           <a:p>
-            <a:pPr indent="0" lvl="0" marL="0" rtl="0" algn="l">
-              <a:spcBef>
-                <a:spcPts val="0"/>
-              </a:spcBef>
-              <a:spcAft>
-                <a:spcPts val="0"/>
-              </a:spcAft>
+            <a:pPr marL="0" indent="0">
               <a:buNone/>
             </a:pPr>
-            <a:r>
-              <a:t/>
-            </a:r>
             <a:endParaRPr/>
           </a:p>
         </p:txBody>
@@ -1786,11 +1790,11 @@
 </file>
 
 <file path=ppt/slideLayouts/slideLayout1.xml><?xml version="1.0" encoding="utf-8"?>
-<p:sldLayout xmlns:a="http://schemas.openxmlformats.org/drawingml/2006/main" xmlns:r="http://schemas.openxmlformats.org/officeDocument/2006/relationships" xmlns:mc="http://schemas.openxmlformats.org/markup-compatibility/2006" xmlns:mv="urn:schemas-microsoft-com:mac:vml" xmlns:p="http://schemas.openxmlformats.org/presentationml/2006/main" xmlns:c="http://schemas.openxmlformats.org/drawingml/2006/chart" xmlns:dgm="http://schemas.openxmlformats.org/drawingml/2006/diagram" xmlns:o="urn:schemas-microsoft-com:office:office" xmlns:v="urn:schemas-microsoft-com:vml" xmlns:pvml="urn:schemas-microsoft-com:office:powerpoint" xmlns:com="http://schemas.openxmlformats.org/drawingml/2006/compatibility" xmlns:p14="http://schemas.microsoft.com/office/powerpoint/2010/main" xmlns:p15="http://schemas.microsoft.com/office/powerpoint/2012/main" xmlns:ahyp="http://schemas.microsoft.com/office/drawing/2018/hyperlinkcolor" matchingName="Title slide" type="title">
+<p:sldLayout xmlns:a="http://schemas.openxmlformats.org/drawingml/2006/main" xmlns:r="http://schemas.openxmlformats.org/officeDocument/2006/relationships" xmlns:p="http://schemas.openxmlformats.org/presentationml/2006/main" matchingName="Title slide" type="title">
   <p:cSld name="TITLE">
     <p:spTree>
       <p:nvGrpSpPr>
-        <p:cNvPr id="9" name="Shape 9"/>
+        <p:cNvPr id="1" name="Shape 9"/>
         <p:cNvGrpSpPr/>
         <p:nvPr/>
       </p:nvGrpSpPr>
@@ -1805,7 +1809,9 @@
       <p:sp>
         <p:nvSpPr>
           <p:cNvPr id="10" name="Google Shape;10;p2"/>
-          <p:cNvSpPr txBox="1"/>
+          <p:cNvSpPr txBox="1">
+            <a:spLocks noGrp="1"/>
+          </p:cNvSpPr>
           <p:nvPr>
             <p:ph type="ctrTitle"/>
           </p:nvPr>
@@ -1820,7 +1826,7 @@
           </a:prstGeom>
         </p:spPr>
         <p:txBody>
-          <a:bodyPr anchorCtr="0" anchor="b" bIns="91425" lIns="91425" spcFirstLastPara="1" rIns="91425" wrap="square" tIns="91425">
+          <a:bodyPr spcFirstLastPara="1" wrap="square" lIns="91425" tIns="91425" rIns="91425" bIns="91425" anchor="b" anchorCtr="0">
             <a:normAutofit/>
           </a:bodyPr>
           <a:lstStyle>
@@ -1924,15 +1930,19 @@
               <a:defRPr sz="5200"/>
             </a:lvl9pPr>
           </a:lstStyle>
-          <a:p/>
+          <a:p>
+            <a:endParaRPr/>
+          </a:p>
         </p:txBody>
       </p:sp>
       <p:sp>
         <p:nvSpPr>
           <p:cNvPr id="11" name="Google Shape;11;p2"/>
-          <p:cNvSpPr txBox="1"/>
+          <p:cNvSpPr txBox="1">
+            <a:spLocks noGrp="1"/>
+          </p:cNvSpPr>
           <p:nvPr>
-            <p:ph idx="1" type="subTitle"/>
+            <p:ph type="subTitle" idx="1"/>
           </p:nvPr>
         </p:nvSpPr>
         <p:spPr>
@@ -1945,7 +1955,7 @@
           </a:prstGeom>
         </p:spPr>
         <p:txBody>
-          <a:bodyPr anchorCtr="0" anchor="t" bIns="91425" lIns="91425" spcFirstLastPara="1" rIns="91425" wrap="square" tIns="91425">
+          <a:bodyPr spcFirstLastPara="1" wrap="square" lIns="91425" tIns="91425" rIns="91425" bIns="91425" anchor="t" anchorCtr="0">
             <a:normAutofit/>
           </a:bodyPr>
           <a:lstStyle>
@@ -2076,15 +2086,19 @@
               <a:defRPr sz="2800"/>
             </a:lvl9pPr>
           </a:lstStyle>
-          <a:p/>
+          <a:p>
+            <a:endParaRPr/>
+          </a:p>
         </p:txBody>
       </p:sp>
       <p:sp>
         <p:nvSpPr>
           <p:cNvPr id="12" name="Google Shape;12;p2"/>
-          <p:cNvSpPr txBox="1"/>
+          <p:cNvSpPr txBox="1">
+            <a:spLocks noGrp="1"/>
+          </p:cNvSpPr>
           <p:nvPr>
-            <p:ph idx="12" type="sldNum"/>
+            <p:ph type="sldNum" idx="12"/>
           </p:nvPr>
         </p:nvSpPr>
         <p:spPr>
@@ -2097,7 +2111,7 @@
           </a:prstGeom>
         </p:spPr>
         <p:txBody>
-          <a:bodyPr anchorCtr="0" anchor="ctr" bIns="91425" lIns="91425" spcFirstLastPara="1" rIns="91425" wrap="square" tIns="91425">
+          <a:bodyPr spcFirstLastPara="1" wrap="square" lIns="91425" tIns="91425" rIns="91425" bIns="91425" anchor="ctr" anchorCtr="0">
             <a:normAutofit/>
           </a:bodyPr>
           <a:lstStyle>
@@ -2139,7 +2153,7 @@
             </a:lvl9pPr>
           </a:lstStyle>
           <a:p>
-            <a:pPr indent="0" lvl="0" marL="0" rtl="0" algn="r">
+            <a:pPr marL="0" lvl="0" indent="0" algn="r" rtl="0">
               <a:spcBef>
                 <a:spcPts val="0"/>
               </a:spcBef>
@@ -2165,11 +2179,11 @@
 </file>
 
 <file path=ppt/slideLayouts/slideLayout10.xml><?xml version="1.0" encoding="utf-8"?>
-<p:sldLayout xmlns:a="http://schemas.openxmlformats.org/drawingml/2006/main" xmlns:r="http://schemas.openxmlformats.org/officeDocument/2006/relationships" xmlns:mc="http://schemas.openxmlformats.org/markup-compatibility/2006" xmlns:mv="urn:schemas-microsoft-com:mac:vml" xmlns:p="http://schemas.openxmlformats.org/presentationml/2006/main" xmlns:c="http://schemas.openxmlformats.org/drawingml/2006/chart" xmlns:dgm="http://schemas.openxmlformats.org/drawingml/2006/diagram" xmlns:o="urn:schemas-microsoft-com:office:office" xmlns:v="urn:schemas-microsoft-com:vml" xmlns:pvml="urn:schemas-microsoft-com:office:powerpoint" xmlns:com="http://schemas.openxmlformats.org/drawingml/2006/compatibility" xmlns:p14="http://schemas.microsoft.com/office/powerpoint/2010/main" xmlns:p15="http://schemas.microsoft.com/office/powerpoint/2012/main" xmlns:ahyp="http://schemas.microsoft.com/office/drawing/2018/hyperlinkcolor" matchingName="Big number">
+<p:sldLayout xmlns:a="http://schemas.openxmlformats.org/drawingml/2006/main" xmlns:r="http://schemas.openxmlformats.org/officeDocument/2006/relationships" xmlns:p="http://schemas.openxmlformats.org/presentationml/2006/main" matchingName="Big number">
   <p:cSld name="BIG_NUMBER">
     <p:spTree>
       <p:nvGrpSpPr>
-        <p:cNvPr id="44" name="Shape 44"/>
+        <p:cNvPr id="1" name="Shape 44"/>
         <p:cNvGrpSpPr/>
         <p:nvPr/>
       </p:nvGrpSpPr>
@@ -2184,9 +2198,11 @@
       <p:sp>
         <p:nvSpPr>
           <p:cNvPr id="45" name="Google Shape;45;p11"/>
-          <p:cNvSpPr txBox="1"/>
+          <p:cNvSpPr txBox="1">
+            <a:spLocks noGrp="1"/>
+          </p:cNvSpPr>
           <p:nvPr>
-            <p:ph hasCustomPrompt="1" type="title"/>
+            <p:ph type="title" hasCustomPrompt="1"/>
           </p:nvPr>
         </p:nvSpPr>
         <p:spPr>
@@ -2199,7 +2215,7 @@
           </a:prstGeom>
         </p:spPr>
         <p:txBody>
-          <a:bodyPr anchorCtr="0" anchor="b" bIns="91425" lIns="91425" spcFirstLastPara="1" rIns="91425" wrap="square" tIns="91425">
+          <a:bodyPr spcFirstLastPara="1" wrap="square" lIns="91425" tIns="91425" rIns="91425" bIns="91425" anchor="b" anchorCtr="0">
             <a:normAutofit/>
           </a:bodyPr>
           <a:lstStyle>
@@ -2313,9 +2329,11 @@
       <p:sp>
         <p:nvSpPr>
           <p:cNvPr id="46" name="Google Shape;46;p11"/>
-          <p:cNvSpPr txBox="1"/>
+          <p:cNvSpPr txBox="1">
+            <a:spLocks noGrp="1"/>
+          </p:cNvSpPr>
           <p:nvPr>
-            <p:ph idx="1" type="body"/>
+            <p:ph type="body" idx="1"/>
           </p:nvPr>
         </p:nvSpPr>
         <p:spPr>
@@ -2328,11 +2346,11 @@
           </a:prstGeom>
         </p:spPr>
         <p:txBody>
-          <a:bodyPr anchorCtr="0" anchor="t" bIns="91425" lIns="91425" spcFirstLastPara="1" rIns="91425" wrap="square" tIns="91425">
+          <a:bodyPr spcFirstLastPara="1" wrap="square" lIns="91425" tIns="91425" rIns="91425" bIns="91425" anchor="t" anchorCtr="0">
             <a:normAutofit/>
           </a:bodyPr>
           <a:lstStyle>
-            <a:lvl1pPr indent="-342900" lvl="0" marL="457200" algn="ctr">
+            <a:lvl1pPr marL="457200" lvl="0" indent="-342900" algn="ctr">
               <a:spcBef>
                 <a:spcPts val="0"/>
               </a:spcBef>
@@ -2343,7 +2361,7 @@
               <a:buChar char="●"/>
               <a:defRPr/>
             </a:lvl1pPr>
-            <a:lvl2pPr indent="-317500" lvl="1" marL="914400" algn="ctr">
+            <a:lvl2pPr marL="914400" lvl="1" indent="-317500" algn="ctr">
               <a:spcBef>
                 <a:spcPts val="0"/>
               </a:spcBef>
@@ -2354,7 +2372,7 @@
               <a:buChar char="○"/>
               <a:defRPr/>
             </a:lvl2pPr>
-            <a:lvl3pPr indent="-317500" lvl="2" marL="1371600" algn="ctr">
+            <a:lvl3pPr marL="1371600" lvl="2" indent="-317500" algn="ctr">
               <a:spcBef>
                 <a:spcPts val="0"/>
               </a:spcBef>
@@ -2365,7 +2383,7 @@
               <a:buChar char="■"/>
               <a:defRPr/>
             </a:lvl3pPr>
-            <a:lvl4pPr indent="-317500" lvl="3" marL="1828800" algn="ctr">
+            <a:lvl4pPr marL="1828800" lvl="3" indent="-317500" algn="ctr">
               <a:spcBef>
                 <a:spcPts val="0"/>
               </a:spcBef>
@@ -2376,7 +2394,7 @@
               <a:buChar char="●"/>
               <a:defRPr/>
             </a:lvl4pPr>
-            <a:lvl5pPr indent="-317500" lvl="4" marL="2286000" algn="ctr">
+            <a:lvl5pPr marL="2286000" lvl="4" indent="-317500" algn="ctr">
               <a:spcBef>
                 <a:spcPts val="0"/>
               </a:spcBef>
@@ -2387,7 +2405,7 @@
               <a:buChar char="○"/>
               <a:defRPr/>
             </a:lvl5pPr>
-            <a:lvl6pPr indent="-317500" lvl="5" marL="2743200" algn="ctr">
+            <a:lvl6pPr marL="2743200" lvl="5" indent="-317500" algn="ctr">
               <a:spcBef>
                 <a:spcPts val="0"/>
               </a:spcBef>
@@ -2398,7 +2416,7 @@
               <a:buChar char="■"/>
               <a:defRPr/>
             </a:lvl6pPr>
-            <a:lvl7pPr indent="-317500" lvl="6" marL="3200400" algn="ctr">
+            <a:lvl7pPr marL="3200400" lvl="6" indent="-317500" algn="ctr">
               <a:spcBef>
                 <a:spcPts val="0"/>
               </a:spcBef>
@@ -2409,7 +2427,7 @@
               <a:buChar char="●"/>
               <a:defRPr/>
             </a:lvl7pPr>
-            <a:lvl8pPr indent="-317500" lvl="7" marL="3657600" algn="ctr">
+            <a:lvl8pPr marL="3657600" lvl="7" indent="-317500" algn="ctr">
               <a:spcBef>
                 <a:spcPts val="0"/>
               </a:spcBef>
@@ -2420,7 +2438,7 @@
               <a:buChar char="○"/>
               <a:defRPr/>
             </a:lvl8pPr>
-            <a:lvl9pPr indent="-317500" lvl="8" marL="4114800" algn="ctr">
+            <a:lvl9pPr marL="4114800" lvl="8" indent="-317500" algn="ctr">
               <a:spcBef>
                 <a:spcPts val="0"/>
               </a:spcBef>
@@ -2432,15 +2450,19 @@
               <a:defRPr/>
             </a:lvl9pPr>
           </a:lstStyle>
-          <a:p/>
+          <a:p>
+            <a:endParaRPr/>
+          </a:p>
         </p:txBody>
       </p:sp>
       <p:sp>
         <p:nvSpPr>
           <p:cNvPr id="47" name="Google Shape;47;p11"/>
-          <p:cNvSpPr txBox="1"/>
+          <p:cNvSpPr txBox="1">
+            <a:spLocks noGrp="1"/>
+          </p:cNvSpPr>
           <p:nvPr>
-            <p:ph idx="12" type="sldNum"/>
+            <p:ph type="sldNum" idx="12"/>
           </p:nvPr>
         </p:nvSpPr>
         <p:spPr>
@@ -2453,7 +2475,7 @@
           </a:prstGeom>
         </p:spPr>
         <p:txBody>
-          <a:bodyPr anchorCtr="0" anchor="ctr" bIns="91425" lIns="91425" spcFirstLastPara="1" rIns="91425" wrap="square" tIns="91425">
+          <a:bodyPr spcFirstLastPara="1" wrap="square" lIns="91425" tIns="91425" rIns="91425" bIns="91425" anchor="ctr" anchorCtr="0">
             <a:normAutofit/>
           </a:bodyPr>
           <a:lstStyle>
@@ -2495,7 +2517,7 @@
             </a:lvl9pPr>
           </a:lstStyle>
           <a:p>
-            <a:pPr indent="0" lvl="0" marL="0" rtl="0" algn="r">
+            <a:pPr marL="0" lvl="0" indent="0" algn="r" rtl="0">
               <a:spcBef>
                 <a:spcPts val="0"/>
               </a:spcBef>
@@ -2521,11 +2543,11 @@
 </file>
 
 <file path=ppt/slideLayouts/slideLayout11.xml><?xml version="1.0" encoding="utf-8"?>
-<p:sldLayout xmlns:a="http://schemas.openxmlformats.org/drawingml/2006/main" xmlns:r="http://schemas.openxmlformats.org/officeDocument/2006/relationships" xmlns:mc="http://schemas.openxmlformats.org/markup-compatibility/2006" xmlns:mv="urn:schemas-microsoft-com:mac:vml" xmlns:p="http://schemas.openxmlformats.org/presentationml/2006/main" xmlns:c="http://schemas.openxmlformats.org/drawingml/2006/chart" xmlns:dgm="http://schemas.openxmlformats.org/drawingml/2006/diagram" xmlns:o="urn:schemas-microsoft-com:office:office" xmlns:v="urn:schemas-microsoft-com:vml" xmlns:pvml="urn:schemas-microsoft-com:office:powerpoint" xmlns:com="http://schemas.openxmlformats.org/drawingml/2006/compatibility" xmlns:p14="http://schemas.microsoft.com/office/powerpoint/2010/main" xmlns:p15="http://schemas.microsoft.com/office/powerpoint/2012/main" xmlns:ahyp="http://schemas.microsoft.com/office/drawing/2018/hyperlinkcolor" matchingName="Blank" type="blank">
+<p:sldLayout xmlns:a="http://schemas.openxmlformats.org/drawingml/2006/main" xmlns:r="http://schemas.openxmlformats.org/officeDocument/2006/relationships" xmlns:p="http://schemas.openxmlformats.org/presentationml/2006/main" matchingName="Blank" type="blank">
   <p:cSld name="BLANK">
     <p:spTree>
       <p:nvGrpSpPr>
-        <p:cNvPr id="48" name="Shape 48"/>
+        <p:cNvPr id="1" name="Shape 48"/>
         <p:cNvGrpSpPr/>
         <p:nvPr/>
       </p:nvGrpSpPr>
@@ -2540,9 +2562,11 @@
       <p:sp>
         <p:nvSpPr>
           <p:cNvPr id="49" name="Google Shape;49;p12"/>
-          <p:cNvSpPr txBox="1"/>
+          <p:cNvSpPr txBox="1">
+            <a:spLocks noGrp="1"/>
+          </p:cNvSpPr>
           <p:nvPr>
-            <p:ph idx="12" type="sldNum"/>
+            <p:ph type="sldNum" idx="12"/>
           </p:nvPr>
         </p:nvSpPr>
         <p:spPr>
@@ -2555,7 +2579,7 @@
           </a:prstGeom>
         </p:spPr>
         <p:txBody>
-          <a:bodyPr anchorCtr="0" anchor="ctr" bIns="91425" lIns="91425" spcFirstLastPara="1" rIns="91425" wrap="square" tIns="91425">
+          <a:bodyPr spcFirstLastPara="1" wrap="square" lIns="91425" tIns="91425" rIns="91425" bIns="91425" anchor="ctr" anchorCtr="0">
             <a:normAutofit/>
           </a:bodyPr>
           <a:lstStyle>
@@ -2597,7 +2621,7 @@
             </a:lvl9pPr>
           </a:lstStyle>
           <a:p>
-            <a:pPr indent="0" lvl="0" marL="0" rtl="0" algn="r">
+            <a:pPr marL="0" lvl="0" indent="0" algn="r" rtl="0">
               <a:spcBef>
                 <a:spcPts val="0"/>
               </a:spcBef>
@@ -2623,11 +2647,11 @@
 </file>
 
 <file path=ppt/slideLayouts/slideLayout2.xml><?xml version="1.0" encoding="utf-8"?>
-<p:sldLayout xmlns:a="http://schemas.openxmlformats.org/drawingml/2006/main" xmlns:r="http://schemas.openxmlformats.org/officeDocument/2006/relationships" xmlns:mc="http://schemas.openxmlformats.org/markup-compatibility/2006" xmlns:mv="urn:schemas-microsoft-com:mac:vml" xmlns:p="http://schemas.openxmlformats.org/presentationml/2006/main" xmlns:c="http://schemas.openxmlformats.org/drawingml/2006/chart" xmlns:dgm="http://schemas.openxmlformats.org/drawingml/2006/diagram" xmlns:o="urn:schemas-microsoft-com:office:office" xmlns:v="urn:schemas-microsoft-com:vml" xmlns:pvml="urn:schemas-microsoft-com:office:powerpoint" xmlns:com="http://schemas.openxmlformats.org/drawingml/2006/compatibility" xmlns:p14="http://schemas.microsoft.com/office/powerpoint/2010/main" xmlns:p15="http://schemas.microsoft.com/office/powerpoint/2012/main" xmlns:ahyp="http://schemas.microsoft.com/office/drawing/2018/hyperlinkcolor" matchingName="Section header" type="secHead">
+<p:sldLayout xmlns:a="http://schemas.openxmlformats.org/drawingml/2006/main" xmlns:r="http://schemas.openxmlformats.org/officeDocument/2006/relationships" xmlns:p="http://schemas.openxmlformats.org/presentationml/2006/main" matchingName="Section header" type="secHead">
   <p:cSld name="SECTION_HEADER">
     <p:spTree>
       <p:nvGrpSpPr>
-        <p:cNvPr id="13" name="Shape 13"/>
+        <p:cNvPr id="1" name="Shape 13"/>
         <p:cNvGrpSpPr/>
         <p:nvPr/>
       </p:nvGrpSpPr>
@@ -2642,7 +2666,9 @@
       <p:sp>
         <p:nvSpPr>
           <p:cNvPr id="14" name="Google Shape;14;p3"/>
-          <p:cNvSpPr txBox="1"/>
+          <p:cNvSpPr txBox="1">
+            <a:spLocks noGrp="1"/>
+          </p:cNvSpPr>
           <p:nvPr>
             <p:ph type="title"/>
           </p:nvPr>
@@ -2657,7 +2683,7 @@
           </a:prstGeom>
         </p:spPr>
         <p:txBody>
-          <a:bodyPr anchorCtr="0" anchor="ctr" bIns="91425" lIns="91425" spcFirstLastPara="1" rIns="91425" wrap="square" tIns="91425">
+          <a:bodyPr spcFirstLastPara="1" wrap="square" lIns="91425" tIns="91425" rIns="91425" bIns="91425" anchor="ctr" anchorCtr="0">
             <a:normAutofit/>
           </a:bodyPr>
           <a:lstStyle>
@@ -2761,15 +2787,19 @@
               <a:defRPr sz="3600"/>
             </a:lvl9pPr>
           </a:lstStyle>
-          <a:p/>
+          <a:p>
+            <a:endParaRPr/>
+          </a:p>
         </p:txBody>
       </p:sp>
       <p:sp>
         <p:nvSpPr>
           <p:cNvPr id="15" name="Google Shape;15;p3"/>
-          <p:cNvSpPr txBox="1"/>
+          <p:cNvSpPr txBox="1">
+            <a:spLocks noGrp="1"/>
+          </p:cNvSpPr>
           <p:nvPr>
-            <p:ph idx="12" type="sldNum"/>
+            <p:ph type="sldNum" idx="12"/>
           </p:nvPr>
         </p:nvSpPr>
         <p:spPr>
@@ -2782,7 +2812,7 @@
           </a:prstGeom>
         </p:spPr>
         <p:txBody>
-          <a:bodyPr anchorCtr="0" anchor="ctr" bIns="91425" lIns="91425" spcFirstLastPara="1" rIns="91425" wrap="square" tIns="91425">
+          <a:bodyPr spcFirstLastPara="1" wrap="square" lIns="91425" tIns="91425" rIns="91425" bIns="91425" anchor="ctr" anchorCtr="0">
             <a:normAutofit/>
           </a:bodyPr>
           <a:lstStyle>
@@ -2824,7 +2854,7 @@
             </a:lvl9pPr>
           </a:lstStyle>
           <a:p>
-            <a:pPr indent="0" lvl="0" marL="0" rtl="0" algn="r">
+            <a:pPr marL="0" lvl="0" indent="0" algn="r" rtl="0">
               <a:spcBef>
                 <a:spcPts val="0"/>
               </a:spcBef>
@@ -2850,11 +2880,11 @@
 </file>
 
 <file path=ppt/slideLayouts/slideLayout3.xml><?xml version="1.0" encoding="utf-8"?>
-<p:sldLayout xmlns:a="http://schemas.openxmlformats.org/drawingml/2006/main" xmlns:r="http://schemas.openxmlformats.org/officeDocument/2006/relationships" xmlns:mc="http://schemas.openxmlformats.org/markup-compatibility/2006" xmlns:mv="urn:schemas-microsoft-com:mac:vml" xmlns:p="http://schemas.openxmlformats.org/presentationml/2006/main" xmlns:c="http://schemas.openxmlformats.org/drawingml/2006/chart" xmlns:dgm="http://schemas.openxmlformats.org/drawingml/2006/diagram" xmlns:o="urn:schemas-microsoft-com:office:office" xmlns:v="urn:schemas-microsoft-com:vml" xmlns:pvml="urn:schemas-microsoft-com:office:powerpoint" xmlns:com="http://schemas.openxmlformats.org/drawingml/2006/compatibility" xmlns:p14="http://schemas.microsoft.com/office/powerpoint/2010/main" xmlns:p15="http://schemas.microsoft.com/office/powerpoint/2012/main" xmlns:ahyp="http://schemas.microsoft.com/office/drawing/2018/hyperlinkcolor" matchingName="Title and body" type="tx">
+<p:sldLayout xmlns:a="http://schemas.openxmlformats.org/drawingml/2006/main" xmlns:r="http://schemas.openxmlformats.org/officeDocument/2006/relationships" xmlns:p="http://schemas.openxmlformats.org/presentationml/2006/main" matchingName="Title and body" type="tx">
   <p:cSld name="TITLE_AND_BODY">
     <p:spTree>
       <p:nvGrpSpPr>
-        <p:cNvPr id="16" name="Shape 16"/>
+        <p:cNvPr id="1" name="Shape 16"/>
         <p:cNvGrpSpPr/>
         <p:nvPr/>
       </p:nvGrpSpPr>
@@ -2869,7 +2899,9 @@
       <p:sp>
         <p:nvSpPr>
           <p:cNvPr id="17" name="Google Shape;17;p4"/>
-          <p:cNvSpPr txBox="1"/>
+          <p:cNvSpPr txBox="1">
+            <a:spLocks noGrp="1"/>
+          </p:cNvSpPr>
           <p:nvPr>
             <p:ph type="title"/>
           </p:nvPr>
@@ -2884,7 +2916,7 @@
           </a:prstGeom>
         </p:spPr>
         <p:txBody>
-          <a:bodyPr anchorCtr="0" anchor="t" bIns="91425" lIns="91425" spcFirstLastPara="1" rIns="91425" wrap="square" tIns="91425">
+          <a:bodyPr spcFirstLastPara="1" wrap="square" lIns="91425" tIns="91425" rIns="91425" bIns="91425" anchor="t" anchorCtr="0">
             <a:normAutofit/>
           </a:bodyPr>
           <a:lstStyle>
@@ -2988,15 +3020,19 @@
               <a:defRPr/>
             </a:lvl9pPr>
           </a:lstStyle>
-          <a:p/>
+          <a:p>
+            <a:endParaRPr/>
+          </a:p>
         </p:txBody>
       </p:sp>
       <p:sp>
         <p:nvSpPr>
           <p:cNvPr id="18" name="Google Shape;18;p4"/>
-          <p:cNvSpPr txBox="1"/>
+          <p:cNvSpPr txBox="1">
+            <a:spLocks noGrp="1"/>
+          </p:cNvSpPr>
           <p:nvPr>
-            <p:ph idx="1" type="body"/>
+            <p:ph type="body" idx="1"/>
           </p:nvPr>
         </p:nvSpPr>
         <p:spPr>
@@ -3009,11 +3045,11 @@
           </a:prstGeom>
         </p:spPr>
         <p:txBody>
-          <a:bodyPr anchorCtr="0" anchor="t" bIns="91425" lIns="91425" spcFirstLastPara="1" rIns="91425" wrap="square" tIns="91425">
+          <a:bodyPr spcFirstLastPara="1" wrap="square" lIns="91425" tIns="91425" rIns="91425" bIns="91425" anchor="t" anchorCtr="0">
             <a:normAutofit/>
           </a:bodyPr>
           <a:lstStyle>
-            <a:lvl1pPr indent="-342900" lvl="0" marL="457200">
+            <a:lvl1pPr marL="457200" lvl="0" indent="-342900">
               <a:spcBef>
                 <a:spcPts val="0"/>
               </a:spcBef>
@@ -3024,7 +3060,7 @@
               <a:buChar char="●"/>
               <a:defRPr/>
             </a:lvl1pPr>
-            <a:lvl2pPr indent="-317500" lvl="1" marL="914400">
+            <a:lvl2pPr marL="914400" lvl="1" indent="-317500">
               <a:spcBef>
                 <a:spcPts val="0"/>
               </a:spcBef>
@@ -3035,7 +3071,7 @@
               <a:buChar char="○"/>
               <a:defRPr/>
             </a:lvl2pPr>
-            <a:lvl3pPr indent="-317500" lvl="2" marL="1371600">
+            <a:lvl3pPr marL="1371600" lvl="2" indent="-317500">
               <a:spcBef>
                 <a:spcPts val="0"/>
               </a:spcBef>
@@ -3046,7 +3082,7 @@
               <a:buChar char="■"/>
               <a:defRPr/>
             </a:lvl3pPr>
-            <a:lvl4pPr indent="-317500" lvl="3" marL="1828800">
+            <a:lvl4pPr marL="1828800" lvl="3" indent="-317500">
               <a:spcBef>
                 <a:spcPts val="0"/>
               </a:spcBef>
@@ -3057,7 +3093,7 @@
               <a:buChar char="●"/>
               <a:defRPr/>
             </a:lvl4pPr>
-            <a:lvl5pPr indent="-317500" lvl="4" marL="2286000">
+            <a:lvl5pPr marL="2286000" lvl="4" indent="-317500">
               <a:spcBef>
                 <a:spcPts val="0"/>
               </a:spcBef>
@@ -3068,7 +3104,7 @@
               <a:buChar char="○"/>
               <a:defRPr/>
             </a:lvl5pPr>
-            <a:lvl6pPr indent="-317500" lvl="5" marL="2743200">
+            <a:lvl6pPr marL="2743200" lvl="5" indent="-317500">
               <a:spcBef>
                 <a:spcPts val="0"/>
               </a:spcBef>
@@ -3079,7 +3115,7 @@
               <a:buChar char="■"/>
               <a:defRPr/>
             </a:lvl6pPr>
-            <a:lvl7pPr indent="-317500" lvl="6" marL="3200400">
+            <a:lvl7pPr marL="3200400" lvl="6" indent="-317500">
               <a:spcBef>
                 <a:spcPts val="0"/>
               </a:spcBef>
@@ -3090,7 +3126,7 @@
               <a:buChar char="●"/>
               <a:defRPr/>
             </a:lvl7pPr>
-            <a:lvl8pPr indent="-317500" lvl="7" marL="3657600">
+            <a:lvl8pPr marL="3657600" lvl="7" indent="-317500">
               <a:spcBef>
                 <a:spcPts val="0"/>
               </a:spcBef>
@@ -3101,7 +3137,7 @@
               <a:buChar char="○"/>
               <a:defRPr/>
             </a:lvl8pPr>
-            <a:lvl9pPr indent="-317500" lvl="8" marL="4114800">
+            <a:lvl9pPr marL="4114800" lvl="8" indent="-317500">
               <a:spcBef>
                 <a:spcPts val="0"/>
               </a:spcBef>
@@ -3113,15 +3149,19 @@
               <a:defRPr/>
             </a:lvl9pPr>
           </a:lstStyle>
-          <a:p/>
+          <a:p>
+            <a:endParaRPr/>
+          </a:p>
         </p:txBody>
       </p:sp>
       <p:sp>
         <p:nvSpPr>
           <p:cNvPr id="19" name="Google Shape;19;p4"/>
-          <p:cNvSpPr txBox="1"/>
+          <p:cNvSpPr txBox="1">
+            <a:spLocks noGrp="1"/>
+          </p:cNvSpPr>
           <p:nvPr>
-            <p:ph idx="12" type="sldNum"/>
+            <p:ph type="sldNum" idx="12"/>
           </p:nvPr>
         </p:nvSpPr>
         <p:spPr>
@@ -3134,7 +3174,7 @@
           </a:prstGeom>
         </p:spPr>
         <p:txBody>
-          <a:bodyPr anchorCtr="0" anchor="ctr" bIns="91425" lIns="91425" spcFirstLastPara="1" rIns="91425" wrap="square" tIns="91425">
+          <a:bodyPr spcFirstLastPara="1" wrap="square" lIns="91425" tIns="91425" rIns="91425" bIns="91425" anchor="ctr" anchorCtr="0">
             <a:normAutofit/>
           </a:bodyPr>
           <a:lstStyle>
@@ -3176,7 +3216,7 @@
             </a:lvl9pPr>
           </a:lstStyle>
           <a:p>
-            <a:pPr indent="0" lvl="0" marL="0" rtl="0" algn="r">
+            <a:pPr marL="0" lvl="0" indent="0" algn="r" rtl="0">
               <a:spcBef>
                 <a:spcPts val="0"/>
               </a:spcBef>
@@ -3202,11 +3242,11 @@
 </file>
 
 <file path=ppt/slideLayouts/slideLayout4.xml><?xml version="1.0" encoding="utf-8"?>
-<p:sldLayout xmlns:a="http://schemas.openxmlformats.org/drawingml/2006/main" xmlns:r="http://schemas.openxmlformats.org/officeDocument/2006/relationships" xmlns:mc="http://schemas.openxmlformats.org/markup-compatibility/2006" xmlns:mv="urn:schemas-microsoft-com:mac:vml" xmlns:p="http://schemas.openxmlformats.org/presentationml/2006/main" xmlns:c="http://schemas.openxmlformats.org/drawingml/2006/chart" xmlns:dgm="http://schemas.openxmlformats.org/drawingml/2006/diagram" xmlns:o="urn:schemas-microsoft-com:office:office" xmlns:v="urn:schemas-microsoft-com:vml" xmlns:pvml="urn:schemas-microsoft-com:office:powerpoint" xmlns:com="http://schemas.openxmlformats.org/drawingml/2006/compatibility" xmlns:p14="http://schemas.microsoft.com/office/powerpoint/2010/main" xmlns:p15="http://schemas.microsoft.com/office/powerpoint/2012/main" xmlns:ahyp="http://schemas.microsoft.com/office/drawing/2018/hyperlinkcolor" matchingName="Title and two columns" type="twoColTx">
+<p:sldLayout xmlns:a="http://schemas.openxmlformats.org/drawingml/2006/main" xmlns:r="http://schemas.openxmlformats.org/officeDocument/2006/relationships" xmlns:p="http://schemas.openxmlformats.org/presentationml/2006/main" matchingName="Title and two columns" type="twoColTx">
   <p:cSld name="TITLE_AND_TWO_COLUMNS">
     <p:spTree>
       <p:nvGrpSpPr>
-        <p:cNvPr id="20" name="Shape 20"/>
+        <p:cNvPr id="1" name="Shape 20"/>
         <p:cNvGrpSpPr/>
         <p:nvPr/>
       </p:nvGrpSpPr>
@@ -3221,7 +3261,9 @@
       <p:sp>
         <p:nvSpPr>
           <p:cNvPr id="21" name="Google Shape;21;p5"/>
-          <p:cNvSpPr txBox="1"/>
+          <p:cNvSpPr txBox="1">
+            <a:spLocks noGrp="1"/>
+          </p:cNvSpPr>
           <p:nvPr>
             <p:ph type="title"/>
           </p:nvPr>
@@ -3236,7 +3278,7 @@
           </a:prstGeom>
         </p:spPr>
         <p:txBody>
-          <a:bodyPr anchorCtr="0" anchor="t" bIns="91425" lIns="91425" spcFirstLastPara="1" rIns="91425" wrap="square" tIns="91425">
+          <a:bodyPr spcFirstLastPara="1" wrap="square" lIns="91425" tIns="91425" rIns="91425" bIns="91425" anchor="t" anchorCtr="0">
             <a:normAutofit/>
           </a:bodyPr>
           <a:lstStyle>
@@ -3340,15 +3382,19 @@
               <a:defRPr/>
             </a:lvl9pPr>
           </a:lstStyle>
-          <a:p/>
+          <a:p>
+            <a:endParaRPr/>
+          </a:p>
         </p:txBody>
       </p:sp>
       <p:sp>
         <p:nvSpPr>
           <p:cNvPr id="22" name="Google Shape;22;p5"/>
-          <p:cNvSpPr txBox="1"/>
+          <p:cNvSpPr txBox="1">
+            <a:spLocks noGrp="1"/>
+          </p:cNvSpPr>
           <p:nvPr>
-            <p:ph idx="1" type="body"/>
+            <p:ph type="body" idx="1"/>
           </p:nvPr>
         </p:nvSpPr>
         <p:spPr>
@@ -3361,11 +3407,11 @@
           </a:prstGeom>
         </p:spPr>
         <p:txBody>
-          <a:bodyPr anchorCtr="0" anchor="t" bIns="91425" lIns="91425" spcFirstLastPara="1" rIns="91425" wrap="square" tIns="91425">
+          <a:bodyPr spcFirstLastPara="1" wrap="square" lIns="91425" tIns="91425" rIns="91425" bIns="91425" anchor="t" anchorCtr="0">
             <a:normAutofit/>
           </a:bodyPr>
           <a:lstStyle>
-            <a:lvl1pPr indent="-317500" lvl="0" marL="457200">
+            <a:lvl1pPr marL="457200" lvl="0" indent="-317500">
               <a:spcBef>
                 <a:spcPts val="0"/>
               </a:spcBef>
@@ -3376,7 +3422,7 @@
               <a:buChar char="●"/>
               <a:defRPr sz="1400"/>
             </a:lvl1pPr>
-            <a:lvl2pPr indent="-304800" lvl="1" marL="914400">
+            <a:lvl2pPr marL="914400" lvl="1" indent="-304800">
               <a:spcBef>
                 <a:spcPts val="0"/>
               </a:spcBef>
@@ -3387,7 +3433,7 @@
               <a:buChar char="○"/>
               <a:defRPr sz="1200"/>
             </a:lvl2pPr>
-            <a:lvl3pPr indent="-304800" lvl="2" marL="1371600">
+            <a:lvl3pPr marL="1371600" lvl="2" indent="-304800">
               <a:spcBef>
                 <a:spcPts val="0"/>
               </a:spcBef>
@@ -3398,7 +3444,7 @@
               <a:buChar char="■"/>
               <a:defRPr sz="1200"/>
             </a:lvl3pPr>
-            <a:lvl4pPr indent="-304800" lvl="3" marL="1828800">
+            <a:lvl4pPr marL="1828800" lvl="3" indent="-304800">
               <a:spcBef>
                 <a:spcPts val="0"/>
               </a:spcBef>
@@ -3409,7 +3455,7 @@
               <a:buChar char="●"/>
               <a:defRPr sz="1200"/>
             </a:lvl4pPr>
-            <a:lvl5pPr indent="-304800" lvl="4" marL="2286000">
+            <a:lvl5pPr marL="2286000" lvl="4" indent="-304800">
               <a:spcBef>
                 <a:spcPts val="0"/>
               </a:spcBef>
@@ -3420,7 +3466,7 @@
               <a:buChar char="○"/>
               <a:defRPr sz="1200"/>
             </a:lvl5pPr>
-            <a:lvl6pPr indent="-304800" lvl="5" marL="2743200">
+            <a:lvl6pPr marL="2743200" lvl="5" indent="-304800">
               <a:spcBef>
                 <a:spcPts val="0"/>
               </a:spcBef>
@@ -3431,7 +3477,7 @@
               <a:buChar char="■"/>
               <a:defRPr sz="1200"/>
             </a:lvl6pPr>
-            <a:lvl7pPr indent="-304800" lvl="6" marL="3200400">
+            <a:lvl7pPr marL="3200400" lvl="6" indent="-304800">
               <a:spcBef>
                 <a:spcPts val="0"/>
               </a:spcBef>
@@ -3442,7 +3488,7 @@
               <a:buChar char="●"/>
               <a:defRPr sz="1200"/>
             </a:lvl7pPr>
-            <a:lvl8pPr indent="-304800" lvl="7" marL="3657600">
+            <a:lvl8pPr marL="3657600" lvl="7" indent="-304800">
               <a:spcBef>
                 <a:spcPts val="0"/>
               </a:spcBef>
@@ -3453,7 +3499,7 @@
               <a:buChar char="○"/>
               <a:defRPr sz="1200"/>
             </a:lvl8pPr>
-            <a:lvl9pPr indent="-304800" lvl="8" marL="4114800">
+            <a:lvl9pPr marL="4114800" lvl="8" indent="-304800">
               <a:spcBef>
                 <a:spcPts val="0"/>
               </a:spcBef>
@@ -3465,15 +3511,19 @@
               <a:defRPr sz="1200"/>
             </a:lvl9pPr>
           </a:lstStyle>
-          <a:p/>
+          <a:p>
+            <a:endParaRPr/>
+          </a:p>
         </p:txBody>
       </p:sp>
       <p:sp>
         <p:nvSpPr>
           <p:cNvPr id="23" name="Google Shape;23;p5"/>
-          <p:cNvSpPr txBox="1"/>
+          <p:cNvSpPr txBox="1">
+            <a:spLocks noGrp="1"/>
+          </p:cNvSpPr>
           <p:nvPr>
-            <p:ph idx="2" type="body"/>
+            <p:ph type="body" idx="2"/>
           </p:nvPr>
         </p:nvSpPr>
         <p:spPr>
@@ -3486,11 +3536,11 @@
           </a:prstGeom>
         </p:spPr>
         <p:txBody>
-          <a:bodyPr anchorCtr="0" anchor="t" bIns="91425" lIns="91425" spcFirstLastPara="1" rIns="91425" wrap="square" tIns="91425">
+          <a:bodyPr spcFirstLastPara="1" wrap="square" lIns="91425" tIns="91425" rIns="91425" bIns="91425" anchor="t" anchorCtr="0">
             <a:normAutofit/>
           </a:bodyPr>
           <a:lstStyle>
-            <a:lvl1pPr indent="-317500" lvl="0" marL="457200">
+            <a:lvl1pPr marL="457200" lvl="0" indent="-317500">
               <a:spcBef>
                 <a:spcPts val="0"/>
               </a:spcBef>
@@ -3501,7 +3551,7 @@
               <a:buChar char="●"/>
               <a:defRPr sz="1400"/>
             </a:lvl1pPr>
-            <a:lvl2pPr indent="-304800" lvl="1" marL="914400">
+            <a:lvl2pPr marL="914400" lvl="1" indent="-304800">
               <a:spcBef>
                 <a:spcPts val="0"/>
               </a:spcBef>
@@ -3512,7 +3562,7 @@
               <a:buChar char="○"/>
               <a:defRPr sz="1200"/>
             </a:lvl2pPr>
-            <a:lvl3pPr indent="-304800" lvl="2" marL="1371600">
+            <a:lvl3pPr marL="1371600" lvl="2" indent="-304800">
               <a:spcBef>
                 <a:spcPts val="0"/>
               </a:spcBef>
@@ -3523,7 +3573,7 @@
               <a:buChar char="■"/>
               <a:defRPr sz="1200"/>
             </a:lvl3pPr>
-            <a:lvl4pPr indent="-304800" lvl="3" marL="1828800">
+            <a:lvl4pPr marL="1828800" lvl="3" indent="-304800">
               <a:spcBef>
                 <a:spcPts val="0"/>
               </a:spcBef>
@@ -3534,7 +3584,7 @@
               <a:buChar char="●"/>
               <a:defRPr sz="1200"/>
             </a:lvl4pPr>
-            <a:lvl5pPr indent="-304800" lvl="4" marL="2286000">
+            <a:lvl5pPr marL="2286000" lvl="4" indent="-304800">
               <a:spcBef>
                 <a:spcPts val="0"/>
               </a:spcBef>
@@ -3545,7 +3595,7 @@
               <a:buChar char="○"/>
               <a:defRPr sz="1200"/>
             </a:lvl5pPr>
-            <a:lvl6pPr indent="-304800" lvl="5" marL="2743200">
+            <a:lvl6pPr marL="2743200" lvl="5" indent="-304800">
               <a:spcBef>
                 <a:spcPts val="0"/>
               </a:spcBef>
@@ -3556,7 +3606,7 @@
               <a:buChar char="■"/>
               <a:defRPr sz="1200"/>
             </a:lvl6pPr>
-            <a:lvl7pPr indent="-304800" lvl="6" marL="3200400">
+            <a:lvl7pPr marL="3200400" lvl="6" indent="-304800">
               <a:spcBef>
                 <a:spcPts val="0"/>
               </a:spcBef>
@@ -3567,7 +3617,7 @@
               <a:buChar char="●"/>
               <a:defRPr sz="1200"/>
             </a:lvl7pPr>
-            <a:lvl8pPr indent="-304800" lvl="7" marL="3657600">
+            <a:lvl8pPr marL="3657600" lvl="7" indent="-304800">
               <a:spcBef>
                 <a:spcPts val="0"/>
               </a:spcBef>
@@ -3578,7 +3628,7 @@
               <a:buChar char="○"/>
               <a:defRPr sz="1200"/>
             </a:lvl8pPr>
-            <a:lvl9pPr indent="-304800" lvl="8" marL="4114800">
+            <a:lvl9pPr marL="4114800" lvl="8" indent="-304800">
               <a:spcBef>
                 <a:spcPts val="0"/>
               </a:spcBef>
@@ -3590,15 +3640,19 @@
               <a:defRPr sz="1200"/>
             </a:lvl9pPr>
           </a:lstStyle>
-          <a:p/>
+          <a:p>
+            <a:endParaRPr/>
+          </a:p>
         </p:txBody>
       </p:sp>
       <p:sp>
         <p:nvSpPr>
           <p:cNvPr id="24" name="Google Shape;24;p5"/>
-          <p:cNvSpPr txBox="1"/>
+          <p:cNvSpPr txBox="1">
+            <a:spLocks noGrp="1"/>
+          </p:cNvSpPr>
           <p:nvPr>
-            <p:ph idx="12" type="sldNum"/>
+            <p:ph type="sldNum" idx="12"/>
           </p:nvPr>
         </p:nvSpPr>
         <p:spPr>
@@ -3611,7 +3665,7 @@
           </a:prstGeom>
         </p:spPr>
         <p:txBody>
-          <a:bodyPr anchorCtr="0" anchor="ctr" bIns="91425" lIns="91425" spcFirstLastPara="1" rIns="91425" wrap="square" tIns="91425">
+          <a:bodyPr spcFirstLastPara="1" wrap="square" lIns="91425" tIns="91425" rIns="91425" bIns="91425" anchor="ctr" anchorCtr="0">
             <a:normAutofit/>
           </a:bodyPr>
           <a:lstStyle>
@@ -3653,7 +3707,7 @@
             </a:lvl9pPr>
           </a:lstStyle>
           <a:p>
-            <a:pPr indent="0" lvl="0" marL="0" rtl="0" algn="r">
+            <a:pPr marL="0" lvl="0" indent="0" algn="r" rtl="0">
               <a:spcBef>
                 <a:spcPts val="0"/>
               </a:spcBef>
@@ -3679,11 +3733,11 @@
 </file>
 
 <file path=ppt/slideLayouts/slideLayout5.xml><?xml version="1.0" encoding="utf-8"?>
-<p:sldLayout xmlns:a="http://schemas.openxmlformats.org/drawingml/2006/main" xmlns:r="http://schemas.openxmlformats.org/officeDocument/2006/relationships" xmlns:mc="http://schemas.openxmlformats.org/markup-compatibility/2006" xmlns:mv="urn:schemas-microsoft-com:mac:vml" xmlns:p="http://schemas.openxmlformats.org/presentationml/2006/main" xmlns:c="http://schemas.openxmlformats.org/drawingml/2006/chart" xmlns:dgm="http://schemas.openxmlformats.org/drawingml/2006/diagram" xmlns:o="urn:schemas-microsoft-com:office:office" xmlns:v="urn:schemas-microsoft-com:vml" xmlns:pvml="urn:schemas-microsoft-com:office:powerpoint" xmlns:com="http://schemas.openxmlformats.org/drawingml/2006/compatibility" xmlns:p14="http://schemas.microsoft.com/office/powerpoint/2010/main" xmlns:p15="http://schemas.microsoft.com/office/powerpoint/2012/main" xmlns:ahyp="http://schemas.microsoft.com/office/drawing/2018/hyperlinkcolor" matchingName="Title only" type="titleOnly">
+<p:sldLayout xmlns:a="http://schemas.openxmlformats.org/drawingml/2006/main" xmlns:r="http://schemas.openxmlformats.org/officeDocument/2006/relationships" xmlns:p="http://schemas.openxmlformats.org/presentationml/2006/main" matchingName="Title only" type="titleOnly">
   <p:cSld name="TITLE_ONLY">
     <p:spTree>
       <p:nvGrpSpPr>
-        <p:cNvPr id="25" name="Shape 25"/>
+        <p:cNvPr id="1" name="Shape 25"/>
         <p:cNvGrpSpPr/>
         <p:nvPr/>
       </p:nvGrpSpPr>
@@ -3698,7 +3752,9 @@
       <p:sp>
         <p:nvSpPr>
           <p:cNvPr id="26" name="Google Shape;26;p6"/>
-          <p:cNvSpPr txBox="1"/>
+          <p:cNvSpPr txBox="1">
+            <a:spLocks noGrp="1"/>
+          </p:cNvSpPr>
           <p:nvPr>
             <p:ph type="title"/>
           </p:nvPr>
@@ -3713,7 +3769,7 @@
           </a:prstGeom>
         </p:spPr>
         <p:txBody>
-          <a:bodyPr anchorCtr="0" anchor="t" bIns="91425" lIns="91425" spcFirstLastPara="1" rIns="91425" wrap="square" tIns="91425">
+          <a:bodyPr spcFirstLastPara="1" wrap="square" lIns="91425" tIns="91425" rIns="91425" bIns="91425" anchor="t" anchorCtr="0">
             <a:normAutofit/>
           </a:bodyPr>
           <a:lstStyle>
@@ -3817,15 +3873,19 @@
               <a:defRPr/>
             </a:lvl9pPr>
           </a:lstStyle>
-          <a:p/>
+          <a:p>
+            <a:endParaRPr/>
+          </a:p>
         </p:txBody>
       </p:sp>
       <p:sp>
         <p:nvSpPr>
           <p:cNvPr id="27" name="Google Shape;27;p6"/>
-          <p:cNvSpPr txBox="1"/>
+          <p:cNvSpPr txBox="1">
+            <a:spLocks noGrp="1"/>
+          </p:cNvSpPr>
           <p:nvPr>
-            <p:ph idx="12" type="sldNum"/>
+            <p:ph type="sldNum" idx="12"/>
           </p:nvPr>
         </p:nvSpPr>
         <p:spPr>
@@ -3838,7 +3898,7 @@
           </a:prstGeom>
         </p:spPr>
         <p:txBody>
-          <a:bodyPr anchorCtr="0" anchor="ctr" bIns="91425" lIns="91425" spcFirstLastPara="1" rIns="91425" wrap="square" tIns="91425">
+          <a:bodyPr spcFirstLastPara="1" wrap="square" lIns="91425" tIns="91425" rIns="91425" bIns="91425" anchor="ctr" anchorCtr="0">
             <a:normAutofit/>
           </a:bodyPr>
           <a:lstStyle>
@@ -3880,7 +3940,7 @@
             </a:lvl9pPr>
           </a:lstStyle>
           <a:p>
-            <a:pPr indent="0" lvl="0" marL="0" rtl="0" algn="r">
+            <a:pPr marL="0" lvl="0" indent="0" algn="r" rtl="0">
               <a:spcBef>
                 <a:spcPts val="0"/>
               </a:spcBef>
@@ -3906,11 +3966,11 @@
 </file>
 
 <file path=ppt/slideLayouts/slideLayout6.xml><?xml version="1.0" encoding="utf-8"?>
-<p:sldLayout xmlns:a="http://schemas.openxmlformats.org/drawingml/2006/main" xmlns:r="http://schemas.openxmlformats.org/officeDocument/2006/relationships" xmlns:mc="http://schemas.openxmlformats.org/markup-compatibility/2006" xmlns:mv="urn:schemas-microsoft-com:mac:vml" xmlns:p="http://schemas.openxmlformats.org/presentationml/2006/main" xmlns:c="http://schemas.openxmlformats.org/drawingml/2006/chart" xmlns:dgm="http://schemas.openxmlformats.org/drawingml/2006/diagram" xmlns:o="urn:schemas-microsoft-com:office:office" xmlns:v="urn:schemas-microsoft-com:vml" xmlns:pvml="urn:schemas-microsoft-com:office:powerpoint" xmlns:com="http://schemas.openxmlformats.org/drawingml/2006/compatibility" xmlns:p14="http://schemas.microsoft.com/office/powerpoint/2010/main" xmlns:p15="http://schemas.microsoft.com/office/powerpoint/2012/main" xmlns:ahyp="http://schemas.microsoft.com/office/drawing/2018/hyperlinkcolor" matchingName="One column text">
+<p:sldLayout xmlns:a="http://schemas.openxmlformats.org/drawingml/2006/main" xmlns:r="http://schemas.openxmlformats.org/officeDocument/2006/relationships" xmlns:p="http://schemas.openxmlformats.org/presentationml/2006/main" matchingName="One column text">
   <p:cSld name="ONE_COLUMN_TEXT">
     <p:spTree>
       <p:nvGrpSpPr>
-        <p:cNvPr id="28" name="Shape 28"/>
+        <p:cNvPr id="1" name="Shape 28"/>
         <p:cNvGrpSpPr/>
         <p:nvPr/>
       </p:nvGrpSpPr>
@@ -3925,7 +3985,9 @@
       <p:sp>
         <p:nvSpPr>
           <p:cNvPr id="29" name="Google Shape;29;p7"/>
-          <p:cNvSpPr txBox="1"/>
+          <p:cNvSpPr txBox="1">
+            <a:spLocks noGrp="1"/>
+          </p:cNvSpPr>
           <p:nvPr>
             <p:ph type="title"/>
           </p:nvPr>
@@ -3940,7 +4002,7 @@
           </a:prstGeom>
         </p:spPr>
         <p:txBody>
-          <a:bodyPr anchorCtr="0" anchor="b" bIns="91425" lIns="91425" spcFirstLastPara="1" rIns="91425" wrap="square" tIns="91425">
+          <a:bodyPr spcFirstLastPara="1" wrap="square" lIns="91425" tIns="91425" rIns="91425" bIns="91425" anchor="b" anchorCtr="0">
             <a:normAutofit/>
           </a:bodyPr>
           <a:lstStyle>
@@ -4044,15 +4106,19 @@
               <a:defRPr sz="2400"/>
             </a:lvl9pPr>
           </a:lstStyle>
-          <a:p/>
+          <a:p>
+            <a:endParaRPr/>
+          </a:p>
         </p:txBody>
       </p:sp>
       <p:sp>
         <p:nvSpPr>
           <p:cNvPr id="30" name="Google Shape;30;p7"/>
-          <p:cNvSpPr txBox="1"/>
+          <p:cNvSpPr txBox="1">
+            <a:spLocks noGrp="1"/>
+          </p:cNvSpPr>
           <p:nvPr>
-            <p:ph idx="1" type="body"/>
+            <p:ph type="body" idx="1"/>
           </p:nvPr>
         </p:nvSpPr>
         <p:spPr>
@@ -4065,11 +4131,11 @@
           </a:prstGeom>
         </p:spPr>
         <p:txBody>
-          <a:bodyPr anchorCtr="0" anchor="t" bIns="91425" lIns="91425" spcFirstLastPara="1" rIns="91425" wrap="square" tIns="91425">
+          <a:bodyPr spcFirstLastPara="1" wrap="square" lIns="91425" tIns="91425" rIns="91425" bIns="91425" anchor="t" anchorCtr="0">
             <a:normAutofit/>
           </a:bodyPr>
           <a:lstStyle>
-            <a:lvl1pPr indent="-304800" lvl="0" marL="457200">
+            <a:lvl1pPr marL="457200" lvl="0" indent="-304800">
               <a:spcBef>
                 <a:spcPts val="0"/>
               </a:spcBef>
@@ -4080,7 +4146,7 @@
               <a:buChar char="●"/>
               <a:defRPr sz="1200"/>
             </a:lvl1pPr>
-            <a:lvl2pPr indent="-304800" lvl="1" marL="914400">
+            <a:lvl2pPr marL="914400" lvl="1" indent="-304800">
               <a:spcBef>
                 <a:spcPts val="0"/>
               </a:spcBef>
@@ -4091,7 +4157,7 @@
               <a:buChar char="○"/>
               <a:defRPr sz="1200"/>
             </a:lvl2pPr>
-            <a:lvl3pPr indent="-304800" lvl="2" marL="1371600">
+            <a:lvl3pPr marL="1371600" lvl="2" indent="-304800">
               <a:spcBef>
                 <a:spcPts val="0"/>
               </a:spcBef>
@@ -4102,7 +4168,7 @@
               <a:buChar char="■"/>
               <a:defRPr sz="1200"/>
             </a:lvl3pPr>
-            <a:lvl4pPr indent="-304800" lvl="3" marL="1828800">
+            <a:lvl4pPr marL="1828800" lvl="3" indent="-304800">
               <a:spcBef>
                 <a:spcPts val="0"/>
               </a:spcBef>
@@ -4113,7 +4179,7 @@
               <a:buChar char="●"/>
               <a:defRPr sz="1200"/>
             </a:lvl4pPr>
-            <a:lvl5pPr indent="-304800" lvl="4" marL="2286000">
+            <a:lvl5pPr marL="2286000" lvl="4" indent="-304800">
               <a:spcBef>
                 <a:spcPts val="0"/>
               </a:spcBef>
@@ -4124,7 +4190,7 @@
               <a:buChar char="○"/>
               <a:defRPr sz="1200"/>
             </a:lvl5pPr>
-            <a:lvl6pPr indent="-304800" lvl="5" marL="2743200">
+            <a:lvl6pPr marL="2743200" lvl="5" indent="-304800">
               <a:spcBef>
                 <a:spcPts val="0"/>
               </a:spcBef>
@@ -4135,7 +4201,7 @@
               <a:buChar char="■"/>
               <a:defRPr sz="1200"/>
             </a:lvl6pPr>
-            <a:lvl7pPr indent="-304800" lvl="6" marL="3200400">
+            <a:lvl7pPr marL="3200400" lvl="6" indent="-304800">
               <a:spcBef>
                 <a:spcPts val="0"/>
               </a:spcBef>
@@ -4146,7 +4212,7 @@
               <a:buChar char="●"/>
               <a:defRPr sz="1200"/>
             </a:lvl7pPr>
-            <a:lvl8pPr indent="-304800" lvl="7" marL="3657600">
+            <a:lvl8pPr marL="3657600" lvl="7" indent="-304800">
               <a:spcBef>
                 <a:spcPts val="0"/>
               </a:spcBef>
@@ -4157,7 +4223,7 @@
               <a:buChar char="○"/>
               <a:defRPr sz="1200"/>
             </a:lvl8pPr>
-            <a:lvl9pPr indent="-304800" lvl="8" marL="4114800">
+            <a:lvl9pPr marL="4114800" lvl="8" indent="-304800">
               <a:spcBef>
                 <a:spcPts val="0"/>
               </a:spcBef>
@@ -4169,15 +4235,19 @@
               <a:defRPr sz="1200"/>
             </a:lvl9pPr>
           </a:lstStyle>
-          <a:p/>
+          <a:p>
+            <a:endParaRPr/>
+          </a:p>
         </p:txBody>
       </p:sp>
       <p:sp>
         <p:nvSpPr>
           <p:cNvPr id="31" name="Google Shape;31;p7"/>
-          <p:cNvSpPr txBox="1"/>
+          <p:cNvSpPr txBox="1">
+            <a:spLocks noGrp="1"/>
+          </p:cNvSpPr>
           <p:nvPr>
-            <p:ph idx="12" type="sldNum"/>
+            <p:ph type="sldNum" idx="12"/>
           </p:nvPr>
         </p:nvSpPr>
         <p:spPr>
@@ -4190,7 +4260,7 @@
           </a:prstGeom>
         </p:spPr>
         <p:txBody>
-          <a:bodyPr anchorCtr="0" anchor="ctr" bIns="91425" lIns="91425" spcFirstLastPara="1" rIns="91425" wrap="square" tIns="91425">
+          <a:bodyPr spcFirstLastPara="1" wrap="square" lIns="91425" tIns="91425" rIns="91425" bIns="91425" anchor="ctr" anchorCtr="0">
             <a:normAutofit/>
           </a:bodyPr>
           <a:lstStyle>
@@ -4232,7 +4302,7 @@
             </a:lvl9pPr>
           </a:lstStyle>
           <a:p>
-            <a:pPr indent="0" lvl="0" marL="0" rtl="0" algn="r">
+            <a:pPr marL="0" lvl="0" indent="0" algn="r" rtl="0">
               <a:spcBef>
                 <a:spcPts val="0"/>
               </a:spcBef>
@@ -4258,11 +4328,11 @@
 </file>
 
 <file path=ppt/slideLayouts/slideLayout7.xml><?xml version="1.0" encoding="utf-8"?>
-<p:sldLayout xmlns:a="http://schemas.openxmlformats.org/drawingml/2006/main" xmlns:r="http://schemas.openxmlformats.org/officeDocument/2006/relationships" xmlns:mc="http://schemas.openxmlformats.org/markup-compatibility/2006" xmlns:mv="urn:schemas-microsoft-com:mac:vml" xmlns:p="http://schemas.openxmlformats.org/presentationml/2006/main" xmlns:c="http://schemas.openxmlformats.org/drawingml/2006/chart" xmlns:dgm="http://schemas.openxmlformats.org/drawingml/2006/diagram" xmlns:o="urn:schemas-microsoft-com:office:office" xmlns:v="urn:schemas-microsoft-com:vml" xmlns:pvml="urn:schemas-microsoft-com:office:powerpoint" xmlns:com="http://schemas.openxmlformats.org/drawingml/2006/compatibility" xmlns:p14="http://schemas.microsoft.com/office/powerpoint/2010/main" xmlns:p15="http://schemas.microsoft.com/office/powerpoint/2012/main" xmlns:ahyp="http://schemas.microsoft.com/office/drawing/2018/hyperlinkcolor" matchingName="Main point">
+<p:sldLayout xmlns:a="http://schemas.openxmlformats.org/drawingml/2006/main" xmlns:r="http://schemas.openxmlformats.org/officeDocument/2006/relationships" xmlns:p="http://schemas.openxmlformats.org/presentationml/2006/main" matchingName="Main point">
   <p:cSld name="MAIN_POINT">
     <p:spTree>
       <p:nvGrpSpPr>
-        <p:cNvPr id="32" name="Shape 32"/>
+        <p:cNvPr id="1" name="Shape 32"/>
         <p:cNvGrpSpPr/>
         <p:nvPr/>
       </p:nvGrpSpPr>
@@ -4277,7 +4347,9 @@
       <p:sp>
         <p:nvSpPr>
           <p:cNvPr id="33" name="Google Shape;33;p8"/>
-          <p:cNvSpPr txBox="1"/>
+          <p:cNvSpPr txBox="1">
+            <a:spLocks noGrp="1"/>
+          </p:cNvSpPr>
           <p:nvPr>
             <p:ph type="title"/>
           </p:nvPr>
@@ -4292,7 +4364,7 @@
           </a:prstGeom>
         </p:spPr>
         <p:txBody>
-          <a:bodyPr anchorCtr="0" anchor="ctr" bIns="91425" lIns="91425" spcFirstLastPara="1" rIns="91425" wrap="square" tIns="91425">
+          <a:bodyPr spcFirstLastPara="1" wrap="square" lIns="91425" tIns="91425" rIns="91425" bIns="91425" anchor="ctr" anchorCtr="0">
             <a:normAutofit/>
           </a:bodyPr>
           <a:lstStyle>
@@ -4396,15 +4468,19 @@
               <a:defRPr sz="4800"/>
             </a:lvl9pPr>
           </a:lstStyle>
-          <a:p/>
+          <a:p>
+            <a:endParaRPr/>
+          </a:p>
         </p:txBody>
       </p:sp>
       <p:sp>
         <p:nvSpPr>
           <p:cNvPr id="34" name="Google Shape;34;p8"/>
-          <p:cNvSpPr txBox="1"/>
+          <p:cNvSpPr txBox="1">
+            <a:spLocks noGrp="1"/>
+          </p:cNvSpPr>
           <p:nvPr>
-            <p:ph idx="12" type="sldNum"/>
+            <p:ph type="sldNum" idx="12"/>
           </p:nvPr>
         </p:nvSpPr>
         <p:spPr>
@@ -4417,7 +4493,7 @@
           </a:prstGeom>
         </p:spPr>
         <p:txBody>
-          <a:bodyPr anchorCtr="0" anchor="ctr" bIns="91425" lIns="91425" spcFirstLastPara="1" rIns="91425" wrap="square" tIns="91425">
+          <a:bodyPr spcFirstLastPara="1" wrap="square" lIns="91425" tIns="91425" rIns="91425" bIns="91425" anchor="ctr" anchorCtr="0">
             <a:normAutofit/>
           </a:bodyPr>
           <a:lstStyle>
@@ -4459,7 +4535,7 @@
             </a:lvl9pPr>
           </a:lstStyle>
           <a:p>
-            <a:pPr indent="0" lvl="0" marL="0" rtl="0" algn="r">
+            <a:pPr marL="0" lvl="0" indent="0" algn="r" rtl="0">
               <a:spcBef>
                 <a:spcPts val="0"/>
               </a:spcBef>
@@ -4485,11 +4561,11 @@
 </file>
 
 <file path=ppt/slideLayouts/slideLayout8.xml><?xml version="1.0" encoding="utf-8"?>
-<p:sldLayout xmlns:a="http://schemas.openxmlformats.org/drawingml/2006/main" xmlns:r="http://schemas.openxmlformats.org/officeDocument/2006/relationships" xmlns:mc="http://schemas.openxmlformats.org/markup-compatibility/2006" xmlns:mv="urn:schemas-microsoft-com:mac:vml" xmlns:p="http://schemas.openxmlformats.org/presentationml/2006/main" xmlns:c="http://schemas.openxmlformats.org/drawingml/2006/chart" xmlns:dgm="http://schemas.openxmlformats.org/drawingml/2006/diagram" xmlns:o="urn:schemas-microsoft-com:office:office" xmlns:v="urn:schemas-microsoft-com:vml" xmlns:pvml="urn:schemas-microsoft-com:office:powerpoint" xmlns:com="http://schemas.openxmlformats.org/drawingml/2006/compatibility" xmlns:p14="http://schemas.microsoft.com/office/powerpoint/2010/main" xmlns:p15="http://schemas.microsoft.com/office/powerpoint/2012/main" xmlns:ahyp="http://schemas.microsoft.com/office/drawing/2018/hyperlinkcolor" matchingName="Section title and description">
+<p:sldLayout xmlns:a="http://schemas.openxmlformats.org/drawingml/2006/main" xmlns:r="http://schemas.openxmlformats.org/officeDocument/2006/relationships" xmlns:p="http://schemas.openxmlformats.org/presentationml/2006/main" matchingName="Section title and description">
   <p:cSld name="SECTION_TITLE_AND_DESCRIPTION">
     <p:spTree>
       <p:nvGrpSpPr>
-        <p:cNvPr id="35" name="Shape 35"/>
+        <p:cNvPr id="1" name="Shape 35"/>
         <p:cNvGrpSpPr/>
         <p:nvPr/>
       </p:nvGrpSpPr>
@@ -4523,12 +4599,12 @@
           </a:ln>
         </p:spPr>
         <p:txBody>
-          <a:bodyPr anchorCtr="0" anchor="ctr" bIns="91425" lIns="91425" spcFirstLastPara="1" rIns="91425" wrap="square" tIns="91425">
+          <a:bodyPr spcFirstLastPara="1" wrap="square" lIns="91425" tIns="91425" rIns="91425" bIns="91425" anchor="ctr" anchorCtr="0">
             <a:noAutofit/>
           </a:bodyPr>
           <a:lstStyle/>
           <a:p>
-            <a:pPr indent="0" lvl="0" marL="0" rtl="0" algn="l">
+            <a:pPr marL="0" lvl="0" indent="0" algn="l" rtl="0">
               <a:spcBef>
                 <a:spcPts val="0"/>
               </a:spcBef>
@@ -4537,9 +4613,6 @@
               </a:spcAft>
               <a:buNone/>
             </a:pPr>
-            <a:r>
-              <a:t/>
-            </a:r>
             <a:endParaRPr/>
           </a:p>
         </p:txBody>
@@ -4547,7 +4620,9 @@
       <p:sp>
         <p:nvSpPr>
           <p:cNvPr id="37" name="Google Shape;37;p9"/>
-          <p:cNvSpPr txBox="1"/>
+          <p:cNvSpPr txBox="1">
+            <a:spLocks noGrp="1"/>
+          </p:cNvSpPr>
           <p:nvPr>
             <p:ph type="title"/>
           </p:nvPr>
@@ -4562,7 +4637,7 @@
           </a:prstGeom>
         </p:spPr>
         <p:txBody>
-          <a:bodyPr anchorCtr="0" anchor="b" bIns="91425" lIns="91425" spcFirstLastPara="1" rIns="91425" wrap="square" tIns="91425">
+          <a:bodyPr spcFirstLastPara="1" wrap="square" lIns="91425" tIns="91425" rIns="91425" bIns="91425" anchor="b" anchorCtr="0">
             <a:normAutofit/>
           </a:bodyPr>
           <a:lstStyle>
@@ -4666,15 +4741,19 @@
               <a:defRPr sz="4200"/>
             </a:lvl9pPr>
           </a:lstStyle>
-          <a:p/>
+          <a:p>
+            <a:endParaRPr/>
+          </a:p>
         </p:txBody>
       </p:sp>
       <p:sp>
         <p:nvSpPr>
           <p:cNvPr id="38" name="Google Shape;38;p9"/>
-          <p:cNvSpPr txBox="1"/>
+          <p:cNvSpPr txBox="1">
+            <a:spLocks noGrp="1"/>
+          </p:cNvSpPr>
           <p:nvPr>
-            <p:ph idx="1" type="subTitle"/>
+            <p:ph type="subTitle" idx="1"/>
           </p:nvPr>
         </p:nvSpPr>
         <p:spPr>
@@ -4687,7 +4766,7 @@
           </a:prstGeom>
         </p:spPr>
         <p:txBody>
-          <a:bodyPr anchorCtr="0" anchor="t" bIns="91425" lIns="91425" spcFirstLastPara="1" rIns="91425" wrap="square" tIns="91425">
+          <a:bodyPr spcFirstLastPara="1" wrap="square" lIns="91425" tIns="91425" rIns="91425" bIns="91425" anchor="t" anchorCtr="0">
             <a:normAutofit/>
           </a:bodyPr>
           <a:lstStyle>
@@ -4818,15 +4897,19 @@
               <a:defRPr sz="2100"/>
             </a:lvl9pPr>
           </a:lstStyle>
-          <a:p/>
+          <a:p>
+            <a:endParaRPr/>
+          </a:p>
         </p:txBody>
       </p:sp>
       <p:sp>
         <p:nvSpPr>
           <p:cNvPr id="39" name="Google Shape;39;p9"/>
-          <p:cNvSpPr txBox="1"/>
+          <p:cNvSpPr txBox="1">
+            <a:spLocks noGrp="1"/>
+          </p:cNvSpPr>
           <p:nvPr>
-            <p:ph idx="2" type="body"/>
+            <p:ph type="body" idx="2"/>
           </p:nvPr>
         </p:nvSpPr>
         <p:spPr>
@@ -4839,11 +4922,11 @@
           </a:prstGeom>
         </p:spPr>
         <p:txBody>
-          <a:bodyPr anchorCtr="0" anchor="ctr" bIns="91425" lIns="91425" spcFirstLastPara="1" rIns="91425" wrap="square" tIns="91425">
+          <a:bodyPr spcFirstLastPara="1" wrap="square" lIns="91425" tIns="91425" rIns="91425" bIns="91425" anchor="ctr" anchorCtr="0">
             <a:normAutofit/>
           </a:bodyPr>
           <a:lstStyle>
-            <a:lvl1pPr indent="-342900" lvl="0" marL="457200">
+            <a:lvl1pPr marL="457200" lvl="0" indent="-342900">
               <a:spcBef>
                 <a:spcPts val="0"/>
               </a:spcBef>
@@ -4854,7 +4937,7 @@
               <a:buChar char="●"/>
               <a:defRPr/>
             </a:lvl1pPr>
-            <a:lvl2pPr indent="-317500" lvl="1" marL="914400">
+            <a:lvl2pPr marL="914400" lvl="1" indent="-317500">
               <a:spcBef>
                 <a:spcPts val="0"/>
               </a:spcBef>
@@ -4865,7 +4948,7 @@
               <a:buChar char="○"/>
               <a:defRPr/>
             </a:lvl2pPr>
-            <a:lvl3pPr indent="-317500" lvl="2" marL="1371600">
+            <a:lvl3pPr marL="1371600" lvl="2" indent="-317500">
               <a:spcBef>
                 <a:spcPts val="0"/>
               </a:spcBef>
@@ -4876,7 +4959,7 @@
               <a:buChar char="■"/>
               <a:defRPr/>
             </a:lvl3pPr>
-            <a:lvl4pPr indent="-317500" lvl="3" marL="1828800">
+            <a:lvl4pPr marL="1828800" lvl="3" indent="-317500">
               <a:spcBef>
                 <a:spcPts val="0"/>
               </a:spcBef>
@@ -4887,7 +4970,7 @@
               <a:buChar char="●"/>
               <a:defRPr/>
             </a:lvl4pPr>
-            <a:lvl5pPr indent="-317500" lvl="4" marL="2286000">
+            <a:lvl5pPr marL="2286000" lvl="4" indent="-317500">
               <a:spcBef>
                 <a:spcPts val="0"/>
               </a:spcBef>
@@ -4898,7 +4981,7 @@
               <a:buChar char="○"/>
               <a:defRPr/>
             </a:lvl5pPr>
-            <a:lvl6pPr indent="-317500" lvl="5" marL="2743200">
+            <a:lvl6pPr marL="2743200" lvl="5" indent="-317500">
               <a:spcBef>
                 <a:spcPts val="0"/>
               </a:spcBef>
@@ -4909,7 +4992,7 @@
               <a:buChar char="■"/>
               <a:defRPr/>
             </a:lvl6pPr>
-            <a:lvl7pPr indent="-317500" lvl="6" marL="3200400">
+            <a:lvl7pPr marL="3200400" lvl="6" indent="-317500">
               <a:spcBef>
                 <a:spcPts val="0"/>
               </a:spcBef>
@@ -4920,7 +5003,7 @@
               <a:buChar char="●"/>
               <a:defRPr/>
             </a:lvl7pPr>
-            <a:lvl8pPr indent="-317500" lvl="7" marL="3657600">
+            <a:lvl8pPr marL="3657600" lvl="7" indent="-317500">
               <a:spcBef>
                 <a:spcPts val="0"/>
               </a:spcBef>
@@ -4931,7 +5014,7 @@
               <a:buChar char="○"/>
               <a:defRPr/>
             </a:lvl8pPr>
-            <a:lvl9pPr indent="-317500" lvl="8" marL="4114800">
+            <a:lvl9pPr marL="4114800" lvl="8" indent="-317500">
               <a:spcBef>
                 <a:spcPts val="0"/>
               </a:spcBef>
@@ -4943,15 +5026,19 @@
               <a:defRPr/>
             </a:lvl9pPr>
           </a:lstStyle>
-          <a:p/>
+          <a:p>
+            <a:endParaRPr/>
+          </a:p>
         </p:txBody>
       </p:sp>
       <p:sp>
         <p:nvSpPr>
           <p:cNvPr id="40" name="Google Shape;40;p9"/>
-          <p:cNvSpPr txBox="1"/>
+          <p:cNvSpPr txBox="1">
+            <a:spLocks noGrp="1"/>
+          </p:cNvSpPr>
           <p:nvPr>
-            <p:ph idx="12" type="sldNum"/>
+            <p:ph type="sldNum" idx="12"/>
           </p:nvPr>
         </p:nvSpPr>
         <p:spPr>
@@ -4964,7 +5051,7 @@
           </a:prstGeom>
         </p:spPr>
         <p:txBody>
-          <a:bodyPr anchorCtr="0" anchor="ctr" bIns="91425" lIns="91425" spcFirstLastPara="1" rIns="91425" wrap="square" tIns="91425">
+          <a:bodyPr spcFirstLastPara="1" wrap="square" lIns="91425" tIns="91425" rIns="91425" bIns="91425" anchor="ctr" anchorCtr="0">
             <a:normAutofit/>
           </a:bodyPr>
           <a:lstStyle>
@@ -5006,7 +5093,7 @@
             </a:lvl9pPr>
           </a:lstStyle>
           <a:p>
-            <a:pPr indent="0" lvl="0" marL="0" rtl="0" algn="r">
+            <a:pPr marL="0" lvl="0" indent="0" algn="r" rtl="0">
               <a:spcBef>
                 <a:spcPts val="0"/>
               </a:spcBef>
@@ -5032,11 +5119,11 @@
 </file>
 
 <file path=ppt/slideLayouts/slideLayout9.xml><?xml version="1.0" encoding="utf-8"?>
-<p:sldLayout xmlns:a="http://schemas.openxmlformats.org/drawingml/2006/main" xmlns:r="http://schemas.openxmlformats.org/officeDocument/2006/relationships" xmlns:mc="http://schemas.openxmlformats.org/markup-compatibility/2006" xmlns:mv="urn:schemas-microsoft-com:mac:vml" xmlns:p="http://schemas.openxmlformats.org/presentationml/2006/main" xmlns:c="http://schemas.openxmlformats.org/drawingml/2006/chart" xmlns:dgm="http://schemas.openxmlformats.org/drawingml/2006/diagram" xmlns:o="urn:schemas-microsoft-com:office:office" xmlns:v="urn:schemas-microsoft-com:vml" xmlns:pvml="urn:schemas-microsoft-com:office:powerpoint" xmlns:com="http://schemas.openxmlformats.org/drawingml/2006/compatibility" xmlns:p14="http://schemas.microsoft.com/office/powerpoint/2010/main" xmlns:p15="http://schemas.microsoft.com/office/powerpoint/2012/main" xmlns:ahyp="http://schemas.microsoft.com/office/drawing/2018/hyperlinkcolor" matchingName="Caption">
+<p:sldLayout xmlns:a="http://schemas.openxmlformats.org/drawingml/2006/main" xmlns:r="http://schemas.openxmlformats.org/officeDocument/2006/relationships" xmlns:p="http://schemas.openxmlformats.org/presentationml/2006/main" matchingName="Caption">
   <p:cSld name="CAPTION_ONLY">
     <p:spTree>
       <p:nvGrpSpPr>
-        <p:cNvPr id="41" name="Shape 41"/>
+        <p:cNvPr id="1" name="Shape 41"/>
         <p:cNvGrpSpPr/>
         <p:nvPr/>
       </p:nvGrpSpPr>
@@ -5051,9 +5138,11 @@
       <p:sp>
         <p:nvSpPr>
           <p:cNvPr id="42" name="Google Shape;42;p10"/>
-          <p:cNvSpPr txBox="1"/>
+          <p:cNvSpPr txBox="1">
+            <a:spLocks noGrp="1"/>
+          </p:cNvSpPr>
           <p:nvPr>
-            <p:ph idx="1" type="body"/>
+            <p:ph type="body" idx="1"/>
           </p:nvPr>
         </p:nvSpPr>
         <p:spPr>
@@ -5066,11 +5155,11 @@
           </a:prstGeom>
         </p:spPr>
         <p:txBody>
-          <a:bodyPr anchorCtr="0" anchor="ctr" bIns="91425" lIns="91425" spcFirstLastPara="1" rIns="91425" wrap="square" tIns="91425">
+          <a:bodyPr spcFirstLastPara="1" wrap="square" lIns="91425" tIns="91425" rIns="91425" bIns="91425" anchor="ctr" anchorCtr="0">
             <a:normAutofit/>
           </a:bodyPr>
           <a:lstStyle>
-            <a:lvl1pPr indent="-228600" lvl="0" marL="457200">
+            <a:lvl1pPr marL="457200" lvl="0" indent="-228600">
               <a:lnSpc>
                 <a:spcPct val="100000"/>
               </a:lnSpc>
@@ -5085,15 +5174,19 @@
               <a:defRPr/>
             </a:lvl1pPr>
           </a:lstStyle>
-          <a:p/>
+          <a:p>
+            <a:endParaRPr/>
+          </a:p>
         </p:txBody>
       </p:sp>
       <p:sp>
         <p:nvSpPr>
           <p:cNvPr id="43" name="Google Shape;43;p10"/>
-          <p:cNvSpPr txBox="1"/>
+          <p:cNvSpPr txBox="1">
+            <a:spLocks noGrp="1"/>
+          </p:cNvSpPr>
           <p:nvPr>
-            <p:ph idx="12" type="sldNum"/>
+            <p:ph type="sldNum" idx="12"/>
           </p:nvPr>
         </p:nvSpPr>
         <p:spPr>
@@ -5106,7 +5199,7 @@
           </a:prstGeom>
         </p:spPr>
         <p:txBody>
-          <a:bodyPr anchorCtr="0" anchor="ctr" bIns="91425" lIns="91425" spcFirstLastPara="1" rIns="91425" wrap="square" tIns="91425">
+          <a:bodyPr spcFirstLastPara="1" wrap="square" lIns="91425" tIns="91425" rIns="91425" bIns="91425" anchor="ctr" anchorCtr="0">
             <a:normAutofit/>
           </a:bodyPr>
           <a:lstStyle>
@@ -5148,7 +5241,7 @@
             </a:lvl9pPr>
           </a:lstStyle>
           <a:p>
-            <a:pPr indent="0" lvl="0" marL="0" rtl="0" algn="r">
+            <a:pPr marL="0" lvl="0" indent="0" algn="r" rtl="0">
               <a:spcBef>
                 <a:spcPts val="0"/>
               </a:spcBef>
@@ -5174,18 +5267,19 @@
 </file>
 
 <file path=ppt/slideMasters/slideMaster1.xml><?xml version="1.0" encoding="utf-8"?>
-<p:sldMaster xmlns:a="http://schemas.openxmlformats.org/drawingml/2006/main" xmlns:r="http://schemas.openxmlformats.org/officeDocument/2006/relationships" xmlns:mc="http://schemas.openxmlformats.org/markup-compatibility/2006" xmlns:mv="urn:schemas-microsoft-com:mac:vml" xmlns:p="http://schemas.openxmlformats.org/presentationml/2006/main" xmlns:c="http://schemas.openxmlformats.org/drawingml/2006/chart" xmlns:dgm="http://schemas.openxmlformats.org/drawingml/2006/diagram" xmlns:o="urn:schemas-microsoft-com:office:office" xmlns:v="urn:schemas-microsoft-com:vml" xmlns:pvml="urn:schemas-microsoft-com:office:powerpoint" xmlns:com="http://schemas.openxmlformats.org/drawingml/2006/compatibility" xmlns:p14="http://schemas.microsoft.com/office/powerpoint/2010/main" xmlns:p15="http://schemas.microsoft.com/office/powerpoint/2012/main" xmlns:ahyp="http://schemas.microsoft.com/office/drawing/2018/hyperlinkcolor">
+<p:sldMaster xmlns:a="http://schemas.openxmlformats.org/drawingml/2006/main" xmlns:r="http://schemas.openxmlformats.org/officeDocument/2006/relationships" xmlns:p="http://schemas.openxmlformats.org/presentationml/2006/main">
   <p:cSld name="simple-light-2">
     <p:bg>
       <p:bgPr>
         <a:solidFill>
           <a:schemeClr val="lt1"/>
         </a:solidFill>
+        <a:effectLst/>
       </p:bgPr>
     </p:bg>
     <p:spTree>
       <p:nvGrpSpPr>
-        <p:cNvPr id="5" name="Shape 5"/>
+        <p:cNvPr id="1" name="Shape 5"/>
         <p:cNvGrpSpPr/>
         <p:nvPr/>
       </p:nvGrpSpPr>
@@ -5200,7 +5294,9 @@
       <p:sp>
         <p:nvSpPr>
           <p:cNvPr id="6" name="Google Shape;6;p1"/>
-          <p:cNvSpPr txBox="1"/>
+          <p:cNvSpPr txBox="1">
+            <a:spLocks noGrp="1"/>
+          </p:cNvSpPr>
           <p:nvPr>
             <p:ph type="title"/>
           </p:nvPr>
@@ -5219,7 +5315,7 @@
           </a:ln>
         </p:spPr>
         <p:txBody>
-          <a:bodyPr anchorCtr="0" anchor="t" bIns="91425" lIns="91425" spcFirstLastPara="1" rIns="91425" wrap="square" tIns="91425">
+          <a:bodyPr spcFirstLastPara="1" wrap="square" lIns="91425" tIns="91425" rIns="91425" bIns="91425" anchor="t" anchorCtr="0">
             <a:normAutofit/>
           </a:bodyPr>
           <a:lstStyle>
@@ -5386,15 +5482,19 @@
               </a:defRPr>
             </a:lvl9pPr>
           </a:lstStyle>
-          <a:p/>
+          <a:p>
+            <a:endParaRPr/>
+          </a:p>
         </p:txBody>
       </p:sp>
       <p:sp>
         <p:nvSpPr>
           <p:cNvPr id="7" name="Google Shape;7;p1"/>
-          <p:cNvSpPr txBox="1"/>
+          <p:cNvSpPr txBox="1">
+            <a:spLocks noGrp="1"/>
+          </p:cNvSpPr>
           <p:nvPr>
-            <p:ph idx="1" type="body"/>
+            <p:ph type="body" idx="1"/>
           </p:nvPr>
         </p:nvSpPr>
         <p:spPr>
@@ -5411,11 +5511,11 @@
           </a:ln>
         </p:spPr>
         <p:txBody>
-          <a:bodyPr anchorCtr="0" anchor="t" bIns="91425" lIns="91425" spcFirstLastPara="1" rIns="91425" wrap="square" tIns="91425">
+          <a:bodyPr spcFirstLastPara="1" wrap="square" lIns="91425" tIns="91425" rIns="91425" bIns="91425" anchor="t" anchorCtr="0">
             <a:normAutofit/>
           </a:bodyPr>
           <a:lstStyle>
-            <a:lvl1pPr indent="-342900" lvl="0" marL="457200">
+            <a:lvl1pPr marL="457200" lvl="0" indent="-342900">
               <a:lnSpc>
                 <a:spcPct val="115000"/>
               </a:lnSpc>
@@ -5436,7 +5536,7 @@
                 </a:solidFill>
               </a:defRPr>
             </a:lvl1pPr>
-            <a:lvl2pPr indent="-317500" lvl="1" marL="914400">
+            <a:lvl2pPr marL="914400" lvl="1" indent="-317500">
               <a:lnSpc>
                 <a:spcPct val="115000"/>
               </a:lnSpc>
@@ -5457,7 +5557,7 @@
                 </a:solidFill>
               </a:defRPr>
             </a:lvl2pPr>
-            <a:lvl3pPr indent="-317500" lvl="2" marL="1371600">
+            <a:lvl3pPr marL="1371600" lvl="2" indent="-317500">
               <a:lnSpc>
                 <a:spcPct val="115000"/>
               </a:lnSpc>
@@ -5478,7 +5578,7 @@
                 </a:solidFill>
               </a:defRPr>
             </a:lvl3pPr>
-            <a:lvl4pPr indent="-317500" lvl="3" marL="1828800">
+            <a:lvl4pPr marL="1828800" lvl="3" indent="-317500">
               <a:lnSpc>
                 <a:spcPct val="115000"/>
               </a:lnSpc>
@@ -5499,7 +5599,7 @@
                 </a:solidFill>
               </a:defRPr>
             </a:lvl4pPr>
-            <a:lvl5pPr indent="-317500" lvl="4" marL="2286000">
+            <a:lvl5pPr marL="2286000" lvl="4" indent="-317500">
               <a:lnSpc>
                 <a:spcPct val="115000"/>
               </a:lnSpc>
@@ -5520,7 +5620,7 @@
                 </a:solidFill>
               </a:defRPr>
             </a:lvl5pPr>
-            <a:lvl6pPr indent="-317500" lvl="5" marL="2743200">
+            <a:lvl6pPr marL="2743200" lvl="5" indent="-317500">
               <a:lnSpc>
                 <a:spcPct val="115000"/>
               </a:lnSpc>
@@ -5541,7 +5641,7 @@
                 </a:solidFill>
               </a:defRPr>
             </a:lvl6pPr>
-            <a:lvl7pPr indent="-317500" lvl="6" marL="3200400">
+            <a:lvl7pPr marL="3200400" lvl="6" indent="-317500">
               <a:lnSpc>
                 <a:spcPct val="115000"/>
               </a:lnSpc>
@@ -5562,7 +5662,7 @@
                 </a:solidFill>
               </a:defRPr>
             </a:lvl7pPr>
-            <a:lvl8pPr indent="-317500" lvl="7" marL="3657600">
+            <a:lvl8pPr marL="3657600" lvl="7" indent="-317500">
               <a:lnSpc>
                 <a:spcPct val="115000"/>
               </a:lnSpc>
@@ -5583,7 +5683,7 @@
                 </a:solidFill>
               </a:defRPr>
             </a:lvl8pPr>
-            <a:lvl9pPr indent="-317500" lvl="8" marL="4114800">
+            <a:lvl9pPr marL="4114800" lvl="8" indent="-317500">
               <a:lnSpc>
                 <a:spcPct val="115000"/>
               </a:lnSpc>
@@ -5605,15 +5705,19 @@
               </a:defRPr>
             </a:lvl9pPr>
           </a:lstStyle>
-          <a:p/>
+          <a:p>
+            <a:endParaRPr/>
+          </a:p>
         </p:txBody>
       </p:sp>
       <p:sp>
         <p:nvSpPr>
           <p:cNvPr id="8" name="Google Shape;8;p1"/>
-          <p:cNvSpPr txBox="1"/>
+          <p:cNvSpPr txBox="1">
+            <a:spLocks noGrp="1"/>
+          </p:cNvSpPr>
           <p:nvPr>
-            <p:ph idx="12" type="sldNum"/>
+            <p:ph type="sldNum" idx="12"/>
           </p:nvPr>
         </p:nvSpPr>
         <p:spPr>
@@ -5630,7 +5734,7 @@
           </a:ln>
         </p:spPr>
         <p:txBody>
-          <a:bodyPr anchorCtr="0" anchor="ctr" bIns="91425" lIns="91425" spcFirstLastPara="1" rIns="91425" wrap="square" tIns="91425">
+          <a:bodyPr spcFirstLastPara="1" wrap="square" lIns="91425" tIns="91425" rIns="91425" bIns="91425" anchor="ctr" anchorCtr="0">
             <a:normAutofit/>
           </a:bodyPr>
           <a:lstStyle>
@@ -5708,7 +5812,7 @@
             </a:lvl9pPr>
           </a:lstStyle>
           <a:p>
-            <a:pPr indent="0" lvl="0" marL="0" rtl="0" algn="r">
+            <a:pPr marL="0" lvl="0" indent="0" algn="r" rtl="0">
               <a:spcBef>
                 <a:spcPts val="0"/>
               </a:spcBef>
@@ -5727,7 +5831,7 @@
       </p:sp>
     </p:spTree>
   </p:cSld>
-  <p:clrMap accent1="accent1" accent2="accent2" accent3="accent3" accent4="accent4" accent5="accent5" accent6="accent6" bg1="lt1" bg2="dk2" tx1="dk1" tx2="lt2" folHlink="folHlink" hlink="hlink"/>
+  <p:clrMap bg1="lt1" tx1="dk1" bg2="dk2" tx2="lt2" accent1="accent1" accent2="accent2" accent3="accent3" accent4="accent4" accent5="accent5" accent6="accent6" hlink="hlink" folHlink="folHlink"/>
   <p:sldLayoutIdLst>
     <p:sldLayoutId id="2147483648" r:id="rId1"/>
     <p:sldLayoutId id="2147483649" r:id="rId2"/>
@@ -5741,10 +5845,10 @@
     <p:sldLayoutId id="2147483657" r:id="rId10"/>
     <p:sldLayoutId id="2147483658" r:id="rId11"/>
   </p:sldLayoutIdLst>
-  <p:hf dt="0" ftr="0" hdr="0" sldNum="0"/>
+  <p:hf sldNum="0" hdr="0" ftr="0" dt="0"/>
   <p:txStyles>
     <p:titleStyle>
-      <a:defPPr lvl="0" marR="0" rtl="0" algn="l">
+      <a:defPPr marR="0" lvl="0" algn="l" rtl="0">
         <a:lnSpc>
           <a:spcPct val="100000"/>
         </a:lnSpc>
@@ -5755,7 +5859,7 @@
           <a:spcPts val="0"/>
         </a:spcAft>
       </a:defPPr>
-      <a:lvl1pPr lvl="0" marR="0" rtl="0" algn="l">
+      <a:lvl1pPr marR="0" lvl="0" algn="l" rtl="0">
         <a:lnSpc>
           <a:spcPct val="100000"/>
         </a:lnSpc>
@@ -5769,7 +5873,7 @@
           <a:srgbClr val="000000"/>
         </a:buClr>
         <a:buFont typeface="Arial"/>
-        <a:defRPr b="0" i="0" sz="1400" u="none" cap="none" strike="noStrike">
+        <a:defRPr sz="1400" b="0" i="0" u="none" strike="noStrike" cap="none">
           <a:solidFill>
             <a:srgbClr val="000000"/>
           </a:solidFill>
@@ -5779,7 +5883,7 @@
           <a:sym typeface="Arial"/>
         </a:defRPr>
       </a:lvl1pPr>
-      <a:lvl2pPr lvl="1" marR="0" rtl="0" algn="l">
+      <a:lvl2pPr marR="0" lvl="1" algn="l" rtl="0">
         <a:lnSpc>
           <a:spcPct val="100000"/>
         </a:lnSpc>
@@ -5793,7 +5897,7 @@
           <a:srgbClr val="000000"/>
         </a:buClr>
         <a:buFont typeface="Arial"/>
-        <a:defRPr b="0" i="0" sz="1400" u="none" cap="none" strike="noStrike">
+        <a:defRPr sz="1400" b="0" i="0" u="none" strike="noStrike" cap="none">
           <a:solidFill>
             <a:srgbClr val="000000"/>
           </a:solidFill>
@@ -5803,7 +5907,7 @@
           <a:sym typeface="Arial"/>
         </a:defRPr>
       </a:lvl2pPr>
-      <a:lvl3pPr lvl="2" marR="0" rtl="0" algn="l">
+      <a:lvl3pPr marR="0" lvl="2" algn="l" rtl="0">
         <a:lnSpc>
           <a:spcPct val="100000"/>
         </a:lnSpc>
@@ -5817,7 +5921,7 @@
           <a:srgbClr val="000000"/>
         </a:buClr>
         <a:buFont typeface="Arial"/>
-        <a:defRPr b="0" i="0" sz="1400" u="none" cap="none" strike="noStrike">
+        <a:defRPr sz="1400" b="0" i="0" u="none" strike="noStrike" cap="none">
           <a:solidFill>
             <a:srgbClr val="000000"/>
           </a:solidFill>
@@ -5827,7 +5931,7 @@
           <a:sym typeface="Arial"/>
         </a:defRPr>
       </a:lvl3pPr>
-      <a:lvl4pPr lvl="3" marR="0" rtl="0" algn="l">
+      <a:lvl4pPr marR="0" lvl="3" algn="l" rtl="0">
         <a:lnSpc>
           <a:spcPct val="100000"/>
         </a:lnSpc>
@@ -5841,7 +5945,7 @@
           <a:srgbClr val="000000"/>
         </a:buClr>
         <a:buFont typeface="Arial"/>
-        <a:defRPr b="0" i="0" sz="1400" u="none" cap="none" strike="noStrike">
+        <a:defRPr sz="1400" b="0" i="0" u="none" strike="noStrike" cap="none">
           <a:solidFill>
             <a:srgbClr val="000000"/>
           </a:solidFill>
@@ -5851,7 +5955,7 @@
           <a:sym typeface="Arial"/>
         </a:defRPr>
       </a:lvl4pPr>
-      <a:lvl5pPr lvl="4" marR="0" rtl="0" algn="l">
+      <a:lvl5pPr marR="0" lvl="4" algn="l" rtl="0">
         <a:lnSpc>
           <a:spcPct val="100000"/>
         </a:lnSpc>
@@ -5865,7 +5969,7 @@
           <a:srgbClr val="000000"/>
         </a:buClr>
         <a:buFont typeface="Arial"/>
-        <a:defRPr b="0" i="0" sz="1400" u="none" cap="none" strike="noStrike">
+        <a:defRPr sz="1400" b="0" i="0" u="none" strike="noStrike" cap="none">
           <a:solidFill>
             <a:srgbClr val="000000"/>
           </a:solidFill>
@@ -5875,7 +5979,7 @@
           <a:sym typeface="Arial"/>
         </a:defRPr>
       </a:lvl5pPr>
-      <a:lvl6pPr lvl="5" marR="0" rtl="0" algn="l">
+      <a:lvl6pPr marR="0" lvl="5" algn="l" rtl="0">
         <a:lnSpc>
           <a:spcPct val="100000"/>
         </a:lnSpc>
@@ -5889,7 +5993,7 @@
           <a:srgbClr val="000000"/>
         </a:buClr>
         <a:buFont typeface="Arial"/>
-        <a:defRPr b="0" i="0" sz="1400" u="none" cap="none" strike="noStrike">
+        <a:defRPr sz="1400" b="0" i="0" u="none" strike="noStrike" cap="none">
           <a:solidFill>
             <a:srgbClr val="000000"/>
           </a:solidFill>
@@ -5899,7 +6003,7 @@
           <a:sym typeface="Arial"/>
         </a:defRPr>
       </a:lvl6pPr>
-      <a:lvl7pPr lvl="6" marR="0" rtl="0" algn="l">
+      <a:lvl7pPr marR="0" lvl="6" algn="l" rtl="0">
         <a:lnSpc>
           <a:spcPct val="100000"/>
         </a:lnSpc>
@@ -5913,7 +6017,7 @@
           <a:srgbClr val="000000"/>
         </a:buClr>
         <a:buFont typeface="Arial"/>
-        <a:defRPr b="0" i="0" sz="1400" u="none" cap="none" strike="noStrike">
+        <a:defRPr sz="1400" b="0" i="0" u="none" strike="noStrike" cap="none">
           <a:solidFill>
             <a:srgbClr val="000000"/>
           </a:solidFill>
@@ -5923,7 +6027,7 @@
           <a:sym typeface="Arial"/>
         </a:defRPr>
       </a:lvl7pPr>
-      <a:lvl8pPr lvl="7" marR="0" rtl="0" algn="l">
+      <a:lvl8pPr marR="0" lvl="7" algn="l" rtl="0">
         <a:lnSpc>
           <a:spcPct val="100000"/>
         </a:lnSpc>
@@ -5937,7 +6041,7 @@
           <a:srgbClr val="000000"/>
         </a:buClr>
         <a:buFont typeface="Arial"/>
-        <a:defRPr b="0" i="0" sz="1400" u="none" cap="none" strike="noStrike">
+        <a:defRPr sz="1400" b="0" i="0" u="none" strike="noStrike" cap="none">
           <a:solidFill>
             <a:srgbClr val="000000"/>
           </a:solidFill>
@@ -5947,7 +6051,7 @@
           <a:sym typeface="Arial"/>
         </a:defRPr>
       </a:lvl8pPr>
-      <a:lvl9pPr lvl="8" marR="0" rtl="0" algn="l">
+      <a:lvl9pPr marR="0" lvl="8" algn="l" rtl="0">
         <a:lnSpc>
           <a:spcPct val="100000"/>
         </a:lnSpc>
@@ -5961,7 +6065,7 @@
           <a:srgbClr val="000000"/>
         </a:buClr>
         <a:buFont typeface="Arial"/>
-        <a:defRPr b="0" i="0" sz="1400" u="none" cap="none" strike="noStrike">
+        <a:defRPr sz="1400" b="0" i="0" u="none" strike="noStrike" cap="none">
           <a:solidFill>
             <a:srgbClr val="000000"/>
           </a:solidFill>
@@ -5973,7 +6077,7 @@
       </a:lvl9pPr>
     </p:titleStyle>
     <p:bodyStyle>
-      <a:defPPr lvl="0" marR="0" rtl="0" algn="l">
+      <a:defPPr marR="0" lvl="0" algn="l" rtl="0">
         <a:lnSpc>
           <a:spcPct val="100000"/>
         </a:lnSpc>
@@ -5984,7 +6088,7 @@
           <a:spcPts val="0"/>
         </a:spcAft>
       </a:defPPr>
-      <a:lvl1pPr lvl="0" marR="0" rtl="0" algn="l">
+      <a:lvl1pPr marR="0" lvl="0" algn="l" rtl="0">
         <a:lnSpc>
           <a:spcPct val="100000"/>
         </a:lnSpc>
@@ -5998,7 +6102,7 @@
           <a:srgbClr val="000000"/>
         </a:buClr>
         <a:buFont typeface="Arial"/>
-        <a:defRPr b="0" i="0" sz="1400" u="none" cap="none" strike="noStrike">
+        <a:defRPr sz="1400" b="0" i="0" u="none" strike="noStrike" cap="none">
           <a:solidFill>
             <a:srgbClr val="000000"/>
           </a:solidFill>
@@ -6008,7 +6112,7 @@
           <a:sym typeface="Arial"/>
         </a:defRPr>
       </a:lvl1pPr>
-      <a:lvl2pPr lvl="1" marR="0" rtl="0" algn="l">
+      <a:lvl2pPr marR="0" lvl="1" algn="l" rtl="0">
         <a:lnSpc>
           <a:spcPct val="100000"/>
         </a:lnSpc>
@@ -6022,7 +6126,7 @@
           <a:srgbClr val="000000"/>
         </a:buClr>
         <a:buFont typeface="Arial"/>
-        <a:defRPr b="0" i="0" sz="1400" u="none" cap="none" strike="noStrike">
+        <a:defRPr sz="1400" b="0" i="0" u="none" strike="noStrike" cap="none">
           <a:solidFill>
             <a:srgbClr val="000000"/>
           </a:solidFill>
@@ -6032,7 +6136,7 @@
           <a:sym typeface="Arial"/>
         </a:defRPr>
       </a:lvl2pPr>
-      <a:lvl3pPr lvl="2" marR="0" rtl="0" algn="l">
+      <a:lvl3pPr marR="0" lvl="2" algn="l" rtl="0">
         <a:lnSpc>
           <a:spcPct val="100000"/>
         </a:lnSpc>
@@ -6046,7 +6150,7 @@
           <a:srgbClr val="000000"/>
         </a:buClr>
         <a:buFont typeface="Arial"/>
-        <a:defRPr b="0" i="0" sz="1400" u="none" cap="none" strike="noStrike">
+        <a:defRPr sz="1400" b="0" i="0" u="none" strike="noStrike" cap="none">
           <a:solidFill>
             <a:srgbClr val="000000"/>
           </a:solidFill>
@@ -6056,7 +6160,7 @@
           <a:sym typeface="Arial"/>
         </a:defRPr>
       </a:lvl3pPr>
-      <a:lvl4pPr lvl="3" marR="0" rtl="0" algn="l">
+      <a:lvl4pPr marR="0" lvl="3" algn="l" rtl="0">
         <a:lnSpc>
           <a:spcPct val="100000"/>
         </a:lnSpc>
@@ -6070,7 +6174,7 @@
           <a:srgbClr val="000000"/>
         </a:buClr>
         <a:buFont typeface="Arial"/>
-        <a:defRPr b="0" i="0" sz="1400" u="none" cap="none" strike="noStrike">
+        <a:defRPr sz="1400" b="0" i="0" u="none" strike="noStrike" cap="none">
           <a:solidFill>
             <a:srgbClr val="000000"/>
           </a:solidFill>
@@ -6080,7 +6184,7 @@
           <a:sym typeface="Arial"/>
         </a:defRPr>
       </a:lvl4pPr>
-      <a:lvl5pPr lvl="4" marR="0" rtl="0" algn="l">
+      <a:lvl5pPr marR="0" lvl="4" algn="l" rtl="0">
         <a:lnSpc>
           <a:spcPct val="100000"/>
         </a:lnSpc>
@@ -6094,7 +6198,7 @@
           <a:srgbClr val="000000"/>
         </a:buClr>
         <a:buFont typeface="Arial"/>
-        <a:defRPr b="0" i="0" sz="1400" u="none" cap="none" strike="noStrike">
+        <a:defRPr sz="1400" b="0" i="0" u="none" strike="noStrike" cap="none">
           <a:solidFill>
             <a:srgbClr val="000000"/>
           </a:solidFill>
@@ -6104,7 +6208,7 @@
           <a:sym typeface="Arial"/>
         </a:defRPr>
       </a:lvl5pPr>
-      <a:lvl6pPr lvl="5" marR="0" rtl="0" algn="l">
+      <a:lvl6pPr marR="0" lvl="5" algn="l" rtl="0">
         <a:lnSpc>
           <a:spcPct val="100000"/>
         </a:lnSpc>
@@ -6118,7 +6222,7 @@
           <a:srgbClr val="000000"/>
         </a:buClr>
         <a:buFont typeface="Arial"/>
-        <a:defRPr b="0" i="0" sz="1400" u="none" cap="none" strike="noStrike">
+        <a:defRPr sz="1400" b="0" i="0" u="none" strike="noStrike" cap="none">
           <a:solidFill>
             <a:srgbClr val="000000"/>
           </a:solidFill>
@@ -6128,7 +6232,7 @@
           <a:sym typeface="Arial"/>
         </a:defRPr>
       </a:lvl6pPr>
-      <a:lvl7pPr lvl="6" marR="0" rtl="0" algn="l">
+      <a:lvl7pPr marR="0" lvl="6" algn="l" rtl="0">
         <a:lnSpc>
           <a:spcPct val="100000"/>
         </a:lnSpc>
@@ -6142,7 +6246,7 @@
           <a:srgbClr val="000000"/>
         </a:buClr>
         <a:buFont typeface="Arial"/>
-        <a:defRPr b="0" i="0" sz="1400" u="none" cap="none" strike="noStrike">
+        <a:defRPr sz="1400" b="0" i="0" u="none" strike="noStrike" cap="none">
           <a:solidFill>
             <a:srgbClr val="000000"/>
           </a:solidFill>
@@ -6152,7 +6256,7 @@
           <a:sym typeface="Arial"/>
         </a:defRPr>
       </a:lvl7pPr>
-      <a:lvl8pPr lvl="7" marR="0" rtl="0" algn="l">
+      <a:lvl8pPr marR="0" lvl="7" algn="l" rtl="0">
         <a:lnSpc>
           <a:spcPct val="100000"/>
         </a:lnSpc>
@@ -6166,7 +6270,7 @@
           <a:srgbClr val="000000"/>
         </a:buClr>
         <a:buFont typeface="Arial"/>
-        <a:defRPr b="0" i="0" sz="1400" u="none" cap="none" strike="noStrike">
+        <a:defRPr sz="1400" b="0" i="0" u="none" strike="noStrike" cap="none">
           <a:solidFill>
             <a:srgbClr val="000000"/>
           </a:solidFill>
@@ -6176,7 +6280,7 @@
           <a:sym typeface="Arial"/>
         </a:defRPr>
       </a:lvl8pPr>
-      <a:lvl9pPr lvl="8" marR="0" rtl="0" algn="l">
+      <a:lvl9pPr marR="0" lvl="8" algn="l" rtl="0">
         <a:lnSpc>
           <a:spcPct val="100000"/>
         </a:lnSpc>
@@ -6190,7 +6294,7 @@
           <a:srgbClr val="000000"/>
         </a:buClr>
         <a:buFont typeface="Arial"/>
-        <a:defRPr b="0" i="0" sz="1400" u="none" cap="none" strike="noStrike">
+        <a:defRPr sz="1400" b="0" i="0" u="none" strike="noStrike" cap="none">
           <a:solidFill>
             <a:srgbClr val="000000"/>
           </a:solidFill>
@@ -6202,7 +6306,7 @@
       </a:lvl9pPr>
     </p:bodyStyle>
     <p:otherStyle>
-      <a:defPPr lvl="0" marR="0" rtl="0" algn="l">
+      <a:defPPr marR="0" lvl="0" algn="l" rtl="0">
         <a:lnSpc>
           <a:spcPct val="100000"/>
         </a:lnSpc>
@@ -6213,7 +6317,7 @@
           <a:spcPts val="0"/>
         </a:spcAft>
       </a:defPPr>
-      <a:lvl1pPr lvl="0" marR="0" rtl="0" algn="l">
+      <a:lvl1pPr marR="0" lvl="0" algn="l" rtl="0">
         <a:lnSpc>
           <a:spcPct val="100000"/>
         </a:lnSpc>
@@ -6227,7 +6331,7 @@
           <a:srgbClr val="000000"/>
         </a:buClr>
         <a:buFont typeface="Arial"/>
-        <a:defRPr b="0" i="0" sz="1400" u="none" cap="none" strike="noStrike">
+        <a:defRPr sz="1400" b="0" i="0" u="none" strike="noStrike" cap="none">
           <a:solidFill>
             <a:srgbClr val="000000"/>
           </a:solidFill>
@@ -6237,7 +6341,7 @@
           <a:sym typeface="Arial"/>
         </a:defRPr>
       </a:lvl1pPr>
-      <a:lvl2pPr lvl="1" marR="0" rtl="0" algn="l">
+      <a:lvl2pPr marR="0" lvl="1" algn="l" rtl="0">
         <a:lnSpc>
           <a:spcPct val="100000"/>
         </a:lnSpc>
@@ -6251,7 +6355,7 @@
           <a:srgbClr val="000000"/>
         </a:buClr>
         <a:buFont typeface="Arial"/>
-        <a:defRPr b="0" i="0" sz="1400" u="none" cap="none" strike="noStrike">
+        <a:defRPr sz="1400" b="0" i="0" u="none" strike="noStrike" cap="none">
           <a:solidFill>
             <a:srgbClr val="000000"/>
           </a:solidFill>
@@ -6261,7 +6365,7 @@
           <a:sym typeface="Arial"/>
         </a:defRPr>
       </a:lvl2pPr>
-      <a:lvl3pPr lvl="2" marR="0" rtl="0" algn="l">
+      <a:lvl3pPr marR="0" lvl="2" algn="l" rtl="0">
         <a:lnSpc>
           <a:spcPct val="100000"/>
         </a:lnSpc>
@@ -6275,7 +6379,7 @@
           <a:srgbClr val="000000"/>
         </a:buClr>
         <a:buFont typeface="Arial"/>
-        <a:defRPr b="0" i="0" sz="1400" u="none" cap="none" strike="noStrike">
+        <a:defRPr sz="1400" b="0" i="0" u="none" strike="noStrike" cap="none">
           <a:solidFill>
             <a:srgbClr val="000000"/>
           </a:solidFill>
@@ -6285,7 +6389,7 @@
           <a:sym typeface="Arial"/>
         </a:defRPr>
       </a:lvl3pPr>
-      <a:lvl4pPr lvl="3" marR="0" rtl="0" algn="l">
+      <a:lvl4pPr marR="0" lvl="3" algn="l" rtl="0">
         <a:lnSpc>
           <a:spcPct val="100000"/>
         </a:lnSpc>
@@ -6299,7 +6403,7 @@
           <a:srgbClr val="000000"/>
         </a:buClr>
         <a:buFont typeface="Arial"/>
-        <a:defRPr b="0" i="0" sz="1400" u="none" cap="none" strike="noStrike">
+        <a:defRPr sz="1400" b="0" i="0" u="none" strike="noStrike" cap="none">
           <a:solidFill>
             <a:srgbClr val="000000"/>
           </a:solidFill>
@@ -6309,7 +6413,7 @@
           <a:sym typeface="Arial"/>
         </a:defRPr>
       </a:lvl4pPr>
-      <a:lvl5pPr lvl="4" marR="0" rtl="0" algn="l">
+      <a:lvl5pPr marR="0" lvl="4" algn="l" rtl="0">
         <a:lnSpc>
           <a:spcPct val="100000"/>
         </a:lnSpc>
@@ -6323,7 +6427,7 @@
           <a:srgbClr val="000000"/>
         </a:buClr>
         <a:buFont typeface="Arial"/>
-        <a:defRPr b="0" i="0" sz="1400" u="none" cap="none" strike="noStrike">
+        <a:defRPr sz="1400" b="0" i="0" u="none" strike="noStrike" cap="none">
           <a:solidFill>
             <a:srgbClr val="000000"/>
           </a:solidFill>
@@ -6333,7 +6437,7 @@
           <a:sym typeface="Arial"/>
         </a:defRPr>
       </a:lvl5pPr>
-      <a:lvl6pPr lvl="5" marR="0" rtl="0" algn="l">
+      <a:lvl6pPr marR="0" lvl="5" algn="l" rtl="0">
         <a:lnSpc>
           <a:spcPct val="100000"/>
         </a:lnSpc>
@@ -6347,7 +6451,7 @@
           <a:srgbClr val="000000"/>
         </a:buClr>
         <a:buFont typeface="Arial"/>
-        <a:defRPr b="0" i="0" sz="1400" u="none" cap="none" strike="noStrike">
+        <a:defRPr sz="1400" b="0" i="0" u="none" strike="noStrike" cap="none">
           <a:solidFill>
             <a:srgbClr val="000000"/>
           </a:solidFill>
@@ -6357,7 +6461,7 @@
           <a:sym typeface="Arial"/>
         </a:defRPr>
       </a:lvl6pPr>
-      <a:lvl7pPr lvl="6" marR="0" rtl="0" algn="l">
+      <a:lvl7pPr marR="0" lvl="6" algn="l" rtl="0">
         <a:lnSpc>
           <a:spcPct val="100000"/>
         </a:lnSpc>
@@ -6371,7 +6475,7 @@
           <a:srgbClr val="000000"/>
         </a:buClr>
         <a:buFont typeface="Arial"/>
-        <a:defRPr b="0" i="0" sz="1400" u="none" cap="none" strike="noStrike">
+        <a:defRPr sz="1400" b="0" i="0" u="none" strike="noStrike" cap="none">
           <a:solidFill>
             <a:srgbClr val="000000"/>
           </a:solidFill>
@@ -6381,7 +6485,7 @@
           <a:sym typeface="Arial"/>
         </a:defRPr>
       </a:lvl7pPr>
-      <a:lvl8pPr lvl="7" marR="0" rtl="0" algn="l">
+      <a:lvl8pPr marR="0" lvl="7" algn="l" rtl="0">
         <a:lnSpc>
           <a:spcPct val="100000"/>
         </a:lnSpc>
@@ -6395,7 +6499,7 @@
           <a:srgbClr val="000000"/>
         </a:buClr>
         <a:buFont typeface="Arial"/>
-        <a:defRPr b="0" i="0" sz="1400" u="none" cap="none" strike="noStrike">
+        <a:defRPr sz="1400" b="0" i="0" u="none" strike="noStrike" cap="none">
           <a:solidFill>
             <a:srgbClr val="000000"/>
           </a:solidFill>
@@ -6405,7 +6509,7 @@
           <a:sym typeface="Arial"/>
         </a:defRPr>
       </a:lvl8pPr>
-      <a:lvl9pPr lvl="8" marR="0" rtl="0" algn="l">
+      <a:lvl9pPr marR="0" lvl="8" algn="l" rtl="0">
         <a:lnSpc>
           <a:spcPct val="100000"/>
         </a:lnSpc>
@@ -6419,7 +6523,7 @@
           <a:srgbClr val="000000"/>
         </a:buClr>
         <a:buFont typeface="Arial"/>
-        <a:defRPr b="0" i="0" sz="1400" u="none" cap="none" strike="noStrike">
+        <a:defRPr sz="1400" b="0" i="0" u="none" strike="noStrike" cap="none">
           <a:solidFill>
             <a:srgbClr val="000000"/>
           </a:solidFill>
@@ -6435,11 +6539,11 @@
 </file>
 
 <file path=ppt/slides/slide1.xml><?xml version="1.0" encoding="utf-8"?>
-<p:sld xmlns:a="http://schemas.openxmlformats.org/drawingml/2006/main" xmlns:r="http://schemas.openxmlformats.org/officeDocument/2006/relationships" xmlns:mc="http://schemas.openxmlformats.org/markup-compatibility/2006" xmlns:mv="urn:schemas-microsoft-com:mac:vml" xmlns:p="http://schemas.openxmlformats.org/presentationml/2006/main" xmlns:c="http://schemas.openxmlformats.org/drawingml/2006/chart" xmlns:dgm="http://schemas.openxmlformats.org/drawingml/2006/diagram" xmlns:o="urn:schemas-microsoft-com:office:office" xmlns:v="urn:schemas-microsoft-com:vml" xmlns:pvml="urn:schemas-microsoft-com:office:powerpoint" xmlns:com="http://schemas.openxmlformats.org/drawingml/2006/compatibility" xmlns:p14="http://schemas.microsoft.com/office/powerpoint/2010/main" xmlns:p15="http://schemas.microsoft.com/office/powerpoint/2012/main" xmlns:ahyp="http://schemas.microsoft.com/office/drawing/2018/hyperlinkcolor">
+<p:sld xmlns:a="http://schemas.openxmlformats.org/drawingml/2006/main" xmlns:r="http://schemas.openxmlformats.org/officeDocument/2006/relationships" xmlns:p="http://schemas.openxmlformats.org/presentationml/2006/main">
   <p:cSld>
     <p:spTree>
       <p:nvGrpSpPr>
-        <p:cNvPr id="53" name="Shape 53"/>
+        <p:cNvPr id="1" name="Shape 53"/>
         <p:cNvGrpSpPr/>
         <p:nvPr/>
       </p:nvGrpSpPr>
@@ -6454,7 +6558,9 @@
       <p:sp>
         <p:nvSpPr>
           <p:cNvPr id="54" name="Google Shape;54;p13"/>
-          <p:cNvSpPr txBox="1"/>
+          <p:cNvSpPr txBox="1">
+            <a:spLocks noGrp="1"/>
+          </p:cNvSpPr>
           <p:nvPr>
             <p:ph type="ctrTitle"/>
           </p:nvPr>
@@ -6469,12 +6575,12 @@
           </a:prstGeom>
         </p:spPr>
         <p:txBody>
-          <a:bodyPr anchorCtr="0" anchor="b" bIns="91425" lIns="91425" spcFirstLastPara="1" rIns="91425" wrap="square" tIns="91425">
+          <a:bodyPr spcFirstLastPara="1" wrap="square" lIns="91425" tIns="91425" rIns="91425" bIns="91425" anchor="b" anchorCtr="0">
             <a:noAutofit/>
           </a:bodyPr>
           <a:lstStyle/>
           <a:p>
-            <a:pPr indent="0" lvl="0" marL="0" rtl="0" algn="ctr">
+            <a:pPr marL="0" lvl="0" indent="0" algn="ctr" rtl="0">
               <a:spcBef>
                 <a:spcPts val="0"/>
               </a:spcBef>
@@ -6485,19 +6591,21 @@
               <a:buNone/>
             </a:pPr>
             <a:r>
-              <a:rPr b="1" lang="en" sz="3600"/>
+              <a:rPr lang="en" sz="3600" b="1"/>
               <a:t>US Sources of Critical Minerals</a:t>
             </a:r>
-            <a:endParaRPr b="1" sz="3600"/>
+            <a:endParaRPr sz="3600" b="1"/>
           </a:p>
         </p:txBody>
       </p:sp>
       <p:sp>
         <p:nvSpPr>
           <p:cNvPr id="55" name="Google Shape;55;p13"/>
-          <p:cNvSpPr txBox="1"/>
+          <p:cNvSpPr txBox="1">
+            <a:spLocks noGrp="1"/>
+          </p:cNvSpPr>
           <p:nvPr>
-            <p:ph idx="1" type="subTitle"/>
+            <p:ph type="subTitle" idx="1"/>
           </p:nvPr>
         </p:nvSpPr>
         <p:spPr>
@@ -6510,12 +6618,12 @@
           </a:prstGeom>
         </p:spPr>
         <p:txBody>
-          <a:bodyPr anchorCtr="0" anchor="t" bIns="91425" lIns="91425" spcFirstLastPara="1" rIns="91425" wrap="square" tIns="91425">
+          <a:bodyPr spcFirstLastPara="1" wrap="square" lIns="91425" tIns="91425" rIns="91425" bIns="91425" anchor="t" anchorCtr="0">
             <a:normAutofit/>
           </a:bodyPr>
           <a:lstStyle/>
           <a:p>
-            <a:pPr indent="0" lvl="0" marL="0" rtl="0" algn="ctr">
+            <a:pPr marL="0" lvl="0" indent="0" algn="ctr" rtl="0">
               <a:spcBef>
                 <a:spcPts val="0"/>
               </a:spcBef>
@@ -6541,11 +6649,11 @@
 </file>
 
 <file path=ppt/slides/slide10.xml><?xml version="1.0" encoding="utf-8"?>
-<p:sld xmlns:a="http://schemas.openxmlformats.org/drawingml/2006/main" xmlns:r="http://schemas.openxmlformats.org/officeDocument/2006/relationships" xmlns:mc="http://schemas.openxmlformats.org/markup-compatibility/2006" xmlns:mv="urn:schemas-microsoft-com:mac:vml" xmlns:p="http://schemas.openxmlformats.org/presentationml/2006/main" xmlns:c="http://schemas.openxmlformats.org/drawingml/2006/chart" xmlns:dgm="http://schemas.openxmlformats.org/drawingml/2006/diagram" xmlns:o="urn:schemas-microsoft-com:office:office" xmlns:v="urn:schemas-microsoft-com:vml" xmlns:pvml="urn:schemas-microsoft-com:office:powerpoint" xmlns:com="http://schemas.openxmlformats.org/drawingml/2006/compatibility" xmlns:p14="http://schemas.microsoft.com/office/powerpoint/2010/main" xmlns:p15="http://schemas.microsoft.com/office/powerpoint/2012/main" xmlns:ahyp="http://schemas.microsoft.com/office/drawing/2018/hyperlinkcolor">
+<p:sld xmlns:a="http://schemas.openxmlformats.org/drawingml/2006/main" xmlns:r="http://schemas.openxmlformats.org/officeDocument/2006/relationships" xmlns:p="http://schemas.openxmlformats.org/presentationml/2006/main">
   <p:cSld>
     <p:spTree>
       <p:nvGrpSpPr>
-        <p:cNvPr id="105" name="Shape 105"/>
+        <p:cNvPr id="1" name="Shape 105"/>
         <p:cNvGrpSpPr/>
         <p:nvPr/>
       </p:nvGrpSpPr>
@@ -6594,11 +6702,11 @@
 </file>
 
 <file path=ppt/slides/slide11.xml><?xml version="1.0" encoding="utf-8"?>
-<p:sld xmlns:a="http://schemas.openxmlformats.org/drawingml/2006/main" xmlns:r="http://schemas.openxmlformats.org/officeDocument/2006/relationships" xmlns:mc="http://schemas.openxmlformats.org/markup-compatibility/2006" xmlns:mv="urn:schemas-microsoft-com:mac:vml" xmlns:p="http://schemas.openxmlformats.org/presentationml/2006/main" xmlns:c="http://schemas.openxmlformats.org/drawingml/2006/chart" xmlns:dgm="http://schemas.openxmlformats.org/drawingml/2006/diagram" xmlns:o="urn:schemas-microsoft-com:office:office" xmlns:v="urn:schemas-microsoft-com:vml" xmlns:pvml="urn:schemas-microsoft-com:office:powerpoint" xmlns:com="http://schemas.openxmlformats.org/drawingml/2006/compatibility" xmlns:p14="http://schemas.microsoft.com/office/powerpoint/2010/main" xmlns:p15="http://schemas.microsoft.com/office/powerpoint/2012/main" xmlns:ahyp="http://schemas.microsoft.com/office/drawing/2018/hyperlinkcolor">
+<p:sld xmlns:a="http://schemas.openxmlformats.org/drawingml/2006/main" xmlns:r="http://schemas.openxmlformats.org/officeDocument/2006/relationships" xmlns:p="http://schemas.openxmlformats.org/presentationml/2006/main">
   <p:cSld>
     <p:spTree>
       <p:nvGrpSpPr>
-        <p:cNvPr id="110" name="Shape 110"/>
+        <p:cNvPr id="1" name="Shape 110"/>
         <p:cNvGrpSpPr/>
         <p:nvPr/>
       </p:nvGrpSpPr>
@@ -6647,11 +6755,11 @@
 </file>
 
 <file path=ppt/slides/slide2.xml><?xml version="1.0" encoding="utf-8"?>
-<p:sld xmlns:a="http://schemas.openxmlformats.org/drawingml/2006/main" xmlns:r="http://schemas.openxmlformats.org/officeDocument/2006/relationships" xmlns:mc="http://schemas.openxmlformats.org/markup-compatibility/2006" xmlns:mv="urn:schemas-microsoft-com:mac:vml" xmlns:p="http://schemas.openxmlformats.org/presentationml/2006/main" xmlns:c="http://schemas.openxmlformats.org/drawingml/2006/chart" xmlns:dgm="http://schemas.openxmlformats.org/drawingml/2006/diagram" xmlns:o="urn:schemas-microsoft-com:office:office" xmlns:v="urn:schemas-microsoft-com:vml" xmlns:pvml="urn:schemas-microsoft-com:office:powerpoint" xmlns:com="http://schemas.openxmlformats.org/drawingml/2006/compatibility" xmlns:p14="http://schemas.microsoft.com/office/powerpoint/2010/main" xmlns:p15="http://schemas.microsoft.com/office/powerpoint/2012/main" xmlns:ahyp="http://schemas.microsoft.com/office/drawing/2018/hyperlinkcolor">
+<p:sld xmlns:a="http://schemas.openxmlformats.org/drawingml/2006/main" xmlns:r="http://schemas.openxmlformats.org/officeDocument/2006/relationships" xmlns:p="http://schemas.openxmlformats.org/presentationml/2006/main">
   <p:cSld>
     <p:spTree>
       <p:nvGrpSpPr>
-        <p:cNvPr id="59" name="Shape 59"/>
+        <p:cNvPr id="1" name="Shape 59"/>
         <p:cNvGrpSpPr/>
         <p:nvPr/>
       </p:nvGrpSpPr>
@@ -6666,7 +6774,9 @@
       <p:sp>
         <p:nvSpPr>
           <p:cNvPr id="60" name="Google Shape;60;p14"/>
-          <p:cNvSpPr txBox="1"/>
+          <p:cNvSpPr txBox="1">
+            <a:spLocks noGrp="1"/>
+          </p:cNvSpPr>
           <p:nvPr>
             <p:ph type="title"/>
           </p:nvPr>
@@ -6681,12 +6791,12 @@
           </a:prstGeom>
         </p:spPr>
         <p:txBody>
-          <a:bodyPr anchorCtr="0" anchor="ctr" bIns="91425" lIns="91425" spcFirstLastPara="1" rIns="91425" wrap="square" tIns="91425">
+          <a:bodyPr spcFirstLastPara="1" wrap="square" lIns="91425" tIns="91425" rIns="91425" bIns="91425" anchor="ctr" anchorCtr="0">
             <a:noAutofit/>
           </a:bodyPr>
           <a:lstStyle/>
           <a:p>
-            <a:pPr indent="0" lvl="0" marL="0" rtl="0" algn="ctr">
+            <a:pPr marL="0" lvl="0" indent="0" algn="ctr" rtl="0">
               <a:spcBef>
                 <a:spcPts val="0"/>
               </a:spcBef>
@@ -6766,12 +6876,12 @@
             </a:ln>
           </p:spPr>
           <p:txBody>
-            <a:bodyPr anchorCtr="0" anchor="ctr" bIns="91425" lIns="91425" spcFirstLastPara="1" rIns="91425" wrap="square" tIns="91425">
+            <a:bodyPr spcFirstLastPara="1" wrap="square" lIns="91425" tIns="91425" rIns="91425" bIns="91425" anchor="ctr" anchorCtr="0">
               <a:noAutofit/>
             </a:bodyPr>
             <a:lstStyle/>
             <a:p>
-              <a:pPr indent="0" lvl="0" marL="0" rtl="0" algn="r">
+              <a:pPr marL="0" lvl="0" indent="0" algn="r" rtl="0">
                 <a:lnSpc>
                   <a:spcPct val="120000"/>
                 </a:lnSpc>
@@ -6784,7 +6894,7 @@
                 <a:buNone/>
               </a:pPr>
               <a:r>
-                <a:rPr b="1" lang="en">
+                <a:rPr lang="en" b="1">
                   <a:solidFill>
                     <a:srgbClr val="1B9E77"/>
                   </a:solidFill>
@@ -6819,12 +6929,12 @@
             </a:ln>
           </p:spPr>
           <p:txBody>
-            <a:bodyPr anchorCtr="0" anchor="t" bIns="91425" lIns="91425" spcFirstLastPara="1" rIns="91425" wrap="square" tIns="91425">
+            <a:bodyPr spcFirstLastPara="1" wrap="square" lIns="91425" tIns="91425" rIns="91425" bIns="91425" anchor="t" anchorCtr="0">
               <a:noAutofit/>
             </a:bodyPr>
             <a:lstStyle/>
             <a:p>
-              <a:pPr indent="0" lvl="0" marL="0" rtl="0" algn="r">
+              <a:pPr marL="0" lvl="0" indent="0" algn="r" rtl="0">
                 <a:lnSpc>
                   <a:spcPct val="120000"/>
                 </a:lnSpc>
@@ -6837,7 +6947,7 @@
                 <a:buNone/>
               </a:pPr>
               <a:r>
-                <a:rPr b="1" lang="en">
+                <a:rPr lang="en" b="1">
                   <a:solidFill>
                     <a:srgbClr val="7570B3"/>
                   </a:solidFill>
@@ -6872,12 +6982,12 @@
             </a:ln>
           </p:spPr>
           <p:txBody>
-            <a:bodyPr anchorCtr="0" anchor="t" bIns="91425" lIns="91425" spcFirstLastPara="1" rIns="91425" wrap="square" tIns="91425">
+            <a:bodyPr spcFirstLastPara="1" wrap="square" lIns="91425" tIns="91425" rIns="91425" bIns="91425" anchor="t" anchorCtr="0">
               <a:noAutofit/>
             </a:bodyPr>
             <a:lstStyle/>
             <a:p>
-              <a:pPr indent="0" lvl="0" marL="0" rtl="0" algn="l">
+              <a:pPr marL="0" lvl="0" indent="0" algn="l" rtl="0">
                 <a:lnSpc>
                   <a:spcPct val="120000"/>
                 </a:lnSpc>
@@ -6890,7 +7000,7 @@
                 <a:buNone/>
               </a:pPr>
               <a:r>
-                <a:rPr b="1" lang="en">
+                <a:rPr lang="en" b="1">
                   <a:solidFill>
                     <a:srgbClr val="E7298A"/>
                   </a:solidFill>
@@ -6925,12 +7035,12 @@
             </a:ln>
           </p:spPr>
           <p:txBody>
-            <a:bodyPr anchorCtr="0" anchor="ctr" bIns="91425" lIns="91425" spcFirstLastPara="1" rIns="91425" wrap="square" tIns="91425">
+            <a:bodyPr spcFirstLastPara="1" wrap="square" lIns="91425" tIns="91425" rIns="91425" bIns="91425" anchor="ctr" anchorCtr="0">
               <a:noAutofit/>
             </a:bodyPr>
             <a:lstStyle/>
             <a:p>
-              <a:pPr indent="0" lvl="0" marL="0" rtl="0" algn="l">
+              <a:pPr marL="0" lvl="0" indent="0" algn="l" rtl="0">
                 <a:lnSpc>
                   <a:spcPct val="120000"/>
                 </a:lnSpc>
@@ -6943,7 +7053,7 @@
                 <a:buNone/>
               </a:pPr>
               <a:r>
-                <a:rPr b="1" lang="en">
+                <a:rPr lang="en" b="1">
                   <a:solidFill>
                     <a:srgbClr val="D95F02"/>
                   </a:solidFill>
@@ -6968,11 +7078,11 @@
 </file>
 
 <file path=ppt/slides/slide3.xml><?xml version="1.0" encoding="utf-8"?>
-<p:sld xmlns:a="http://schemas.openxmlformats.org/drawingml/2006/main" xmlns:r="http://schemas.openxmlformats.org/officeDocument/2006/relationships" xmlns:mc="http://schemas.openxmlformats.org/markup-compatibility/2006" xmlns:mv="urn:schemas-microsoft-com:mac:vml" xmlns:p="http://schemas.openxmlformats.org/presentationml/2006/main" xmlns:c="http://schemas.openxmlformats.org/drawingml/2006/chart" xmlns:dgm="http://schemas.openxmlformats.org/drawingml/2006/diagram" xmlns:o="urn:schemas-microsoft-com:office:office" xmlns:v="urn:schemas-microsoft-com:vml" xmlns:pvml="urn:schemas-microsoft-com:office:powerpoint" xmlns:com="http://schemas.openxmlformats.org/drawingml/2006/compatibility" xmlns:p14="http://schemas.microsoft.com/office/powerpoint/2010/main" xmlns:p15="http://schemas.microsoft.com/office/powerpoint/2012/main" xmlns:ahyp="http://schemas.microsoft.com/office/drawing/2018/hyperlinkcolor">
+<p:sld xmlns:a="http://schemas.openxmlformats.org/drawingml/2006/main" xmlns:r="http://schemas.openxmlformats.org/officeDocument/2006/relationships" xmlns:p="http://schemas.openxmlformats.org/presentationml/2006/main">
   <p:cSld>
     <p:spTree>
       <p:nvGrpSpPr>
-        <p:cNvPr id="70" name="Shape 70"/>
+        <p:cNvPr id="1" name="Shape 70"/>
         <p:cNvGrpSpPr/>
         <p:nvPr/>
       </p:nvGrpSpPr>
@@ -7021,11 +7131,11 @@
 </file>
 
 <file path=ppt/slides/slide4.xml><?xml version="1.0" encoding="utf-8"?>
-<p:sld xmlns:a="http://schemas.openxmlformats.org/drawingml/2006/main" xmlns:r="http://schemas.openxmlformats.org/officeDocument/2006/relationships" xmlns:mc="http://schemas.openxmlformats.org/markup-compatibility/2006" xmlns:mv="urn:schemas-microsoft-com:mac:vml" xmlns:p="http://schemas.openxmlformats.org/presentationml/2006/main" xmlns:c="http://schemas.openxmlformats.org/drawingml/2006/chart" xmlns:dgm="http://schemas.openxmlformats.org/drawingml/2006/diagram" xmlns:o="urn:schemas-microsoft-com:office:office" xmlns:v="urn:schemas-microsoft-com:vml" xmlns:pvml="urn:schemas-microsoft-com:office:powerpoint" xmlns:com="http://schemas.openxmlformats.org/drawingml/2006/compatibility" xmlns:p14="http://schemas.microsoft.com/office/powerpoint/2010/main" xmlns:p15="http://schemas.microsoft.com/office/powerpoint/2012/main" xmlns:ahyp="http://schemas.microsoft.com/office/drawing/2018/hyperlinkcolor">
+<p:sld xmlns:a="http://schemas.openxmlformats.org/drawingml/2006/main" xmlns:r="http://schemas.openxmlformats.org/officeDocument/2006/relationships" xmlns:p="http://schemas.openxmlformats.org/presentationml/2006/main">
   <p:cSld>
     <p:spTree>
       <p:nvGrpSpPr>
-        <p:cNvPr id="75" name="Shape 75"/>
+        <p:cNvPr id="1" name="Shape 75"/>
         <p:cNvGrpSpPr/>
         <p:nvPr/>
       </p:nvGrpSpPr>
@@ -7074,11 +7184,11 @@
 </file>
 
 <file path=ppt/slides/slide5.xml><?xml version="1.0" encoding="utf-8"?>
-<p:sld xmlns:a="http://schemas.openxmlformats.org/drawingml/2006/main" xmlns:r="http://schemas.openxmlformats.org/officeDocument/2006/relationships" xmlns:mc="http://schemas.openxmlformats.org/markup-compatibility/2006" xmlns:mv="urn:schemas-microsoft-com:mac:vml" xmlns:p="http://schemas.openxmlformats.org/presentationml/2006/main" xmlns:c="http://schemas.openxmlformats.org/drawingml/2006/chart" xmlns:dgm="http://schemas.openxmlformats.org/drawingml/2006/diagram" xmlns:o="urn:schemas-microsoft-com:office:office" xmlns:v="urn:schemas-microsoft-com:vml" xmlns:pvml="urn:schemas-microsoft-com:office:powerpoint" xmlns:com="http://schemas.openxmlformats.org/drawingml/2006/compatibility" xmlns:p14="http://schemas.microsoft.com/office/powerpoint/2010/main" xmlns:p15="http://schemas.microsoft.com/office/powerpoint/2012/main" xmlns:ahyp="http://schemas.microsoft.com/office/drawing/2018/hyperlinkcolor">
+<p:sld xmlns:a="http://schemas.openxmlformats.org/drawingml/2006/main" xmlns:r="http://schemas.openxmlformats.org/officeDocument/2006/relationships" xmlns:p="http://schemas.openxmlformats.org/presentationml/2006/main">
   <p:cSld>
     <p:spTree>
       <p:nvGrpSpPr>
-        <p:cNvPr id="80" name="Shape 80"/>
+        <p:cNvPr id="1" name="Shape 80"/>
         <p:cNvGrpSpPr/>
         <p:nvPr/>
       </p:nvGrpSpPr>
@@ -7127,11 +7237,11 @@
 </file>
 
 <file path=ppt/slides/slide6.xml><?xml version="1.0" encoding="utf-8"?>
-<p:sld xmlns:a="http://schemas.openxmlformats.org/drawingml/2006/main" xmlns:r="http://schemas.openxmlformats.org/officeDocument/2006/relationships" xmlns:mc="http://schemas.openxmlformats.org/markup-compatibility/2006" xmlns:mv="urn:schemas-microsoft-com:mac:vml" xmlns:p="http://schemas.openxmlformats.org/presentationml/2006/main" xmlns:c="http://schemas.openxmlformats.org/drawingml/2006/chart" xmlns:dgm="http://schemas.openxmlformats.org/drawingml/2006/diagram" xmlns:o="urn:schemas-microsoft-com:office:office" xmlns:v="urn:schemas-microsoft-com:vml" xmlns:pvml="urn:schemas-microsoft-com:office:powerpoint" xmlns:com="http://schemas.openxmlformats.org/drawingml/2006/compatibility" xmlns:p14="http://schemas.microsoft.com/office/powerpoint/2010/main" xmlns:p15="http://schemas.microsoft.com/office/powerpoint/2012/main" xmlns:ahyp="http://schemas.microsoft.com/office/drawing/2018/hyperlinkcolor">
+<p:sld xmlns:a="http://schemas.openxmlformats.org/drawingml/2006/main" xmlns:r="http://schemas.openxmlformats.org/officeDocument/2006/relationships" xmlns:p="http://schemas.openxmlformats.org/presentationml/2006/main">
   <p:cSld>
     <p:spTree>
       <p:nvGrpSpPr>
-        <p:cNvPr id="85" name="Shape 85"/>
+        <p:cNvPr id="1" name="Shape 85"/>
         <p:cNvGrpSpPr/>
         <p:nvPr/>
       </p:nvGrpSpPr>
@@ -7180,11 +7290,11 @@
 </file>
 
 <file path=ppt/slides/slide7.xml><?xml version="1.0" encoding="utf-8"?>
-<p:sld xmlns:a="http://schemas.openxmlformats.org/drawingml/2006/main" xmlns:r="http://schemas.openxmlformats.org/officeDocument/2006/relationships" xmlns:mc="http://schemas.openxmlformats.org/markup-compatibility/2006" xmlns:mv="urn:schemas-microsoft-com:mac:vml" xmlns:p="http://schemas.openxmlformats.org/presentationml/2006/main" xmlns:c="http://schemas.openxmlformats.org/drawingml/2006/chart" xmlns:dgm="http://schemas.openxmlformats.org/drawingml/2006/diagram" xmlns:o="urn:schemas-microsoft-com:office:office" xmlns:v="urn:schemas-microsoft-com:vml" xmlns:pvml="urn:schemas-microsoft-com:office:powerpoint" xmlns:com="http://schemas.openxmlformats.org/drawingml/2006/compatibility" xmlns:p14="http://schemas.microsoft.com/office/powerpoint/2010/main" xmlns:p15="http://schemas.microsoft.com/office/powerpoint/2012/main" xmlns:ahyp="http://schemas.microsoft.com/office/drawing/2018/hyperlinkcolor">
+<p:sld xmlns:a="http://schemas.openxmlformats.org/drawingml/2006/main" xmlns:r="http://schemas.openxmlformats.org/officeDocument/2006/relationships" xmlns:p="http://schemas.openxmlformats.org/presentationml/2006/main">
   <p:cSld>
     <p:spTree>
       <p:nvGrpSpPr>
-        <p:cNvPr id="90" name="Shape 90"/>
+        <p:cNvPr id="1" name="Shape 90"/>
         <p:cNvGrpSpPr/>
         <p:nvPr/>
       </p:nvGrpSpPr>
@@ -7233,11 +7343,11 @@
 </file>
 
 <file path=ppt/slides/slide8.xml><?xml version="1.0" encoding="utf-8"?>
-<p:sld xmlns:a="http://schemas.openxmlformats.org/drawingml/2006/main" xmlns:r="http://schemas.openxmlformats.org/officeDocument/2006/relationships" xmlns:mc="http://schemas.openxmlformats.org/markup-compatibility/2006" xmlns:mv="urn:schemas-microsoft-com:mac:vml" xmlns:p="http://schemas.openxmlformats.org/presentationml/2006/main" xmlns:c="http://schemas.openxmlformats.org/drawingml/2006/chart" xmlns:dgm="http://schemas.openxmlformats.org/drawingml/2006/diagram" xmlns:o="urn:schemas-microsoft-com:office:office" xmlns:v="urn:schemas-microsoft-com:vml" xmlns:pvml="urn:schemas-microsoft-com:office:powerpoint" xmlns:com="http://schemas.openxmlformats.org/drawingml/2006/compatibility" xmlns:p14="http://schemas.microsoft.com/office/powerpoint/2010/main" xmlns:p15="http://schemas.microsoft.com/office/powerpoint/2012/main" xmlns:ahyp="http://schemas.microsoft.com/office/drawing/2018/hyperlinkcolor">
+<p:sld xmlns:a="http://schemas.openxmlformats.org/drawingml/2006/main" xmlns:r="http://schemas.openxmlformats.org/officeDocument/2006/relationships" xmlns:p="http://schemas.openxmlformats.org/presentationml/2006/main">
   <p:cSld>
     <p:spTree>
       <p:nvGrpSpPr>
-        <p:cNvPr id="95" name="Shape 95"/>
+        <p:cNvPr id="1" name="Shape 95"/>
         <p:cNvGrpSpPr/>
         <p:nvPr/>
       </p:nvGrpSpPr>
@@ -7286,11 +7396,11 @@
 </file>
 
 <file path=ppt/slides/slide9.xml><?xml version="1.0" encoding="utf-8"?>
-<p:sld xmlns:a="http://schemas.openxmlformats.org/drawingml/2006/main" xmlns:r="http://schemas.openxmlformats.org/officeDocument/2006/relationships" xmlns:mc="http://schemas.openxmlformats.org/markup-compatibility/2006" xmlns:mv="urn:schemas-microsoft-com:mac:vml" xmlns:p="http://schemas.openxmlformats.org/presentationml/2006/main" xmlns:c="http://schemas.openxmlformats.org/drawingml/2006/chart" xmlns:dgm="http://schemas.openxmlformats.org/drawingml/2006/diagram" xmlns:o="urn:schemas-microsoft-com:office:office" xmlns:v="urn:schemas-microsoft-com:vml" xmlns:pvml="urn:schemas-microsoft-com:office:powerpoint" xmlns:com="http://schemas.openxmlformats.org/drawingml/2006/compatibility" xmlns:p14="http://schemas.microsoft.com/office/powerpoint/2010/main" xmlns:p15="http://schemas.microsoft.com/office/powerpoint/2012/main" xmlns:ahyp="http://schemas.microsoft.com/office/drawing/2018/hyperlinkcolor">
+<p:sld xmlns:a="http://schemas.openxmlformats.org/drawingml/2006/main" xmlns:r="http://schemas.openxmlformats.org/officeDocument/2006/relationships" xmlns:p="http://schemas.openxmlformats.org/presentationml/2006/main">
   <p:cSld>
     <p:spTree>
       <p:nvGrpSpPr>
-        <p:cNvPr id="100" name="Shape 100"/>
+        <p:cNvPr id="1" name="Shape 100"/>
         <p:cNvGrpSpPr/>
         <p:nvPr/>
       </p:nvGrpSpPr>
@@ -7339,7 +7449,7 @@
 </file>
 
 <file path=ppt/theme/theme1.xml><?xml version="1.0" encoding="utf-8"?>
-<a:theme xmlns:a="http://schemas.openxmlformats.org/drawingml/2006/main" xmlns:r="http://schemas.openxmlformats.org/officeDocument/2006/relationships" name="Simple Light">
+<a:theme xmlns:a="http://schemas.openxmlformats.org/drawingml/2006/main" name="Simple Light">
   <a:themeElements>
     <a:clrScheme name="Simple Light">
       <a:dk1>
@@ -7614,11 +7724,13 @@
       </a:bgFillStyleLst>
     </a:fmtScheme>
   </a:themeElements>
+  <a:objectDefaults/>
+  <a:extraClrSchemeLst/>
 </a:theme>
 </file>
 
 <file path=ppt/theme/theme2.xml><?xml version="1.0" encoding="utf-8"?>
-<a:theme xmlns:a="http://schemas.openxmlformats.org/drawingml/2006/main" xmlns:r="http://schemas.openxmlformats.org/officeDocument/2006/relationships">
+<a:theme xmlns:a="http://schemas.openxmlformats.org/drawingml/2006/main">
   <a:themeElements>
     <a:clrScheme name="Default">
       <a:dk1>
@@ -7893,5 +8005,7 @@
       </a:bgFillStyleLst>
     </a:fmtScheme>
   </a:themeElements>
+  <a:objectDefaults/>
+  <a:extraClrSchemeLst/>
 </a:theme>
 </file>